--- a/programacao-funcional-java8.pptx
+++ b/programacao-funcional-java8.pptx
@@ -5,11 +5,29 @@
     <p:sldMasterId id="2147484133" r:id="rId1"/>
   </p:sldMasterIdLst>
   <p:notesMasterIdLst>
-    <p:notesMasterId r:id="rId4"/>
+    <p:notesMasterId r:id="rId22"/>
   </p:notesMasterIdLst>
   <p:sldIdLst>
     <p:sldId id="266" r:id="rId2"/>
-    <p:sldId id="271" r:id="rId3"/>
+    <p:sldId id="272" r:id="rId3"/>
+    <p:sldId id="273" r:id="rId4"/>
+    <p:sldId id="274" r:id="rId5"/>
+    <p:sldId id="276" r:id="rId6"/>
+    <p:sldId id="277" r:id="rId7"/>
+    <p:sldId id="275" r:id="rId8"/>
+    <p:sldId id="278" r:id="rId9"/>
+    <p:sldId id="279" r:id="rId10"/>
+    <p:sldId id="280" r:id="rId11"/>
+    <p:sldId id="283" r:id="rId12"/>
+    <p:sldId id="285" r:id="rId13"/>
+    <p:sldId id="284" r:id="rId14"/>
+    <p:sldId id="286" r:id="rId15"/>
+    <p:sldId id="281" r:id="rId16"/>
+    <p:sldId id="282" r:id="rId17"/>
+    <p:sldId id="287" r:id="rId18"/>
+    <p:sldId id="271" r:id="rId19"/>
+    <p:sldId id="288" r:id="rId20"/>
+    <p:sldId id="289" r:id="rId21"/>
   </p:sldIdLst>
   <p:sldSz cx="12192000" cy="6858000"/>
   <p:notesSz cx="6858000" cy="9144000"/>
@@ -6313,7 +6331,7 @@
 </p:sld>
 </file>
 
-<file path=ppt/slides/slide2.xml><?xml version="1.0" encoding="utf-8"?>
+<file path=ppt/slides/slide10.xml><?xml version="1.0" encoding="utf-8"?>
 <p:sld xmlns:a="http://schemas.openxmlformats.org/drawingml/2006/main" xmlns:r="http://schemas.openxmlformats.org/officeDocument/2006/relationships" xmlns:p="http://schemas.openxmlformats.org/presentationml/2006/main">
   <p:cSld>
     <p:spTree>
@@ -6335,6 +6353,1309 @@
           <p:cNvPr id="2" name="Title 1">
             <a:extLst>
               <a:ext uri="{FF2B5EF4-FFF2-40B4-BE49-F238E27FC236}">
+                <a16:creationId xmlns:a16="http://schemas.microsoft.com/office/drawing/2014/main" id="{F292BC46-7E1D-E746-AC31-2E4322842F3F}"/>
+              </a:ext>
+            </a:extLst>
+          </p:cNvPr>
+          <p:cNvSpPr>
+            <a:spLocks noGrp="1"/>
+          </p:cNvSpPr>
+          <p:nvPr>
+            <p:ph type="title"/>
+          </p:nvPr>
+        </p:nvSpPr>
+        <p:spPr>
+          <a:xfrm>
+            <a:off x="1505886" y="1304150"/>
+            <a:ext cx="9451923" cy="4497048"/>
+          </a:xfrm>
+        </p:spPr>
+        <p:txBody>
+          <a:bodyPr>
+            <a:normAutofit/>
+          </a:bodyPr>
+          <a:lstStyle/>
+          <a:p>
+            <a:pPr algn="ctr"/>
+            <a:r>
+              <a:rPr lang="pt-BR" dirty="0"/>
+              <a:t>Ele É apenas um meio para o fim.</a:t>
+            </a:r>
+            <a:br>
+              <a:rPr lang="pt-BR" dirty="0"/>
+            </a:br>
+            <a:endParaRPr lang="pt-BR" dirty="0"/>
+          </a:p>
+        </p:txBody>
+      </p:sp>
+      <p:sp>
+        <p:nvSpPr>
+          <p:cNvPr id="4" name="Slide Number Placeholder 3">
+            <a:extLst>
+              <a:ext uri="{FF2B5EF4-FFF2-40B4-BE49-F238E27FC236}">
+                <a16:creationId xmlns:a16="http://schemas.microsoft.com/office/drawing/2014/main" id="{1D36AC80-6BDE-CC4C-846B-04FDB6E2D6C9}"/>
+              </a:ext>
+            </a:extLst>
+          </p:cNvPr>
+          <p:cNvSpPr>
+            <a:spLocks noGrp="1"/>
+          </p:cNvSpPr>
+          <p:nvPr>
+            <p:ph type="sldNum" sz="quarter" idx="12"/>
+          </p:nvPr>
+        </p:nvSpPr>
+        <p:spPr/>
+        <p:txBody>
+          <a:bodyPr/>
+          <a:lstStyle/>
+          <a:p>
+            <a:fld id="{2183B7EE-0FBE-B749-875F-ED24F5ECD71F}" type="slidenum">
+              <a:rPr lang="en-US" smtClean="0"/>
+              <a:t>10</a:t>
+            </a:fld>
+            <a:endParaRPr lang="en-US" dirty="0"/>
+          </a:p>
+        </p:txBody>
+      </p:sp>
+    </p:spTree>
+    <p:extLst>
+      <p:ext uri="{BB962C8B-B14F-4D97-AF65-F5344CB8AC3E}">
+        <p14:creationId xmlns:p14="http://schemas.microsoft.com/office/powerpoint/2010/main" val="4128102604"/>
+      </p:ext>
+    </p:extLst>
+  </p:cSld>
+  <p:clrMapOvr>
+    <a:masterClrMapping/>
+  </p:clrMapOvr>
+  <p:timing>
+    <p:tnLst>
+      <p:par>
+        <p:cTn id="1" dur="indefinite" restart="never" nodeType="tmRoot">
+          <p:childTnLst>
+            <p:seq concurrent="1" nextAc="seek">
+              <p:cTn id="2" dur="indefinite" nodeType="mainSeq">
+                <p:childTnLst>
+                  <p:par>
+                    <p:cTn id="3" fill="hold">
+                      <p:stCondLst>
+                        <p:cond delay="indefinite"/>
+                      </p:stCondLst>
+                      <p:childTnLst>
+                        <p:par>
+                          <p:cTn id="4" fill="hold">
+                            <p:stCondLst>
+                              <p:cond delay="0"/>
+                            </p:stCondLst>
+                            <p:childTnLst>
+                              <p:par>
+                                <p:cTn id="5" presetID="9" presetClass="entr" presetSubtype="0" fill="hold" grpId="0" nodeType="clickEffect">
+                                  <p:stCondLst>
+                                    <p:cond delay="0"/>
+                                  </p:stCondLst>
+                                  <p:childTnLst>
+                                    <p:set>
+                                      <p:cBhvr>
+                                        <p:cTn id="6" dur="1" fill="hold">
+                                          <p:stCondLst>
+                                            <p:cond delay="0"/>
+                                          </p:stCondLst>
+                                        </p:cTn>
+                                        <p:tgtEl>
+                                          <p:spTgt spid="2"/>
+                                        </p:tgtEl>
+                                        <p:attrNameLst>
+                                          <p:attrName>style.visibility</p:attrName>
+                                        </p:attrNameLst>
+                                      </p:cBhvr>
+                                      <p:to>
+                                        <p:strVal val="visible"/>
+                                      </p:to>
+                                    </p:set>
+                                    <p:animEffect transition="in" filter="dissolve">
+                                      <p:cBhvr>
+                                        <p:cTn id="7" dur="500"/>
+                                        <p:tgtEl>
+                                          <p:spTgt spid="2"/>
+                                        </p:tgtEl>
+                                      </p:cBhvr>
+                                    </p:animEffect>
+                                  </p:childTnLst>
+                                </p:cTn>
+                              </p:par>
+                            </p:childTnLst>
+                          </p:cTn>
+                        </p:par>
+                      </p:childTnLst>
+                    </p:cTn>
+                  </p:par>
+                </p:childTnLst>
+              </p:cTn>
+              <p:prevCondLst>
+                <p:cond evt="onPrev" delay="0">
+                  <p:tgtEl>
+                    <p:sldTgt/>
+                  </p:tgtEl>
+                </p:cond>
+              </p:prevCondLst>
+              <p:nextCondLst>
+                <p:cond evt="onNext" delay="0">
+                  <p:tgtEl>
+                    <p:sldTgt/>
+                  </p:tgtEl>
+                </p:cond>
+              </p:nextCondLst>
+            </p:seq>
+          </p:childTnLst>
+        </p:cTn>
+      </p:par>
+    </p:tnLst>
+    <p:bldLst>
+      <p:bldP spid="2" grpId="0"/>
+    </p:bldLst>
+  </p:timing>
+</p:sld>
+</file>
+
+<file path=ppt/slides/slide11.xml><?xml version="1.0" encoding="utf-8"?>
+<p:sld xmlns:a="http://schemas.openxmlformats.org/drawingml/2006/main" xmlns:r="http://schemas.openxmlformats.org/officeDocument/2006/relationships" xmlns:p="http://schemas.openxmlformats.org/presentationml/2006/main">
+  <p:cSld>
+    <p:spTree>
+      <p:nvGrpSpPr>
+        <p:cNvPr id="1" name=""/>
+        <p:cNvGrpSpPr/>
+        <p:nvPr/>
+      </p:nvGrpSpPr>
+      <p:grpSpPr>
+        <a:xfrm>
+          <a:off x="0" y="0"/>
+          <a:ext cx="0" cy="0"/>
+          <a:chOff x="0" y="0"/>
+          <a:chExt cx="0" cy="0"/>
+        </a:xfrm>
+      </p:grpSpPr>
+      <p:sp>
+        <p:nvSpPr>
+          <p:cNvPr id="2" name="Title 1">
+            <a:extLst>
+              <a:ext uri="{FF2B5EF4-FFF2-40B4-BE49-F238E27FC236}">
+                <a16:creationId xmlns:a16="http://schemas.microsoft.com/office/drawing/2014/main" id="{EA0569EB-5A72-1C47-92BB-5AFDEFA3B8D7}"/>
+              </a:ext>
+            </a:extLst>
+          </p:cNvPr>
+          <p:cNvSpPr>
+            <a:spLocks noGrp="1"/>
+          </p:cNvSpPr>
+          <p:nvPr>
+            <p:ph type="title"/>
+          </p:nvPr>
+        </p:nvSpPr>
+        <p:spPr/>
+        <p:txBody>
+          <a:bodyPr/>
+          <a:lstStyle/>
+          <a:p>
+            <a:r>
+              <a:rPr lang="pt-BR" dirty="0"/>
+              <a:t>Processando uma lista</a:t>
+            </a:r>
+          </a:p>
+        </p:txBody>
+      </p:sp>
+      <p:sp>
+        <p:nvSpPr>
+          <p:cNvPr id="3" name="Content Placeholder 2">
+            <a:extLst>
+              <a:ext uri="{FF2B5EF4-FFF2-40B4-BE49-F238E27FC236}">
+                <a16:creationId xmlns:a16="http://schemas.microsoft.com/office/drawing/2014/main" id="{4510797C-6CB5-254B-BF95-1600D2935441}"/>
+              </a:ext>
+            </a:extLst>
+          </p:cNvPr>
+          <p:cNvSpPr>
+            <a:spLocks noGrp="1"/>
+          </p:cNvSpPr>
+          <p:nvPr>
+            <p:ph idx="1"/>
+          </p:nvPr>
+        </p:nvSpPr>
+        <p:spPr/>
+        <p:txBody>
+          <a:bodyPr>
+            <a:normAutofit/>
+          </a:bodyPr>
+          <a:lstStyle/>
+          <a:p>
+            <a:r>
+              <a:rPr lang="pt-BR" sz="4000" dirty="0"/>
+              <a:t>E se precisarmos obter estatísticas a respeito de alunos em uma lista, como maior nota, menor nota, total por sexo, etc.?</a:t>
+            </a:r>
+          </a:p>
+        </p:txBody>
+      </p:sp>
+      <p:sp>
+        <p:nvSpPr>
+          <p:cNvPr id="4" name="Slide Number Placeholder 3">
+            <a:extLst>
+              <a:ext uri="{FF2B5EF4-FFF2-40B4-BE49-F238E27FC236}">
+                <a16:creationId xmlns:a16="http://schemas.microsoft.com/office/drawing/2014/main" id="{A2E4062F-2E64-C740-8E1F-8396020E9764}"/>
+              </a:ext>
+            </a:extLst>
+          </p:cNvPr>
+          <p:cNvSpPr>
+            <a:spLocks noGrp="1"/>
+          </p:cNvSpPr>
+          <p:nvPr>
+            <p:ph type="sldNum" sz="quarter" idx="12"/>
+          </p:nvPr>
+        </p:nvSpPr>
+        <p:spPr/>
+        <p:txBody>
+          <a:bodyPr/>
+          <a:lstStyle/>
+          <a:p>
+            <a:fld id="{2183B7EE-0FBE-B749-875F-ED24F5ECD71F}" type="slidenum">
+              <a:rPr lang="en-US" smtClean="0"/>
+              <a:t>11</a:t>
+            </a:fld>
+            <a:endParaRPr lang="en-US" dirty="0"/>
+          </a:p>
+        </p:txBody>
+      </p:sp>
+    </p:spTree>
+    <p:extLst>
+      <p:ext uri="{BB962C8B-B14F-4D97-AF65-F5344CB8AC3E}">
+        <p14:creationId xmlns:p14="http://schemas.microsoft.com/office/powerpoint/2010/main" val="2187100102"/>
+      </p:ext>
+    </p:extLst>
+  </p:cSld>
+  <p:clrMapOvr>
+    <a:masterClrMapping/>
+  </p:clrMapOvr>
+</p:sld>
+</file>
+
+<file path=ppt/slides/slide12.xml><?xml version="1.0" encoding="utf-8"?>
+<p:sld xmlns:a="http://schemas.openxmlformats.org/drawingml/2006/main" xmlns:r="http://schemas.openxmlformats.org/officeDocument/2006/relationships" xmlns:p="http://schemas.openxmlformats.org/presentationml/2006/main">
+  <p:cSld>
+    <p:spTree>
+      <p:nvGrpSpPr>
+        <p:cNvPr id="1" name=""/>
+        <p:cNvGrpSpPr/>
+        <p:nvPr/>
+      </p:nvGrpSpPr>
+      <p:grpSpPr>
+        <a:xfrm>
+          <a:off x="0" y="0"/>
+          <a:ext cx="0" cy="0"/>
+          <a:chOff x="0" y="0"/>
+          <a:chExt cx="0" cy="0"/>
+        </a:xfrm>
+      </p:grpSpPr>
+      <p:sp>
+        <p:nvSpPr>
+          <p:cNvPr id="2" name="Title 1">
+            <a:extLst>
+              <a:ext uri="{FF2B5EF4-FFF2-40B4-BE49-F238E27FC236}">
+                <a16:creationId xmlns:a16="http://schemas.microsoft.com/office/drawing/2014/main" id="{EA0569EB-5A72-1C47-92BB-5AFDEFA3B8D7}"/>
+              </a:ext>
+            </a:extLst>
+          </p:cNvPr>
+          <p:cNvSpPr>
+            <a:spLocks noGrp="1"/>
+          </p:cNvSpPr>
+          <p:nvPr>
+            <p:ph type="title"/>
+          </p:nvPr>
+        </p:nvSpPr>
+        <p:spPr/>
+        <p:txBody>
+          <a:bodyPr/>
+          <a:lstStyle/>
+          <a:p>
+            <a:r>
+              <a:rPr lang="pt-BR" dirty="0"/>
+              <a:t>Processando uma lista</a:t>
+            </a:r>
+          </a:p>
+        </p:txBody>
+      </p:sp>
+      <p:sp>
+        <p:nvSpPr>
+          <p:cNvPr id="4" name="Slide Number Placeholder 3">
+            <a:extLst>
+              <a:ext uri="{FF2B5EF4-FFF2-40B4-BE49-F238E27FC236}">
+                <a16:creationId xmlns:a16="http://schemas.microsoft.com/office/drawing/2014/main" id="{A2E4062F-2E64-C740-8E1F-8396020E9764}"/>
+              </a:ext>
+            </a:extLst>
+          </p:cNvPr>
+          <p:cNvSpPr>
+            <a:spLocks noGrp="1"/>
+          </p:cNvSpPr>
+          <p:nvPr>
+            <p:ph type="sldNum" sz="quarter" idx="12"/>
+          </p:nvPr>
+        </p:nvSpPr>
+        <p:spPr/>
+        <p:txBody>
+          <a:bodyPr/>
+          <a:lstStyle/>
+          <a:p>
+            <a:fld id="{2183B7EE-0FBE-B749-875F-ED24F5ECD71F}" type="slidenum">
+              <a:rPr lang="en-US" smtClean="0"/>
+              <a:t>12</a:t>
+            </a:fld>
+            <a:endParaRPr lang="en-US" dirty="0"/>
+          </a:p>
+        </p:txBody>
+      </p:sp>
+      <p:pic>
+        <p:nvPicPr>
+          <p:cNvPr id="8" name="Picture 7" descr="A screenshot of a cell phone&#10;&#10;Description automatically generated">
+            <a:extLst>
+              <a:ext uri="{FF2B5EF4-FFF2-40B4-BE49-F238E27FC236}">
+                <a16:creationId xmlns:a16="http://schemas.microsoft.com/office/drawing/2014/main" id="{1BE8BB9E-54AE-524F-8AE2-A97375FEC4BE}"/>
+              </a:ext>
+            </a:extLst>
+          </p:cNvPr>
+          <p:cNvPicPr>
+            <a:picLocks noChangeAspect="1"/>
+          </p:cNvPicPr>
+          <p:nvPr/>
+        </p:nvPicPr>
+        <p:blipFill>
+          <a:blip r:embed="rId2"/>
+          <a:stretch>
+            <a:fillRect/>
+          </a:stretch>
+        </p:blipFill>
+        <p:spPr>
+          <a:xfrm>
+            <a:off x="1001322" y="2468497"/>
+            <a:ext cx="10189356" cy="4008503"/>
+          </a:xfrm>
+          <a:prstGeom prst="rect">
+            <a:avLst/>
+          </a:prstGeom>
+        </p:spPr>
+      </p:pic>
+    </p:spTree>
+    <p:extLst>
+      <p:ext uri="{BB962C8B-B14F-4D97-AF65-F5344CB8AC3E}">
+        <p14:creationId xmlns:p14="http://schemas.microsoft.com/office/powerpoint/2010/main" val="362977919"/>
+      </p:ext>
+    </p:extLst>
+  </p:cSld>
+  <p:clrMapOvr>
+    <a:masterClrMapping/>
+  </p:clrMapOvr>
+</p:sld>
+</file>
+
+<file path=ppt/slides/slide13.xml><?xml version="1.0" encoding="utf-8"?>
+<p:sld xmlns:a="http://schemas.openxmlformats.org/drawingml/2006/main" xmlns:r="http://schemas.openxmlformats.org/officeDocument/2006/relationships" xmlns:p="http://schemas.openxmlformats.org/presentationml/2006/main">
+  <p:cSld>
+    <p:spTree>
+      <p:nvGrpSpPr>
+        <p:cNvPr id="1" name=""/>
+        <p:cNvGrpSpPr/>
+        <p:nvPr/>
+      </p:nvGrpSpPr>
+      <p:grpSpPr>
+        <a:xfrm>
+          <a:off x="0" y="0"/>
+          <a:ext cx="0" cy="0"/>
+          <a:chOff x="0" y="0"/>
+          <a:chExt cx="0" cy="0"/>
+        </a:xfrm>
+      </p:grpSpPr>
+      <p:sp>
+        <p:nvSpPr>
+          <p:cNvPr id="2" name="Title 1">
+            <a:extLst>
+              <a:ext uri="{FF2B5EF4-FFF2-40B4-BE49-F238E27FC236}">
+                <a16:creationId xmlns:a16="http://schemas.microsoft.com/office/drawing/2014/main" id="{F292BC46-7E1D-E746-AC31-2E4322842F3F}"/>
+              </a:ext>
+            </a:extLst>
+          </p:cNvPr>
+          <p:cNvSpPr>
+            <a:spLocks noGrp="1"/>
+          </p:cNvSpPr>
+          <p:nvPr>
+            <p:ph type="title"/>
+          </p:nvPr>
+        </p:nvSpPr>
+        <p:spPr>
+          <a:xfrm>
+            <a:off x="1505886" y="1304150"/>
+            <a:ext cx="9451923" cy="4497048"/>
+          </a:xfrm>
+        </p:spPr>
+        <p:txBody>
+          <a:bodyPr>
+            <a:normAutofit/>
+          </a:bodyPr>
+          <a:lstStyle/>
+          <a:p>
+            <a:pPr algn="ctr"/>
+            <a:r>
+              <a:rPr lang="pt-BR" dirty="0"/>
+              <a:t>O código vai ficando cada vez mais suscetível a erros.</a:t>
+            </a:r>
+          </a:p>
+        </p:txBody>
+      </p:sp>
+      <p:sp>
+        <p:nvSpPr>
+          <p:cNvPr id="4" name="Slide Number Placeholder 3">
+            <a:extLst>
+              <a:ext uri="{FF2B5EF4-FFF2-40B4-BE49-F238E27FC236}">
+                <a16:creationId xmlns:a16="http://schemas.microsoft.com/office/drawing/2014/main" id="{1D36AC80-6BDE-CC4C-846B-04FDB6E2D6C9}"/>
+              </a:ext>
+            </a:extLst>
+          </p:cNvPr>
+          <p:cNvSpPr>
+            <a:spLocks noGrp="1"/>
+          </p:cNvSpPr>
+          <p:nvPr>
+            <p:ph type="sldNum" sz="quarter" idx="12"/>
+          </p:nvPr>
+        </p:nvSpPr>
+        <p:spPr/>
+        <p:txBody>
+          <a:bodyPr/>
+          <a:lstStyle/>
+          <a:p>
+            <a:fld id="{2183B7EE-0FBE-B749-875F-ED24F5ECD71F}" type="slidenum">
+              <a:rPr lang="en-US" smtClean="0"/>
+              <a:t>13</a:t>
+            </a:fld>
+            <a:endParaRPr lang="en-US" dirty="0"/>
+          </a:p>
+        </p:txBody>
+      </p:sp>
+    </p:spTree>
+    <p:extLst>
+      <p:ext uri="{BB962C8B-B14F-4D97-AF65-F5344CB8AC3E}">
+        <p14:creationId xmlns:p14="http://schemas.microsoft.com/office/powerpoint/2010/main" val="4174949328"/>
+      </p:ext>
+    </p:extLst>
+  </p:cSld>
+  <p:clrMapOvr>
+    <a:masterClrMapping/>
+  </p:clrMapOvr>
+  <p:timing>
+    <p:tnLst>
+      <p:par>
+        <p:cTn id="1" dur="indefinite" restart="never" nodeType="tmRoot">
+          <p:childTnLst>
+            <p:seq concurrent="1" nextAc="seek">
+              <p:cTn id="2" dur="indefinite" nodeType="mainSeq">
+                <p:childTnLst>
+                  <p:par>
+                    <p:cTn id="3" fill="hold">
+                      <p:stCondLst>
+                        <p:cond delay="indefinite"/>
+                      </p:stCondLst>
+                      <p:childTnLst>
+                        <p:par>
+                          <p:cTn id="4" fill="hold">
+                            <p:stCondLst>
+                              <p:cond delay="0"/>
+                            </p:stCondLst>
+                            <p:childTnLst>
+                              <p:par>
+                                <p:cTn id="5" presetID="9" presetClass="entr" presetSubtype="0" fill="hold" grpId="0" nodeType="clickEffect">
+                                  <p:stCondLst>
+                                    <p:cond delay="0"/>
+                                  </p:stCondLst>
+                                  <p:childTnLst>
+                                    <p:set>
+                                      <p:cBhvr>
+                                        <p:cTn id="6" dur="1" fill="hold">
+                                          <p:stCondLst>
+                                            <p:cond delay="0"/>
+                                          </p:stCondLst>
+                                        </p:cTn>
+                                        <p:tgtEl>
+                                          <p:spTgt spid="2"/>
+                                        </p:tgtEl>
+                                        <p:attrNameLst>
+                                          <p:attrName>style.visibility</p:attrName>
+                                        </p:attrNameLst>
+                                      </p:cBhvr>
+                                      <p:to>
+                                        <p:strVal val="visible"/>
+                                      </p:to>
+                                    </p:set>
+                                    <p:animEffect transition="in" filter="dissolve">
+                                      <p:cBhvr>
+                                        <p:cTn id="7" dur="500"/>
+                                        <p:tgtEl>
+                                          <p:spTgt spid="2"/>
+                                        </p:tgtEl>
+                                      </p:cBhvr>
+                                    </p:animEffect>
+                                  </p:childTnLst>
+                                </p:cTn>
+                              </p:par>
+                            </p:childTnLst>
+                          </p:cTn>
+                        </p:par>
+                      </p:childTnLst>
+                    </p:cTn>
+                  </p:par>
+                </p:childTnLst>
+              </p:cTn>
+              <p:prevCondLst>
+                <p:cond evt="onPrev" delay="0">
+                  <p:tgtEl>
+                    <p:sldTgt/>
+                  </p:tgtEl>
+                </p:cond>
+              </p:prevCondLst>
+              <p:nextCondLst>
+                <p:cond evt="onNext" delay="0">
+                  <p:tgtEl>
+                    <p:sldTgt/>
+                  </p:tgtEl>
+                </p:cond>
+              </p:nextCondLst>
+            </p:seq>
+          </p:childTnLst>
+        </p:cTn>
+      </p:par>
+    </p:tnLst>
+    <p:bldLst>
+      <p:bldP spid="2" grpId="0"/>
+    </p:bldLst>
+  </p:timing>
+</p:sld>
+</file>
+
+<file path=ppt/slides/slide14.xml><?xml version="1.0" encoding="utf-8"?>
+<p:sld xmlns:a="http://schemas.openxmlformats.org/drawingml/2006/main" xmlns:r="http://schemas.openxmlformats.org/officeDocument/2006/relationships" xmlns:p="http://schemas.openxmlformats.org/presentationml/2006/main">
+  <p:cSld>
+    <p:spTree>
+      <p:nvGrpSpPr>
+        <p:cNvPr id="1" name=""/>
+        <p:cNvGrpSpPr/>
+        <p:nvPr/>
+      </p:nvGrpSpPr>
+      <p:grpSpPr>
+        <a:xfrm>
+          <a:off x="0" y="0"/>
+          <a:ext cx="0" cy="0"/>
+          <a:chOff x="0" y="0"/>
+          <a:chExt cx="0" cy="0"/>
+        </a:xfrm>
+      </p:grpSpPr>
+      <p:sp>
+        <p:nvSpPr>
+          <p:cNvPr id="2" name="Title 1">
+            <a:extLst>
+              <a:ext uri="{FF2B5EF4-FFF2-40B4-BE49-F238E27FC236}">
+                <a16:creationId xmlns:a16="http://schemas.microsoft.com/office/drawing/2014/main" id="{EA0569EB-5A72-1C47-92BB-5AFDEFA3B8D7}"/>
+              </a:ext>
+            </a:extLst>
+          </p:cNvPr>
+          <p:cNvSpPr>
+            <a:spLocks noGrp="1"/>
+          </p:cNvSpPr>
+          <p:nvPr>
+            <p:ph type="title"/>
+          </p:nvPr>
+        </p:nvSpPr>
+        <p:spPr/>
+        <p:txBody>
+          <a:bodyPr/>
+          <a:lstStyle/>
+          <a:p>
+            <a:r>
+              <a:rPr lang="pt-BR" dirty="0"/>
+              <a:t>O que há de errado?</a:t>
+            </a:r>
+          </a:p>
+        </p:txBody>
+      </p:sp>
+      <p:sp>
+        <p:nvSpPr>
+          <p:cNvPr id="4" name="Slide Number Placeholder 3">
+            <a:extLst>
+              <a:ext uri="{FF2B5EF4-FFF2-40B4-BE49-F238E27FC236}">
+                <a16:creationId xmlns:a16="http://schemas.microsoft.com/office/drawing/2014/main" id="{A2E4062F-2E64-C740-8E1F-8396020E9764}"/>
+              </a:ext>
+            </a:extLst>
+          </p:cNvPr>
+          <p:cNvSpPr>
+            <a:spLocks noGrp="1"/>
+          </p:cNvSpPr>
+          <p:nvPr>
+            <p:ph type="sldNum" sz="quarter" idx="12"/>
+          </p:nvPr>
+        </p:nvSpPr>
+        <p:spPr/>
+        <p:txBody>
+          <a:bodyPr/>
+          <a:lstStyle/>
+          <a:p>
+            <a:fld id="{2183B7EE-0FBE-B749-875F-ED24F5ECD71F}" type="slidenum">
+              <a:rPr lang="en-US" smtClean="0"/>
+              <a:t>14</a:t>
+            </a:fld>
+            <a:endParaRPr lang="en-US" dirty="0"/>
+          </a:p>
+        </p:txBody>
+      </p:sp>
+      <p:pic>
+        <p:nvPicPr>
+          <p:cNvPr id="8" name="Picture 7" descr="A screenshot of a cell phone&#10;&#10;Description automatically generated">
+            <a:extLst>
+              <a:ext uri="{FF2B5EF4-FFF2-40B4-BE49-F238E27FC236}">
+                <a16:creationId xmlns:a16="http://schemas.microsoft.com/office/drawing/2014/main" id="{1BE8BB9E-54AE-524F-8AE2-A97375FEC4BE}"/>
+              </a:ext>
+            </a:extLst>
+          </p:cNvPr>
+          <p:cNvPicPr>
+            <a:picLocks noChangeAspect="1"/>
+          </p:cNvPicPr>
+          <p:nvPr/>
+        </p:nvPicPr>
+        <p:blipFill>
+          <a:blip r:embed="rId2"/>
+          <a:stretch>
+            <a:fillRect/>
+          </a:stretch>
+        </p:blipFill>
+        <p:spPr>
+          <a:xfrm>
+            <a:off x="1001322" y="2468497"/>
+            <a:ext cx="10189356" cy="4008503"/>
+          </a:xfrm>
+          <a:prstGeom prst="rect">
+            <a:avLst/>
+          </a:prstGeom>
+        </p:spPr>
+      </p:pic>
+    </p:spTree>
+    <p:extLst>
+      <p:ext uri="{BB962C8B-B14F-4D97-AF65-F5344CB8AC3E}">
+        <p14:creationId xmlns:p14="http://schemas.microsoft.com/office/powerpoint/2010/main" val="3560802253"/>
+      </p:ext>
+    </p:extLst>
+  </p:cSld>
+  <p:clrMapOvr>
+    <a:masterClrMapping/>
+  </p:clrMapOvr>
+</p:sld>
+</file>
+
+<file path=ppt/slides/slide15.xml><?xml version="1.0" encoding="utf-8"?>
+<p:sld xmlns:a="http://schemas.openxmlformats.org/drawingml/2006/main" xmlns:r="http://schemas.openxmlformats.org/officeDocument/2006/relationships" xmlns:p="http://schemas.openxmlformats.org/presentationml/2006/main">
+  <p:cSld>
+    <p:spTree>
+      <p:nvGrpSpPr>
+        <p:cNvPr id="1" name=""/>
+        <p:cNvGrpSpPr/>
+        <p:nvPr/>
+      </p:nvGrpSpPr>
+      <p:grpSpPr>
+        <a:xfrm>
+          <a:off x="0" y="0"/>
+          <a:ext cx="0" cy="0"/>
+          <a:chOff x="0" y="0"/>
+          <a:chExt cx="0" cy="0"/>
+        </a:xfrm>
+      </p:grpSpPr>
+      <p:sp>
+        <p:nvSpPr>
+          <p:cNvPr id="2" name="Title 1">
+            <a:extLst>
+              <a:ext uri="{FF2B5EF4-FFF2-40B4-BE49-F238E27FC236}">
+                <a16:creationId xmlns:a16="http://schemas.microsoft.com/office/drawing/2014/main" id="{F292BC46-7E1D-E746-AC31-2E4322842F3F}"/>
+              </a:ext>
+            </a:extLst>
+          </p:cNvPr>
+          <p:cNvSpPr>
+            <a:spLocks noGrp="1"/>
+          </p:cNvSpPr>
+          <p:nvPr>
+            <p:ph type="title"/>
+          </p:nvPr>
+        </p:nvSpPr>
+        <p:spPr>
+          <a:xfrm>
+            <a:off x="1505886" y="1304150"/>
+            <a:ext cx="9451923" cy="4497048"/>
+          </a:xfrm>
+        </p:spPr>
+        <p:txBody>
+          <a:bodyPr>
+            <a:normAutofit/>
+          </a:bodyPr>
+          <a:lstStyle/>
+          <a:p>
+            <a:pPr algn="ctr"/>
+            <a:r>
+              <a:rPr lang="pt-BR" dirty="0"/>
+              <a:t>Então como fazer melhor?</a:t>
+            </a:r>
+          </a:p>
+        </p:txBody>
+      </p:sp>
+      <p:sp>
+        <p:nvSpPr>
+          <p:cNvPr id="4" name="Slide Number Placeholder 3">
+            <a:extLst>
+              <a:ext uri="{FF2B5EF4-FFF2-40B4-BE49-F238E27FC236}">
+                <a16:creationId xmlns:a16="http://schemas.microsoft.com/office/drawing/2014/main" id="{1D36AC80-6BDE-CC4C-846B-04FDB6E2D6C9}"/>
+              </a:ext>
+            </a:extLst>
+          </p:cNvPr>
+          <p:cNvSpPr>
+            <a:spLocks noGrp="1"/>
+          </p:cNvSpPr>
+          <p:nvPr>
+            <p:ph type="sldNum" sz="quarter" idx="12"/>
+          </p:nvPr>
+        </p:nvSpPr>
+        <p:spPr/>
+        <p:txBody>
+          <a:bodyPr/>
+          <a:lstStyle/>
+          <a:p>
+            <a:fld id="{2183B7EE-0FBE-B749-875F-ED24F5ECD71F}" type="slidenum">
+              <a:rPr lang="en-US" smtClean="0"/>
+              <a:t>15</a:t>
+            </a:fld>
+            <a:endParaRPr lang="en-US" dirty="0"/>
+          </a:p>
+        </p:txBody>
+      </p:sp>
+    </p:spTree>
+    <p:extLst>
+      <p:ext uri="{BB962C8B-B14F-4D97-AF65-F5344CB8AC3E}">
+        <p14:creationId xmlns:p14="http://schemas.microsoft.com/office/powerpoint/2010/main" val="2472877840"/>
+      </p:ext>
+    </p:extLst>
+  </p:cSld>
+  <p:clrMapOvr>
+    <a:masterClrMapping/>
+  </p:clrMapOvr>
+  <p:timing>
+    <p:tnLst>
+      <p:par>
+        <p:cTn id="1" dur="indefinite" restart="never" nodeType="tmRoot">
+          <p:childTnLst>
+            <p:seq concurrent="1" nextAc="seek">
+              <p:cTn id="2" dur="indefinite" nodeType="mainSeq">
+                <p:childTnLst>
+                  <p:par>
+                    <p:cTn id="3" fill="hold">
+                      <p:stCondLst>
+                        <p:cond delay="indefinite"/>
+                      </p:stCondLst>
+                      <p:childTnLst>
+                        <p:par>
+                          <p:cTn id="4" fill="hold">
+                            <p:stCondLst>
+                              <p:cond delay="0"/>
+                            </p:stCondLst>
+                            <p:childTnLst>
+                              <p:par>
+                                <p:cTn id="5" presetID="9" presetClass="entr" presetSubtype="0" fill="hold" grpId="0" nodeType="clickEffect">
+                                  <p:stCondLst>
+                                    <p:cond delay="0"/>
+                                  </p:stCondLst>
+                                  <p:childTnLst>
+                                    <p:set>
+                                      <p:cBhvr>
+                                        <p:cTn id="6" dur="1" fill="hold">
+                                          <p:stCondLst>
+                                            <p:cond delay="0"/>
+                                          </p:stCondLst>
+                                        </p:cTn>
+                                        <p:tgtEl>
+                                          <p:spTgt spid="2"/>
+                                        </p:tgtEl>
+                                        <p:attrNameLst>
+                                          <p:attrName>style.visibility</p:attrName>
+                                        </p:attrNameLst>
+                                      </p:cBhvr>
+                                      <p:to>
+                                        <p:strVal val="visible"/>
+                                      </p:to>
+                                    </p:set>
+                                    <p:animEffect transition="in" filter="dissolve">
+                                      <p:cBhvr>
+                                        <p:cTn id="7" dur="500"/>
+                                        <p:tgtEl>
+                                          <p:spTgt spid="2"/>
+                                        </p:tgtEl>
+                                      </p:cBhvr>
+                                    </p:animEffect>
+                                  </p:childTnLst>
+                                </p:cTn>
+                              </p:par>
+                            </p:childTnLst>
+                          </p:cTn>
+                        </p:par>
+                      </p:childTnLst>
+                    </p:cTn>
+                  </p:par>
+                </p:childTnLst>
+              </p:cTn>
+              <p:prevCondLst>
+                <p:cond evt="onPrev" delay="0">
+                  <p:tgtEl>
+                    <p:sldTgt/>
+                  </p:tgtEl>
+                </p:cond>
+              </p:prevCondLst>
+              <p:nextCondLst>
+                <p:cond evt="onNext" delay="0">
+                  <p:tgtEl>
+                    <p:sldTgt/>
+                  </p:tgtEl>
+                </p:cond>
+              </p:nextCondLst>
+            </p:seq>
+          </p:childTnLst>
+        </p:cTn>
+      </p:par>
+    </p:tnLst>
+    <p:bldLst>
+      <p:bldP spid="2" grpId="0"/>
+    </p:bldLst>
+  </p:timing>
+</p:sld>
+</file>
+
+<file path=ppt/slides/slide16.xml><?xml version="1.0" encoding="utf-8"?>
+<p:sld xmlns:a="http://schemas.openxmlformats.org/drawingml/2006/main" xmlns:r="http://schemas.openxmlformats.org/officeDocument/2006/relationships" xmlns:p="http://schemas.openxmlformats.org/presentationml/2006/main">
+  <p:cSld>
+    <p:spTree>
+      <p:nvGrpSpPr>
+        <p:cNvPr id="1" name=""/>
+        <p:cNvGrpSpPr/>
+        <p:nvPr/>
+      </p:nvGrpSpPr>
+      <p:grpSpPr>
+        <a:xfrm>
+          <a:off x="0" y="0"/>
+          <a:ext cx="0" cy="0"/>
+          <a:chOff x="0" y="0"/>
+          <a:chExt cx="0" cy="0"/>
+        </a:xfrm>
+      </p:grpSpPr>
+      <p:sp>
+        <p:nvSpPr>
+          <p:cNvPr id="2" name="Title 1">
+            <a:extLst>
+              <a:ext uri="{FF2B5EF4-FFF2-40B4-BE49-F238E27FC236}">
+                <a16:creationId xmlns:a16="http://schemas.microsoft.com/office/drawing/2014/main" id="{F292BC46-7E1D-E746-AC31-2E4322842F3F}"/>
+              </a:ext>
+            </a:extLst>
+          </p:cNvPr>
+          <p:cNvSpPr>
+            <a:spLocks noGrp="1"/>
+          </p:cNvSpPr>
+          <p:nvPr>
+            <p:ph type="title"/>
+          </p:nvPr>
+        </p:nvSpPr>
+        <p:spPr>
+          <a:xfrm>
+            <a:off x="1505886" y="1304150"/>
+            <a:ext cx="9451923" cy="4497048"/>
+          </a:xfrm>
+        </p:spPr>
+        <p:txBody>
+          <a:bodyPr>
+            <a:normAutofit/>
+          </a:bodyPr>
+          <a:lstStyle/>
+          <a:p>
+            <a:pPr algn="ctr"/>
+            <a:r>
+              <a:rPr lang="pt-BR" dirty="0"/>
+              <a:t>Acertou quem disse “programação funcional” 😁👏🙌</a:t>
+            </a:r>
+          </a:p>
+        </p:txBody>
+      </p:sp>
+      <p:sp>
+        <p:nvSpPr>
+          <p:cNvPr id="4" name="Slide Number Placeholder 3">
+            <a:extLst>
+              <a:ext uri="{FF2B5EF4-FFF2-40B4-BE49-F238E27FC236}">
+                <a16:creationId xmlns:a16="http://schemas.microsoft.com/office/drawing/2014/main" id="{1D36AC80-6BDE-CC4C-846B-04FDB6E2D6C9}"/>
+              </a:ext>
+            </a:extLst>
+          </p:cNvPr>
+          <p:cNvSpPr>
+            <a:spLocks noGrp="1"/>
+          </p:cNvSpPr>
+          <p:nvPr>
+            <p:ph type="sldNum" sz="quarter" idx="12"/>
+          </p:nvPr>
+        </p:nvSpPr>
+        <p:spPr/>
+        <p:txBody>
+          <a:bodyPr/>
+          <a:lstStyle/>
+          <a:p>
+            <a:fld id="{2183B7EE-0FBE-B749-875F-ED24F5ECD71F}" type="slidenum">
+              <a:rPr lang="en-US" smtClean="0"/>
+              <a:t>16</a:t>
+            </a:fld>
+            <a:endParaRPr lang="en-US" dirty="0"/>
+          </a:p>
+        </p:txBody>
+      </p:sp>
+    </p:spTree>
+    <p:extLst>
+      <p:ext uri="{BB962C8B-B14F-4D97-AF65-F5344CB8AC3E}">
+        <p14:creationId xmlns:p14="http://schemas.microsoft.com/office/powerpoint/2010/main" val="147719744"/>
+      </p:ext>
+    </p:extLst>
+  </p:cSld>
+  <p:clrMapOvr>
+    <a:masterClrMapping/>
+  </p:clrMapOvr>
+  <p:timing>
+    <p:tnLst>
+      <p:par>
+        <p:cTn id="1" dur="indefinite" restart="never" nodeType="tmRoot">
+          <p:childTnLst>
+            <p:seq concurrent="1" nextAc="seek">
+              <p:cTn id="2" dur="indefinite" nodeType="mainSeq">
+                <p:childTnLst>
+                  <p:par>
+                    <p:cTn id="3" fill="hold">
+                      <p:stCondLst>
+                        <p:cond delay="indefinite"/>
+                      </p:stCondLst>
+                      <p:childTnLst>
+                        <p:par>
+                          <p:cTn id="4" fill="hold">
+                            <p:stCondLst>
+                              <p:cond delay="0"/>
+                            </p:stCondLst>
+                            <p:childTnLst>
+                              <p:par>
+                                <p:cTn id="5" presetID="9" presetClass="entr" presetSubtype="0" fill="hold" grpId="0" nodeType="clickEffect">
+                                  <p:stCondLst>
+                                    <p:cond delay="0"/>
+                                  </p:stCondLst>
+                                  <p:childTnLst>
+                                    <p:set>
+                                      <p:cBhvr>
+                                        <p:cTn id="6" dur="1" fill="hold">
+                                          <p:stCondLst>
+                                            <p:cond delay="0"/>
+                                          </p:stCondLst>
+                                        </p:cTn>
+                                        <p:tgtEl>
+                                          <p:spTgt spid="2"/>
+                                        </p:tgtEl>
+                                        <p:attrNameLst>
+                                          <p:attrName>style.visibility</p:attrName>
+                                        </p:attrNameLst>
+                                      </p:cBhvr>
+                                      <p:to>
+                                        <p:strVal val="visible"/>
+                                      </p:to>
+                                    </p:set>
+                                    <p:animEffect transition="in" filter="dissolve">
+                                      <p:cBhvr>
+                                        <p:cTn id="7" dur="500"/>
+                                        <p:tgtEl>
+                                          <p:spTgt spid="2"/>
+                                        </p:tgtEl>
+                                      </p:cBhvr>
+                                    </p:animEffect>
+                                  </p:childTnLst>
+                                </p:cTn>
+                              </p:par>
+                            </p:childTnLst>
+                          </p:cTn>
+                        </p:par>
+                      </p:childTnLst>
+                    </p:cTn>
+                  </p:par>
+                </p:childTnLst>
+              </p:cTn>
+              <p:prevCondLst>
+                <p:cond evt="onPrev" delay="0">
+                  <p:tgtEl>
+                    <p:sldTgt/>
+                  </p:tgtEl>
+                </p:cond>
+              </p:prevCondLst>
+              <p:nextCondLst>
+                <p:cond evt="onNext" delay="0">
+                  <p:tgtEl>
+                    <p:sldTgt/>
+                  </p:tgtEl>
+                </p:cond>
+              </p:nextCondLst>
+            </p:seq>
+          </p:childTnLst>
+        </p:cTn>
+      </p:par>
+    </p:tnLst>
+    <p:bldLst>
+      <p:bldP spid="2" grpId="0"/>
+    </p:bldLst>
+  </p:timing>
+</p:sld>
+</file>
+
+<file path=ppt/slides/slide17.xml><?xml version="1.0" encoding="utf-8"?>
+<p:sld xmlns:a="http://schemas.openxmlformats.org/drawingml/2006/main" xmlns:r="http://schemas.openxmlformats.org/officeDocument/2006/relationships" xmlns:p="http://schemas.openxmlformats.org/presentationml/2006/main">
+  <p:cSld>
+    <p:spTree>
+      <p:nvGrpSpPr>
+        <p:cNvPr id="1" name=""/>
+        <p:cNvGrpSpPr/>
+        <p:nvPr/>
+      </p:nvGrpSpPr>
+      <p:grpSpPr>
+        <a:xfrm>
+          <a:off x="0" y="0"/>
+          <a:ext cx="0" cy="0"/>
+          <a:chOff x="0" y="0"/>
+          <a:chExt cx="0" cy="0"/>
+        </a:xfrm>
+      </p:grpSpPr>
+      <p:sp>
+        <p:nvSpPr>
+          <p:cNvPr id="2" name="Title 1">
+            <a:extLst>
+              <a:ext uri="{FF2B5EF4-FFF2-40B4-BE49-F238E27FC236}">
+                <a16:creationId xmlns:a16="http://schemas.microsoft.com/office/drawing/2014/main" id="{67A3EB44-3286-834E-B020-AF00F9A6CB4F}"/>
+              </a:ext>
+            </a:extLst>
+          </p:cNvPr>
+          <p:cNvSpPr>
+            <a:spLocks noGrp="1"/>
+          </p:cNvSpPr>
+          <p:nvPr>
+            <p:ph type="title"/>
+          </p:nvPr>
+        </p:nvSpPr>
+        <p:spPr/>
+        <p:txBody>
+          <a:bodyPr/>
+          <a:lstStyle/>
+          <a:p>
+            <a:r>
+              <a:rPr lang="pt-BR" dirty="0"/>
+              <a:t>tópicos</a:t>
+            </a:r>
+          </a:p>
+        </p:txBody>
+      </p:sp>
+      <p:sp>
+        <p:nvSpPr>
+          <p:cNvPr id="3" name="Content Placeholder 2">
+            <a:extLst>
+              <a:ext uri="{FF2B5EF4-FFF2-40B4-BE49-F238E27FC236}">
+                <a16:creationId xmlns:a16="http://schemas.microsoft.com/office/drawing/2014/main" id="{8184ADCC-D224-214C-A485-4C7A4E951EF7}"/>
+              </a:ext>
+            </a:extLst>
+          </p:cNvPr>
+          <p:cNvSpPr>
+            <a:spLocks noGrp="1"/>
+          </p:cNvSpPr>
+          <p:nvPr>
+            <p:ph idx="1"/>
+          </p:nvPr>
+        </p:nvSpPr>
+        <p:spPr/>
+        <p:txBody>
+          <a:bodyPr/>
+          <a:lstStyle/>
+          <a:p>
+            <a:r>
+              <a:rPr lang="pt-BR" dirty="0" err="1"/>
+              <a:t>Streams</a:t>
+            </a:r>
+            <a:r>
+              <a:rPr lang="pt-BR" dirty="0"/>
+              <a:t>, </a:t>
+            </a:r>
+            <a:r>
+              <a:rPr lang="pt-BR" dirty="0" err="1"/>
+              <a:t>map</a:t>
+            </a:r>
+            <a:r>
+              <a:rPr lang="pt-BR" dirty="0"/>
+              <a:t> (as variações </a:t>
+            </a:r>
+            <a:r>
+              <a:rPr lang="pt-BR" dirty="0" err="1"/>
+              <a:t>toInt</a:t>
+            </a:r>
+            <a:r>
+              <a:rPr lang="pt-BR" dirty="0"/>
+              <a:t>, </a:t>
+            </a:r>
+            <a:r>
+              <a:rPr lang="pt-BR" dirty="0" err="1"/>
+              <a:t>toLong</a:t>
+            </a:r>
+            <a:r>
+              <a:rPr lang="pt-BR" dirty="0"/>
+              <a:t>, </a:t>
+            </a:r>
+            <a:r>
+              <a:rPr lang="pt-BR" dirty="0" err="1"/>
+              <a:t>toDouble</a:t>
+            </a:r>
+            <a:r>
+              <a:rPr lang="pt-BR" dirty="0"/>
+              <a:t>)</a:t>
+            </a:r>
+          </a:p>
+          <a:p>
+            <a:r>
+              <a:rPr lang="pt-BR" dirty="0" err="1"/>
+              <a:t>Map</a:t>
+            </a:r>
+            <a:r>
+              <a:rPr lang="pt-BR" dirty="0"/>
+              <a:t> e </a:t>
+            </a:r>
+            <a:r>
+              <a:rPr lang="pt-BR" dirty="0" err="1"/>
+              <a:t>collect</a:t>
+            </a:r>
+            <a:endParaRPr lang="pt-BR" dirty="0"/>
+          </a:p>
+          <a:p>
+            <a:r>
+              <a:rPr lang="pt-BR" dirty="0"/>
+              <a:t>Várias operações </a:t>
+            </a:r>
+            <a:r>
+              <a:rPr lang="pt-BR" dirty="0" err="1"/>
+              <a:t>map</a:t>
+            </a:r>
+            <a:endParaRPr lang="pt-BR" dirty="0"/>
+          </a:p>
+          <a:p>
+            <a:r>
+              <a:rPr lang="pt-BR" dirty="0"/>
+              <a:t>Mostrar relação das entradas e saídas do </a:t>
+            </a:r>
+            <a:r>
+              <a:rPr lang="pt-BR" dirty="0" err="1"/>
+              <a:t>map</a:t>
+            </a:r>
+            <a:r>
+              <a:rPr lang="pt-BR" dirty="0"/>
+              <a:t> no depurador do </a:t>
+            </a:r>
+            <a:r>
+              <a:rPr lang="pt-BR" dirty="0" err="1"/>
+              <a:t>IntelliJ</a:t>
+            </a:r>
+            <a:endParaRPr lang="pt-BR" dirty="0"/>
+          </a:p>
+          <a:p>
+            <a:r>
+              <a:rPr lang="pt-BR" dirty="0" err="1"/>
+              <a:t>Filter</a:t>
+            </a:r>
+            <a:endParaRPr lang="pt-BR" dirty="0"/>
+          </a:p>
+          <a:p>
+            <a:r>
+              <a:rPr lang="pt-BR" dirty="0"/>
+              <a:t>Expressões Lambda</a:t>
+            </a:r>
+          </a:p>
+          <a:p>
+            <a:r>
+              <a:rPr lang="pt-BR" dirty="0" err="1"/>
+              <a:t>Method</a:t>
+            </a:r>
+            <a:r>
+              <a:rPr lang="pt-BR" dirty="0"/>
+              <a:t> </a:t>
+            </a:r>
+            <a:r>
+              <a:rPr lang="pt-BR" dirty="0" err="1"/>
+              <a:t>Reference</a:t>
+            </a:r>
+            <a:endParaRPr lang="pt-BR" dirty="0"/>
+          </a:p>
+        </p:txBody>
+      </p:sp>
+      <p:sp>
+        <p:nvSpPr>
+          <p:cNvPr id="4" name="Slide Number Placeholder 3">
+            <a:extLst>
+              <a:ext uri="{FF2B5EF4-FFF2-40B4-BE49-F238E27FC236}">
+                <a16:creationId xmlns:a16="http://schemas.microsoft.com/office/drawing/2014/main" id="{03A65EDD-8AB3-1241-83F8-90A30AD6147D}"/>
+              </a:ext>
+            </a:extLst>
+          </p:cNvPr>
+          <p:cNvSpPr>
+            <a:spLocks noGrp="1"/>
+          </p:cNvSpPr>
+          <p:nvPr>
+            <p:ph type="sldNum" sz="quarter" idx="12"/>
+          </p:nvPr>
+        </p:nvSpPr>
+        <p:spPr/>
+        <p:txBody>
+          <a:bodyPr/>
+          <a:lstStyle/>
+          <a:p>
+            <a:fld id="{2183B7EE-0FBE-B749-875F-ED24F5ECD71F}" type="slidenum">
+              <a:rPr lang="en-US" smtClean="0"/>
+              <a:t>17</a:t>
+            </a:fld>
+            <a:endParaRPr lang="en-US" dirty="0"/>
+          </a:p>
+        </p:txBody>
+      </p:sp>
+    </p:spTree>
+    <p:extLst>
+      <p:ext uri="{BB962C8B-B14F-4D97-AF65-F5344CB8AC3E}">
+        <p14:creationId xmlns:p14="http://schemas.microsoft.com/office/powerpoint/2010/main" val="4267606811"/>
+      </p:ext>
+    </p:extLst>
+  </p:cSld>
+  <p:clrMapOvr>
+    <a:masterClrMapping/>
+  </p:clrMapOvr>
+</p:sld>
+</file>
+
+<file path=ppt/slides/slide18.xml><?xml version="1.0" encoding="utf-8"?>
+<p:sld xmlns:a="http://schemas.openxmlformats.org/drawingml/2006/main" xmlns:r="http://schemas.openxmlformats.org/officeDocument/2006/relationships" xmlns:p="http://schemas.openxmlformats.org/presentationml/2006/main">
+  <p:cSld>
+    <p:spTree>
+      <p:nvGrpSpPr>
+        <p:cNvPr id="1" name=""/>
+        <p:cNvGrpSpPr/>
+        <p:nvPr/>
+      </p:nvGrpSpPr>
+      <p:grpSpPr>
+        <a:xfrm>
+          <a:off x="0" y="0"/>
+          <a:ext cx="0" cy="0"/>
+          <a:chOff x="0" y="0"/>
+          <a:chExt cx="0" cy="0"/>
+        </a:xfrm>
+      </p:grpSpPr>
+      <p:sp>
+        <p:nvSpPr>
+          <p:cNvPr id="2" name="Title 1">
+            <a:extLst>
+              <a:ext uri="{FF2B5EF4-FFF2-40B4-BE49-F238E27FC236}">
                 <a16:creationId xmlns:a16="http://schemas.microsoft.com/office/drawing/2014/main" id="{58204B45-BA2F-544A-ADBD-2B584480C63E}"/>
               </a:ext>
             </a:extLst>
@@ -6346,14 +7667,19 @@
             <p:ph type="title"/>
           </p:nvPr>
         </p:nvSpPr>
-        <p:spPr/>
+        <p:spPr>
+          <a:xfrm>
+            <a:off x="2729345" y="232879"/>
+            <a:ext cx="8610600" cy="1293028"/>
+          </a:xfrm>
+        </p:spPr>
         <p:txBody>
           <a:bodyPr/>
           <a:lstStyle/>
           <a:p>
             <a:r>
               <a:rPr lang="pt-BR" b="1" dirty="0"/>
-              <a:t>Objetivo</a:t>
+              <a:t>principais Interfaces Funcionais</a:t>
             </a:r>
             <a:endParaRPr lang="pt-BR" dirty="0"/>
           </a:p>
@@ -6375,61 +7701,1187 @@
             <p:ph idx="1"/>
           </p:nvPr>
         </p:nvSpPr>
-        <p:spPr/>
+        <p:spPr>
+          <a:xfrm>
+            <a:off x="1032164" y="1648133"/>
+            <a:ext cx="3207267" cy="4115358"/>
+          </a:xfrm>
+        </p:spPr>
         <p:txBody>
           <a:bodyPr>
             <a:normAutofit/>
           </a:bodyPr>
           <a:lstStyle/>
           <a:p>
-            <a:r>
-              <a:rPr lang="pt-BR" sz="2800" dirty="0"/>
-              <a:t>Desenvolver aplicação de bate-papo que envia e recebe mensagens pela rede</a:t>
-            </a:r>
-          </a:p>
-          <a:p>
-            <a:r>
-              <a:rPr lang="pt-BR" sz="2800" dirty="0"/>
-              <a:t>Entender os conceitos de Sockets, InputStream e OutputStream, requisições bloqueantes (blocking) e Threads</a:t>
-            </a:r>
-          </a:p>
-          <a:p>
-            <a:endParaRPr lang="pt-BR" sz="2800" dirty="0"/>
-          </a:p>
-          <a:p>
-            <a:endParaRPr lang="pt-BR" sz="2800" dirty="0"/>
-          </a:p>
-        </p:txBody>
-      </p:sp>
-      <p:sp>
-        <p:nvSpPr>
-          <p:cNvPr id="4" name="Slide Number Placeholder 3">
+            <a:pPr marL="0" indent="0">
+              <a:lnSpc>
+                <a:spcPct val="150000"/>
+              </a:lnSpc>
+              <a:buNone/>
+            </a:pPr>
+            <a:r>
+              <a:rPr lang="pt-BR" sz="4000" dirty="0" err="1"/>
+              <a:t>Consumer</a:t>
+            </a:r>
+            <a:endParaRPr lang="pt-BR" sz="4000" dirty="0"/>
+          </a:p>
+          <a:p>
+            <a:pPr marL="0" indent="0">
+              <a:lnSpc>
+                <a:spcPct val="150000"/>
+              </a:lnSpc>
+              <a:buNone/>
+            </a:pPr>
+            <a:r>
+              <a:rPr lang="pt-BR" sz="4000" dirty="0" err="1"/>
+              <a:t>BiConsumer</a:t>
+            </a:r>
+            <a:endParaRPr lang="pt-BR" sz="4000" dirty="0"/>
+          </a:p>
+          <a:p>
+            <a:pPr marL="0" indent="0">
+              <a:lnSpc>
+                <a:spcPct val="150000"/>
+              </a:lnSpc>
+              <a:buNone/>
+            </a:pPr>
+            <a:endParaRPr lang="pt-BR" sz="1400" dirty="0"/>
+          </a:p>
+          <a:p>
+            <a:pPr marL="0" indent="0">
+              <a:lnSpc>
+                <a:spcPct val="150000"/>
+              </a:lnSpc>
+              <a:buNone/>
+            </a:pPr>
+            <a:r>
+              <a:rPr lang="pt-BR" sz="4000" dirty="0" err="1"/>
+              <a:t>Supplier</a:t>
+            </a:r>
+            <a:endParaRPr lang="pt-BR" sz="4000" dirty="0"/>
+          </a:p>
+        </p:txBody>
+      </p:sp>
+      <p:sp>
+        <p:nvSpPr>
+          <p:cNvPr id="11" name="Content Placeholder 2">
             <a:extLst>
               <a:ext uri="{FF2B5EF4-FFF2-40B4-BE49-F238E27FC236}">
-                <a16:creationId xmlns:a16="http://schemas.microsoft.com/office/drawing/2014/main" id="{2EA509C2-078C-DE4C-BE59-C32AF18E82D6}"/>
+                <a16:creationId xmlns:a16="http://schemas.microsoft.com/office/drawing/2014/main" id="{0C5726EC-C63B-FB4C-847E-C678C5F5C8E1}"/>
               </a:ext>
             </a:extLst>
           </p:cNvPr>
-          <p:cNvSpPr>
-            <a:spLocks noGrp="1"/>
-          </p:cNvSpPr>
-          <p:nvPr>
-            <p:ph type="sldNum" sz="quarter" idx="12"/>
-          </p:nvPr>
-        </p:nvSpPr>
-        <p:spPr/>
-        <p:txBody>
-          <a:bodyPr/>
-          <a:lstStyle/>
-          <a:p>
-            <a:fld id="{2183B7EE-0FBE-B749-875F-ED24F5ECD71F}" type="slidenum">
-              <a:rPr lang="en-US" smtClean="0"/>
-              <a:t>2</a:t>
-            </a:fld>
-            <a:endParaRPr lang="en-US" dirty="0"/>
-          </a:p>
-        </p:txBody>
-      </p:sp>
+          <p:cNvSpPr txBox="1">
+            <a:spLocks/>
+          </p:cNvSpPr>
+          <p:nvPr/>
+        </p:nvSpPr>
+        <p:spPr>
+          <a:xfrm>
+            <a:off x="166255" y="6205360"/>
+            <a:ext cx="11887200" cy="549330"/>
+          </a:xfrm>
+          <a:prstGeom prst="rect">
+            <a:avLst/>
+          </a:prstGeom>
+        </p:spPr>
+        <p:txBody>
+          <a:bodyPr vert="horz" lIns="91440" tIns="45720" rIns="91440" bIns="45720" rtlCol="0">
+            <a:normAutofit fontScale="55000" lnSpcReduction="20000"/>
+          </a:bodyPr>
+          <a:lstStyle>
+            <a:lvl1pPr marL="228600" indent="-228600" algn="l" defTabSz="914400" rtl="0" eaLnBrk="1" latinLnBrk="0" hangingPunct="1">
+              <a:lnSpc>
+                <a:spcPct val="90000"/>
+              </a:lnSpc>
+              <a:spcBef>
+                <a:spcPts val="1000"/>
+              </a:spcBef>
+              <a:buFont typeface="Arial" panose="020B0604020202020204" pitchFamily="34" charset="0"/>
+              <a:buChar char="•"/>
+              <a:defRPr sz="2200" kern="1200">
+                <a:solidFill>
+                  <a:schemeClr val="tx1"/>
+                </a:solidFill>
+                <a:latin typeface="+mn-lt"/>
+                <a:ea typeface="+mn-ea"/>
+                <a:cs typeface="+mn-cs"/>
+              </a:defRPr>
+            </a:lvl1pPr>
+            <a:lvl2pPr marL="685800" indent="-228600" algn="l" defTabSz="914400" rtl="0" eaLnBrk="1" latinLnBrk="0" hangingPunct="1">
+              <a:lnSpc>
+                <a:spcPct val="90000"/>
+              </a:lnSpc>
+              <a:spcBef>
+                <a:spcPts val="500"/>
+              </a:spcBef>
+              <a:buFont typeface="Arial" panose="020B0604020202020204" pitchFamily="34" charset="0"/>
+              <a:buChar char="•"/>
+              <a:defRPr sz="2000" kern="1200">
+                <a:solidFill>
+                  <a:schemeClr val="tx1"/>
+                </a:solidFill>
+                <a:latin typeface="+mn-lt"/>
+                <a:ea typeface="+mn-ea"/>
+                <a:cs typeface="+mn-cs"/>
+              </a:defRPr>
+            </a:lvl2pPr>
+            <a:lvl3pPr marL="1143000" indent="-228600" algn="l" defTabSz="914400" rtl="0" eaLnBrk="1" latinLnBrk="0" hangingPunct="1">
+              <a:lnSpc>
+                <a:spcPct val="90000"/>
+              </a:lnSpc>
+              <a:spcBef>
+                <a:spcPts val="500"/>
+              </a:spcBef>
+              <a:buFont typeface="Arial" panose="020B0604020202020204" pitchFamily="34" charset="0"/>
+              <a:buChar char="•"/>
+              <a:defRPr sz="1800" kern="1200">
+                <a:solidFill>
+                  <a:schemeClr val="tx1"/>
+                </a:solidFill>
+                <a:latin typeface="+mn-lt"/>
+                <a:ea typeface="+mn-ea"/>
+                <a:cs typeface="+mn-cs"/>
+              </a:defRPr>
+            </a:lvl3pPr>
+            <a:lvl4pPr marL="1600200" indent="-228600" algn="l" defTabSz="914400" rtl="0" eaLnBrk="1" latinLnBrk="0" hangingPunct="1">
+              <a:lnSpc>
+                <a:spcPct val="90000"/>
+              </a:lnSpc>
+              <a:spcBef>
+                <a:spcPts val="500"/>
+              </a:spcBef>
+              <a:buFont typeface="Arial" panose="020B0604020202020204" pitchFamily="34" charset="0"/>
+              <a:buChar char="•"/>
+              <a:defRPr sz="1600" kern="1200">
+                <a:solidFill>
+                  <a:schemeClr val="tx1"/>
+                </a:solidFill>
+                <a:latin typeface="+mn-lt"/>
+                <a:ea typeface="+mn-ea"/>
+                <a:cs typeface="+mn-cs"/>
+              </a:defRPr>
+            </a:lvl4pPr>
+            <a:lvl5pPr marL="2057400" indent="-228600" algn="l" defTabSz="914400" rtl="0" eaLnBrk="1" latinLnBrk="0" hangingPunct="1">
+              <a:lnSpc>
+                <a:spcPct val="90000"/>
+              </a:lnSpc>
+              <a:spcBef>
+                <a:spcPts val="500"/>
+              </a:spcBef>
+              <a:buFont typeface="Arial" panose="020B0604020202020204" pitchFamily="34" charset="0"/>
+              <a:buChar char="•"/>
+              <a:defRPr sz="1600" kern="1200">
+                <a:solidFill>
+                  <a:schemeClr val="tx1"/>
+                </a:solidFill>
+                <a:latin typeface="+mn-lt"/>
+                <a:ea typeface="+mn-ea"/>
+                <a:cs typeface="+mn-cs"/>
+              </a:defRPr>
+            </a:lvl5pPr>
+            <a:lvl6pPr marL="2514600" indent="-228600" algn="l" defTabSz="914400" rtl="0" eaLnBrk="1" latinLnBrk="0" hangingPunct="1">
+              <a:lnSpc>
+                <a:spcPct val="90000"/>
+              </a:lnSpc>
+              <a:spcBef>
+                <a:spcPts val="500"/>
+              </a:spcBef>
+              <a:buFont typeface="Arial" panose="020B0604020202020204" pitchFamily="34" charset="0"/>
+              <a:buChar char="•"/>
+              <a:defRPr sz="1600" kern="1200">
+                <a:solidFill>
+                  <a:schemeClr val="tx1"/>
+                </a:solidFill>
+                <a:latin typeface="+mn-lt"/>
+                <a:ea typeface="+mn-ea"/>
+                <a:cs typeface="+mn-cs"/>
+              </a:defRPr>
+            </a:lvl6pPr>
+            <a:lvl7pPr marL="2971800" indent="-228600" algn="l" defTabSz="914400" rtl="0" eaLnBrk="1" latinLnBrk="0" hangingPunct="1">
+              <a:lnSpc>
+                <a:spcPct val="90000"/>
+              </a:lnSpc>
+              <a:spcBef>
+                <a:spcPts val="500"/>
+              </a:spcBef>
+              <a:buFont typeface="Arial" panose="020B0604020202020204" pitchFamily="34" charset="0"/>
+              <a:buChar char="•"/>
+              <a:defRPr sz="1600" kern="1200">
+                <a:solidFill>
+                  <a:schemeClr val="tx1"/>
+                </a:solidFill>
+                <a:latin typeface="+mn-lt"/>
+                <a:ea typeface="+mn-ea"/>
+                <a:cs typeface="+mn-cs"/>
+              </a:defRPr>
+            </a:lvl7pPr>
+            <a:lvl8pPr marL="3429000" indent="-228600" algn="l" defTabSz="914400" rtl="0" eaLnBrk="1" latinLnBrk="0" hangingPunct="1">
+              <a:lnSpc>
+                <a:spcPct val="90000"/>
+              </a:lnSpc>
+              <a:spcBef>
+                <a:spcPts val="500"/>
+              </a:spcBef>
+              <a:buFont typeface="Arial" panose="020B0604020202020204" pitchFamily="34" charset="0"/>
+              <a:buChar char="•"/>
+              <a:defRPr sz="1600" kern="1200">
+                <a:solidFill>
+                  <a:schemeClr val="tx1"/>
+                </a:solidFill>
+                <a:latin typeface="+mn-lt"/>
+                <a:ea typeface="+mn-ea"/>
+                <a:cs typeface="+mn-cs"/>
+              </a:defRPr>
+            </a:lvl8pPr>
+            <a:lvl9pPr marL="3886200" indent="-228600" algn="l" defTabSz="914400" rtl="0" eaLnBrk="1" latinLnBrk="0" hangingPunct="1">
+              <a:lnSpc>
+                <a:spcPct val="90000"/>
+              </a:lnSpc>
+              <a:spcBef>
+                <a:spcPts val="500"/>
+              </a:spcBef>
+              <a:buFont typeface="Arial" panose="020B0604020202020204" pitchFamily="34" charset="0"/>
+              <a:buChar char="•"/>
+              <a:defRPr sz="1600" kern="1200">
+                <a:solidFill>
+                  <a:schemeClr val="tx1"/>
+                </a:solidFill>
+                <a:latin typeface="+mn-lt"/>
+                <a:ea typeface="+mn-ea"/>
+                <a:cs typeface="+mn-cs"/>
+              </a:defRPr>
+            </a:lvl9pPr>
+          </a:lstStyle>
+          <a:p>
+            <a:pPr marL="0" indent="0" algn="ctr">
+              <a:buNone/>
+            </a:pPr>
+            <a:r>
+              <a:rPr lang="pt-BR" sz="3600" dirty="0">
+                <a:hlinkClick r:id="rId2"/>
+              </a:rPr>
+              <a:t>https://docs.oracle.com/javase/8/docs/api/java/util/function/package-summary.html</a:t>
+            </a:r>
+            <a:r>
+              <a:rPr lang="pt-BR" sz="3600" dirty="0"/>
+              <a:t> </a:t>
+            </a:r>
+            <a:br>
+              <a:rPr lang="pt-BR" sz="3600" dirty="0"/>
+            </a:br>
+            <a:br>
+              <a:rPr lang="pt-BR" sz="1300" dirty="0"/>
+            </a:br>
+            <a:r>
+              <a:rPr lang="pt-BR" sz="1600" dirty="0"/>
+              <a:t>Imagens: </a:t>
+            </a:r>
+            <a:r>
+              <a:rPr lang="pt-BR" sz="1600" dirty="0" err="1"/>
+              <a:t>pixabay.com</a:t>
+            </a:r>
+            <a:r>
+              <a:rPr lang="pt-BR" sz="1600" dirty="0"/>
+              <a:t> | </a:t>
+            </a:r>
+            <a:r>
+              <a:rPr lang="pt-BR" sz="1600" dirty="0" err="1"/>
+              <a:t>maxpixel.net</a:t>
+            </a:r>
+            <a:r>
+              <a:rPr lang="pt-BR" sz="1600" dirty="0"/>
+              <a:t> | </a:t>
+            </a:r>
+            <a:r>
+              <a:rPr lang="pt-BR" sz="1600" dirty="0" err="1"/>
+              <a:t>en.wikipedia.org</a:t>
+            </a:r>
+            <a:r>
+              <a:rPr lang="pt-BR" sz="1600" dirty="0"/>
+              <a:t>/</a:t>
+            </a:r>
+            <a:r>
+              <a:rPr lang="pt-BR" sz="1600" dirty="0" err="1"/>
+              <a:t>wiki</a:t>
+            </a:r>
+            <a:r>
+              <a:rPr lang="pt-BR" sz="1600" dirty="0"/>
+              <a:t>/</a:t>
+            </a:r>
+            <a:r>
+              <a:rPr lang="pt-BR" sz="1600" dirty="0" err="1"/>
+              <a:t>Function</a:t>
+            </a:r>
+            <a:r>
+              <a:rPr lang="pt-BR" sz="1600" dirty="0"/>
+              <a:t>_(</a:t>
+            </a:r>
+            <a:r>
+              <a:rPr lang="pt-BR" sz="1600" dirty="0" err="1"/>
+              <a:t>mathematics</a:t>
+            </a:r>
+            <a:r>
+              <a:rPr lang="pt-BR" sz="1600" dirty="0"/>
+              <a:t>)  | </a:t>
+            </a:r>
+            <a:r>
+              <a:rPr lang="pt-BR" sz="1600" dirty="0" err="1"/>
+              <a:t>clipart-library.com</a:t>
+            </a:r>
+            <a:endParaRPr lang="pt-BR" sz="1600" dirty="0"/>
+          </a:p>
+        </p:txBody>
+      </p:sp>
+      <p:sp>
+        <p:nvSpPr>
+          <p:cNvPr id="12" name="Content Placeholder 2">
+            <a:extLst>
+              <a:ext uri="{FF2B5EF4-FFF2-40B4-BE49-F238E27FC236}">
+                <a16:creationId xmlns:a16="http://schemas.microsoft.com/office/drawing/2014/main" id="{A1CAB58F-C071-4F4A-9485-ACDD3A48D845}"/>
+              </a:ext>
+            </a:extLst>
+          </p:cNvPr>
+          <p:cNvSpPr txBox="1">
+            <a:spLocks/>
+          </p:cNvSpPr>
+          <p:nvPr/>
+        </p:nvSpPr>
+        <p:spPr>
+          <a:xfrm>
+            <a:off x="8452666" y="1743002"/>
+            <a:ext cx="3293913" cy="3488312"/>
+          </a:xfrm>
+          <a:prstGeom prst="rect">
+            <a:avLst/>
+          </a:prstGeom>
+        </p:spPr>
+        <p:txBody>
+          <a:bodyPr vert="horz" lIns="91440" tIns="45720" rIns="91440" bIns="45720" rtlCol="0">
+            <a:normAutofit/>
+          </a:bodyPr>
+          <a:lstStyle>
+            <a:lvl1pPr marL="228600" indent="-228600" algn="l" defTabSz="914400" rtl="0" eaLnBrk="1" latinLnBrk="0" hangingPunct="1">
+              <a:lnSpc>
+                <a:spcPct val="90000"/>
+              </a:lnSpc>
+              <a:spcBef>
+                <a:spcPts val="1000"/>
+              </a:spcBef>
+              <a:buFont typeface="Arial" panose="020B0604020202020204" pitchFamily="34" charset="0"/>
+              <a:buChar char="•"/>
+              <a:defRPr sz="2200" kern="1200">
+                <a:solidFill>
+                  <a:schemeClr val="tx1"/>
+                </a:solidFill>
+                <a:latin typeface="+mn-lt"/>
+                <a:ea typeface="+mn-ea"/>
+                <a:cs typeface="+mn-cs"/>
+              </a:defRPr>
+            </a:lvl1pPr>
+            <a:lvl2pPr marL="685800" indent="-228600" algn="l" defTabSz="914400" rtl="0" eaLnBrk="1" latinLnBrk="0" hangingPunct="1">
+              <a:lnSpc>
+                <a:spcPct val="90000"/>
+              </a:lnSpc>
+              <a:spcBef>
+                <a:spcPts val="500"/>
+              </a:spcBef>
+              <a:buFont typeface="Arial" panose="020B0604020202020204" pitchFamily="34" charset="0"/>
+              <a:buChar char="•"/>
+              <a:defRPr sz="2000" kern="1200">
+                <a:solidFill>
+                  <a:schemeClr val="tx1"/>
+                </a:solidFill>
+                <a:latin typeface="+mn-lt"/>
+                <a:ea typeface="+mn-ea"/>
+                <a:cs typeface="+mn-cs"/>
+              </a:defRPr>
+            </a:lvl2pPr>
+            <a:lvl3pPr marL="1143000" indent="-228600" algn="l" defTabSz="914400" rtl="0" eaLnBrk="1" latinLnBrk="0" hangingPunct="1">
+              <a:lnSpc>
+                <a:spcPct val="90000"/>
+              </a:lnSpc>
+              <a:spcBef>
+                <a:spcPts val="500"/>
+              </a:spcBef>
+              <a:buFont typeface="Arial" panose="020B0604020202020204" pitchFamily="34" charset="0"/>
+              <a:buChar char="•"/>
+              <a:defRPr sz="1800" kern="1200">
+                <a:solidFill>
+                  <a:schemeClr val="tx1"/>
+                </a:solidFill>
+                <a:latin typeface="+mn-lt"/>
+                <a:ea typeface="+mn-ea"/>
+                <a:cs typeface="+mn-cs"/>
+              </a:defRPr>
+            </a:lvl3pPr>
+            <a:lvl4pPr marL="1600200" indent="-228600" algn="l" defTabSz="914400" rtl="0" eaLnBrk="1" latinLnBrk="0" hangingPunct="1">
+              <a:lnSpc>
+                <a:spcPct val="90000"/>
+              </a:lnSpc>
+              <a:spcBef>
+                <a:spcPts val="500"/>
+              </a:spcBef>
+              <a:buFont typeface="Arial" panose="020B0604020202020204" pitchFamily="34" charset="0"/>
+              <a:buChar char="•"/>
+              <a:defRPr sz="1600" kern="1200">
+                <a:solidFill>
+                  <a:schemeClr val="tx1"/>
+                </a:solidFill>
+                <a:latin typeface="+mn-lt"/>
+                <a:ea typeface="+mn-ea"/>
+                <a:cs typeface="+mn-cs"/>
+              </a:defRPr>
+            </a:lvl4pPr>
+            <a:lvl5pPr marL="2057400" indent="-228600" algn="l" defTabSz="914400" rtl="0" eaLnBrk="1" latinLnBrk="0" hangingPunct="1">
+              <a:lnSpc>
+                <a:spcPct val="90000"/>
+              </a:lnSpc>
+              <a:spcBef>
+                <a:spcPts val="500"/>
+              </a:spcBef>
+              <a:buFont typeface="Arial" panose="020B0604020202020204" pitchFamily="34" charset="0"/>
+              <a:buChar char="•"/>
+              <a:defRPr sz="1600" kern="1200">
+                <a:solidFill>
+                  <a:schemeClr val="tx1"/>
+                </a:solidFill>
+                <a:latin typeface="+mn-lt"/>
+                <a:ea typeface="+mn-ea"/>
+                <a:cs typeface="+mn-cs"/>
+              </a:defRPr>
+            </a:lvl5pPr>
+            <a:lvl6pPr marL="2514600" indent="-228600" algn="l" defTabSz="914400" rtl="0" eaLnBrk="1" latinLnBrk="0" hangingPunct="1">
+              <a:lnSpc>
+                <a:spcPct val="90000"/>
+              </a:lnSpc>
+              <a:spcBef>
+                <a:spcPts val="500"/>
+              </a:spcBef>
+              <a:buFont typeface="Arial" panose="020B0604020202020204" pitchFamily="34" charset="0"/>
+              <a:buChar char="•"/>
+              <a:defRPr sz="1600" kern="1200">
+                <a:solidFill>
+                  <a:schemeClr val="tx1"/>
+                </a:solidFill>
+                <a:latin typeface="+mn-lt"/>
+                <a:ea typeface="+mn-ea"/>
+                <a:cs typeface="+mn-cs"/>
+              </a:defRPr>
+            </a:lvl6pPr>
+            <a:lvl7pPr marL="2971800" indent="-228600" algn="l" defTabSz="914400" rtl="0" eaLnBrk="1" latinLnBrk="0" hangingPunct="1">
+              <a:lnSpc>
+                <a:spcPct val="90000"/>
+              </a:lnSpc>
+              <a:spcBef>
+                <a:spcPts val="500"/>
+              </a:spcBef>
+              <a:buFont typeface="Arial" panose="020B0604020202020204" pitchFamily="34" charset="0"/>
+              <a:buChar char="•"/>
+              <a:defRPr sz="1600" kern="1200">
+                <a:solidFill>
+                  <a:schemeClr val="tx1"/>
+                </a:solidFill>
+                <a:latin typeface="+mn-lt"/>
+                <a:ea typeface="+mn-ea"/>
+                <a:cs typeface="+mn-cs"/>
+              </a:defRPr>
+            </a:lvl7pPr>
+            <a:lvl8pPr marL="3429000" indent="-228600" algn="l" defTabSz="914400" rtl="0" eaLnBrk="1" latinLnBrk="0" hangingPunct="1">
+              <a:lnSpc>
+                <a:spcPct val="90000"/>
+              </a:lnSpc>
+              <a:spcBef>
+                <a:spcPts val="500"/>
+              </a:spcBef>
+              <a:buFont typeface="Arial" panose="020B0604020202020204" pitchFamily="34" charset="0"/>
+              <a:buChar char="•"/>
+              <a:defRPr sz="1600" kern="1200">
+                <a:solidFill>
+                  <a:schemeClr val="tx1"/>
+                </a:solidFill>
+                <a:latin typeface="+mn-lt"/>
+                <a:ea typeface="+mn-ea"/>
+                <a:cs typeface="+mn-cs"/>
+              </a:defRPr>
+            </a:lvl8pPr>
+            <a:lvl9pPr marL="3886200" indent="-228600" algn="l" defTabSz="914400" rtl="0" eaLnBrk="1" latinLnBrk="0" hangingPunct="1">
+              <a:lnSpc>
+                <a:spcPct val="90000"/>
+              </a:lnSpc>
+              <a:spcBef>
+                <a:spcPts val="500"/>
+              </a:spcBef>
+              <a:buFont typeface="Arial" panose="020B0604020202020204" pitchFamily="34" charset="0"/>
+              <a:buChar char="•"/>
+              <a:defRPr sz="1600" kern="1200">
+                <a:solidFill>
+                  <a:schemeClr val="tx1"/>
+                </a:solidFill>
+                <a:latin typeface="+mn-lt"/>
+                <a:ea typeface="+mn-ea"/>
+                <a:cs typeface="+mn-cs"/>
+              </a:defRPr>
+            </a:lvl9pPr>
+          </a:lstStyle>
+          <a:p>
+            <a:pPr marL="0" indent="0">
+              <a:lnSpc>
+                <a:spcPct val="150000"/>
+              </a:lnSpc>
+              <a:buNone/>
+            </a:pPr>
+            <a:r>
+              <a:rPr lang="pt-BR" sz="4000" dirty="0" err="1"/>
+              <a:t>Predicate</a:t>
+            </a:r>
+            <a:endParaRPr lang="pt-BR" sz="2800" dirty="0"/>
+          </a:p>
+          <a:p>
+            <a:pPr>
+              <a:lnSpc>
+                <a:spcPct val="150000"/>
+              </a:lnSpc>
+            </a:pPr>
+            <a:endParaRPr lang="pt-BR" sz="2800" dirty="0"/>
+          </a:p>
+        </p:txBody>
+      </p:sp>
+      <p:sp>
+        <p:nvSpPr>
+          <p:cNvPr id="22" name="Content Placeholder 2">
+            <a:extLst>
+              <a:ext uri="{FF2B5EF4-FFF2-40B4-BE49-F238E27FC236}">
+                <a16:creationId xmlns:a16="http://schemas.microsoft.com/office/drawing/2014/main" id="{ECCF5042-C118-1349-9AE5-9BAE11F58B15}"/>
+              </a:ext>
+            </a:extLst>
+          </p:cNvPr>
+          <p:cNvSpPr txBox="1">
+            <a:spLocks/>
+          </p:cNvSpPr>
+          <p:nvPr/>
+        </p:nvSpPr>
+        <p:spPr>
+          <a:xfrm>
+            <a:off x="4843597" y="1743002"/>
+            <a:ext cx="2731300" cy="3488312"/>
+          </a:xfrm>
+          <a:prstGeom prst="rect">
+            <a:avLst/>
+          </a:prstGeom>
+        </p:spPr>
+        <p:txBody>
+          <a:bodyPr vert="horz" lIns="91440" tIns="45720" rIns="91440" bIns="45720" rtlCol="0">
+            <a:normAutofit/>
+          </a:bodyPr>
+          <a:lstStyle>
+            <a:lvl1pPr marL="228600" indent="-228600" algn="l" defTabSz="914400" rtl="0" eaLnBrk="1" latinLnBrk="0" hangingPunct="1">
+              <a:lnSpc>
+                <a:spcPct val="90000"/>
+              </a:lnSpc>
+              <a:spcBef>
+                <a:spcPts val="1000"/>
+              </a:spcBef>
+              <a:buFont typeface="Arial" panose="020B0604020202020204" pitchFamily="34" charset="0"/>
+              <a:buChar char="•"/>
+              <a:defRPr sz="2200" kern="1200">
+                <a:solidFill>
+                  <a:schemeClr val="tx1"/>
+                </a:solidFill>
+                <a:latin typeface="+mn-lt"/>
+                <a:ea typeface="+mn-ea"/>
+                <a:cs typeface="+mn-cs"/>
+              </a:defRPr>
+            </a:lvl1pPr>
+            <a:lvl2pPr marL="685800" indent="-228600" algn="l" defTabSz="914400" rtl="0" eaLnBrk="1" latinLnBrk="0" hangingPunct="1">
+              <a:lnSpc>
+                <a:spcPct val="90000"/>
+              </a:lnSpc>
+              <a:spcBef>
+                <a:spcPts val="500"/>
+              </a:spcBef>
+              <a:buFont typeface="Arial" panose="020B0604020202020204" pitchFamily="34" charset="0"/>
+              <a:buChar char="•"/>
+              <a:defRPr sz="2000" kern="1200">
+                <a:solidFill>
+                  <a:schemeClr val="tx1"/>
+                </a:solidFill>
+                <a:latin typeface="+mn-lt"/>
+                <a:ea typeface="+mn-ea"/>
+                <a:cs typeface="+mn-cs"/>
+              </a:defRPr>
+            </a:lvl2pPr>
+            <a:lvl3pPr marL="1143000" indent="-228600" algn="l" defTabSz="914400" rtl="0" eaLnBrk="1" latinLnBrk="0" hangingPunct="1">
+              <a:lnSpc>
+                <a:spcPct val="90000"/>
+              </a:lnSpc>
+              <a:spcBef>
+                <a:spcPts val="500"/>
+              </a:spcBef>
+              <a:buFont typeface="Arial" panose="020B0604020202020204" pitchFamily="34" charset="0"/>
+              <a:buChar char="•"/>
+              <a:defRPr sz="1800" kern="1200">
+                <a:solidFill>
+                  <a:schemeClr val="tx1"/>
+                </a:solidFill>
+                <a:latin typeface="+mn-lt"/>
+                <a:ea typeface="+mn-ea"/>
+                <a:cs typeface="+mn-cs"/>
+              </a:defRPr>
+            </a:lvl3pPr>
+            <a:lvl4pPr marL="1600200" indent="-228600" algn="l" defTabSz="914400" rtl="0" eaLnBrk="1" latinLnBrk="0" hangingPunct="1">
+              <a:lnSpc>
+                <a:spcPct val="90000"/>
+              </a:lnSpc>
+              <a:spcBef>
+                <a:spcPts val="500"/>
+              </a:spcBef>
+              <a:buFont typeface="Arial" panose="020B0604020202020204" pitchFamily="34" charset="0"/>
+              <a:buChar char="•"/>
+              <a:defRPr sz="1600" kern="1200">
+                <a:solidFill>
+                  <a:schemeClr val="tx1"/>
+                </a:solidFill>
+                <a:latin typeface="+mn-lt"/>
+                <a:ea typeface="+mn-ea"/>
+                <a:cs typeface="+mn-cs"/>
+              </a:defRPr>
+            </a:lvl4pPr>
+            <a:lvl5pPr marL="2057400" indent="-228600" algn="l" defTabSz="914400" rtl="0" eaLnBrk="1" latinLnBrk="0" hangingPunct="1">
+              <a:lnSpc>
+                <a:spcPct val="90000"/>
+              </a:lnSpc>
+              <a:spcBef>
+                <a:spcPts val="500"/>
+              </a:spcBef>
+              <a:buFont typeface="Arial" panose="020B0604020202020204" pitchFamily="34" charset="0"/>
+              <a:buChar char="•"/>
+              <a:defRPr sz="1600" kern="1200">
+                <a:solidFill>
+                  <a:schemeClr val="tx1"/>
+                </a:solidFill>
+                <a:latin typeface="+mn-lt"/>
+                <a:ea typeface="+mn-ea"/>
+                <a:cs typeface="+mn-cs"/>
+              </a:defRPr>
+            </a:lvl5pPr>
+            <a:lvl6pPr marL="2514600" indent="-228600" algn="l" defTabSz="914400" rtl="0" eaLnBrk="1" latinLnBrk="0" hangingPunct="1">
+              <a:lnSpc>
+                <a:spcPct val="90000"/>
+              </a:lnSpc>
+              <a:spcBef>
+                <a:spcPts val="500"/>
+              </a:spcBef>
+              <a:buFont typeface="Arial" panose="020B0604020202020204" pitchFamily="34" charset="0"/>
+              <a:buChar char="•"/>
+              <a:defRPr sz="1600" kern="1200">
+                <a:solidFill>
+                  <a:schemeClr val="tx1"/>
+                </a:solidFill>
+                <a:latin typeface="+mn-lt"/>
+                <a:ea typeface="+mn-ea"/>
+                <a:cs typeface="+mn-cs"/>
+              </a:defRPr>
+            </a:lvl6pPr>
+            <a:lvl7pPr marL="2971800" indent="-228600" algn="l" defTabSz="914400" rtl="0" eaLnBrk="1" latinLnBrk="0" hangingPunct="1">
+              <a:lnSpc>
+                <a:spcPct val="90000"/>
+              </a:lnSpc>
+              <a:spcBef>
+                <a:spcPts val="500"/>
+              </a:spcBef>
+              <a:buFont typeface="Arial" panose="020B0604020202020204" pitchFamily="34" charset="0"/>
+              <a:buChar char="•"/>
+              <a:defRPr sz="1600" kern="1200">
+                <a:solidFill>
+                  <a:schemeClr val="tx1"/>
+                </a:solidFill>
+                <a:latin typeface="+mn-lt"/>
+                <a:ea typeface="+mn-ea"/>
+                <a:cs typeface="+mn-cs"/>
+              </a:defRPr>
+            </a:lvl7pPr>
+            <a:lvl8pPr marL="3429000" indent="-228600" algn="l" defTabSz="914400" rtl="0" eaLnBrk="1" latinLnBrk="0" hangingPunct="1">
+              <a:lnSpc>
+                <a:spcPct val="90000"/>
+              </a:lnSpc>
+              <a:spcBef>
+                <a:spcPts val="500"/>
+              </a:spcBef>
+              <a:buFont typeface="Arial" panose="020B0604020202020204" pitchFamily="34" charset="0"/>
+              <a:buChar char="•"/>
+              <a:defRPr sz="1600" kern="1200">
+                <a:solidFill>
+                  <a:schemeClr val="tx1"/>
+                </a:solidFill>
+                <a:latin typeface="+mn-lt"/>
+                <a:ea typeface="+mn-ea"/>
+                <a:cs typeface="+mn-cs"/>
+              </a:defRPr>
+            </a:lvl8pPr>
+            <a:lvl9pPr marL="3886200" indent="-228600" algn="l" defTabSz="914400" rtl="0" eaLnBrk="1" latinLnBrk="0" hangingPunct="1">
+              <a:lnSpc>
+                <a:spcPct val="90000"/>
+              </a:lnSpc>
+              <a:spcBef>
+                <a:spcPts val="500"/>
+              </a:spcBef>
+              <a:buFont typeface="Arial" panose="020B0604020202020204" pitchFamily="34" charset="0"/>
+              <a:buChar char="•"/>
+              <a:defRPr sz="1600" kern="1200">
+                <a:solidFill>
+                  <a:schemeClr val="tx1"/>
+                </a:solidFill>
+                <a:latin typeface="+mn-lt"/>
+                <a:ea typeface="+mn-ea"/>
+                <a:cs typeface="+mn-cs"/>
+              </a:defRPr>
+            </a:lvl9pPr>
+          </a:lstStyle>
+          <a:p>
+            <a:pPr marL="0" indent="0" algn="ctr">
+              <a:lnSpc>
+                <a:spcPct val="150000"/>
+              </a:lnSpc>
+              <a:buNone/>
+            </a:pPr>
+            <a:r>
+              <a:rPr lang="pt-BR" sz="4000" dirty="0" err="1"/>
+              <a:t>Function</a:t>
+            </a:r>
+            <a:endParaRPr lang="pt-BR" sz="4000" dirty="0"/>
+          </a:p>
+          <a:p>
+            <a:pPr marL="0" indent="0" algn="ctr">
+              <a:lnSpc>
+                <a:spcPct val="150000"/>
+              </a:lnSpc>
+              <a:buNone/>
+            </a:pPr>
+            <a:endParaRPr lang="pt-BR" sz="4000" dirty="0"/>
+          </a:p>
+          <a:p>
+            <a:pPr marL="0" indent="0" algn="ctr">
+              <a:lnSpc>
+                <a:spcPct val="150000"/>
+              </a:lnSpc>
+              <a:buNone/>
+            </a:pPr>
+            <a:r>
+              <a:rPr lang="pt-BR" sz="4000" dirty="0" err="1"/>
+              <a:t>BiFunction</a:t>
+            </a:r>
+            <a:endParaRPr lang="pt-BR" sz="4000" dirty="0"/>
+          </a:p>
+        </p:txBody>
+      </p:sp>
+      <p:pic>
+        <p:nvPicPr>
+          <p:cNvPr id="24" name="Picture 23" descr="A close up of a logo&#10;&#10;Description automatically generated">
+            <a:extLst>
+              <a:ext uri="{FF2B5EF4-FFF2-40B4-BE49-F238E27FC236}">
+                <a16:creationId xmlns:a16="http://schemas.microsoft.com/office/drawing/2014/main" id="{B67E466B-6DE3-3045-BE94-DE4B2AAFF19D}"/>
+              </a:ext>
+            </a:extLst>
+          </p:cNvPr>
+          <p:cNvPicPr>
+            <a:picLocks noChangeAspect="1"/>
+          </p:cNvPicPr>
+          <p:nvPr/>
+        </p:nvPicPr>
+        <p:blipFill>
+          <a:blip r:embed="rId3"/>
+          <a:stretch>
+            <a:fillRect/>
+          </a:stretch>
+        </p:blipFill>
+        <p:spPr>
+          <a:xfrm>
+            <a:off x="5502630" y="2556455"/>
+            <a:ext cx="1440668" cy="1420658"/>
+          </a:xfrm>
+          <a:prstGeom prst="rect">
+            <a:avLst/>
+          </a:prstGeom>
+        </p:spPr>
+      </p:pic>
+      <p:pic>
+        <p:nvPicPr>
+          <p:cNvPr id="26" name="Picture 25" descr="A close up of a logo&#10;&#10;Description automatically generated">
+            <a:extLst>
+              <a:ext uri="{FF2B5EF4-FFF2-40B4-BE49-F238E27FC236}">
+                <a16:creationId xmlns:a16="http://schemas.microsoft.com/office/drawing/2014/main" id="{3394AD87-C3F9-FC43-8EB0-5C2F67F64999}"/>
+              </a:ext>
+            </a:extLst>
+          </p:cNvPr>
+          <p:cNvPicPr>
+            <a:picLocks noChangeAspect="1"/>
+          </p:cNvPicPr>
+          <p:nvPr/>
+        </p:nvPicPr>
+        <p:blipFill>
+          <a:blip r:embed="rId4"/>
+          <a:stretch>
+            <a:fillRect/>
+          </a:stretch>
+        </p:blipFill>
+        <p:spPr>
+          <a:xfrm>
+            <a:off x="5502631" y="4702862"/>
+            <a:ext cx="1440667" cy="1420658"/>
+          </a:xfrm>
+          <a:prstGeom prst="rect">
+            <a:avLst/>
+          </a:prstGeom>
+        </p:spPr>
+      </p:pic>
+      <p:pic>
+        <p:nvPicPr>
+          <p:cNvPr id="30" name="Picture 29" descr="A close up of a logo&#10;&#10;Description automatically generated">
+            <a:extLst>
+              <a:ext uri="{FF2B5EF4-FFF2-40B4-BE49-F238E27FC236}">
+                <a16:creationId xmlns:a16="http://schemas.microsoft.com/office/drawing/2014/main" id="{F9551707-6BB6-DA40-A0FB-9DFA6DC94FCE}"/>
+              </a:ext>
+            </a:extLst>
+          </p:cNvPr>
+          <p:cNvPicPr>
+            <a:picLocks noChangeAspect="1"/>
+          </p:cNvPicPr>
+          <p:nvPr/>
+        </p:nvPicPr>
+        <p:blipFill>
+          <a:blip r:embed="rId5"/>
+          <a:stretch>
+            <a:fillRect/>
+          </a:stretch>
+        </p:blipFill>
+        <p:spPr>
+          <a:xfrm>
+            <a:off x="8945995" y="3067855"/>
+            <a:ext cx="1587500" cy="711200"/>
+          </a:xfrm>
+          <a:prstGeom prst="rect">
+            <a:avLst/>
+          </a:prstGeom>
+        </p:spPr>
+      </p:pic>
+      <p:cxnSp>
+        <p:nvCxnSpPr>
+          <p:cNvPr id="32" name="Straight Arrow Connector 31">
+            <a:extLst>
+              <a:ext uri="{FF2B5EF4-FFF2-40B4-BE49-F238E27FC236}">
+                <a16:creationId xmlns:a16="http://schemas.microsoft.com/office/drawing/2014/main" id="{7D2ED329-8222-9A43-8712-BDE67EC66544}"/>
+              </a:ext>
+            </a:extLst>
+          </p:cNvPr>
+          <p:cNvCxnSpPr>
+            <a:endCxn id="30" idx="0"/>
+          </p:cNvCxnSpPr>
+          <p:nvPr/>
+        </p:nvCxnSpPr>
+        <p:spPr>
+          <a:xfrm>
+            <a:off x="9739745" y="2603908"/>
+            <a:ext cx="0" cy="463947"/>
+          </a:xfrm>
+          <a:prstGeom prst="straightConnector1">
+            <a:avLst/>
+          </a:prstGeom>
+          <a:ln>
+            <a:solidFill>
+              <a:srgbClr val="00B0F0"/>
+            </a:solidFill>
+            <a:tailEnd type="triangle"/>
+          </a:ln>
+        </p:spPr>
+        <p:style>
+          <a:lnRef idx="1">
+            <a:schemeClr val="dk1"/>
+          </a:lnRef>
+          <a:fillRef idx="0">
+            <a:schemeClr val="dk1"/>
+          </a:fillRef>
+          <a:effectRef idx="0">
+            <a:schemeClr val="dk1"/>
+          </a:effectRef>
+          <a:fontRef idx="minor">
+            <a:schemeClr val="tx1"/>
+          </a:fontRef>
+        </p:style>
+      </p:cxnSp>
+      <p:grpSp>
+        <p:nvGrpSpPr>
+          <p:cNvPr id="19" name="Group 18">
+            <a:extLst>
+              <a:ext uri="{FF2B5EF4-FFF2-40B4-BE49-F238E27FC236}">
+                <a16:creationId xmlns:a16="http://schemas.microsoft.com/office/drawing/2014/main" id="{022E4769-7E28-4843-92A6-C396F19C4855}"/>
+              </a:ext>
+            </a:extLst>
+          </p:cNvPr>
+          <p:cNvGrpSpPr/>
+          <p:nvPr/>
+        </p:nvGrpSpPr>
+        <p:grpSpPr>
+          <a:xfrm>
+            <a:off x="43982" y="4262612"/>
+            <a:ext cx="1202295" cy="968702"/>
+            <a:chOff x="43982" y="3694570"/>
+            <a:chExt cx="1202295" cy="968702"/>
+          </a:xfrm>
+        </p:grpSpPr>
+        <p:pic>
+          <p:nvPicPr>
+            <p:cNvPr id="6" name="Picture 5">
+              <a:extLst>
+                <a:ext uri="{FF2B5EF4-FFF2-40B4-BE49-F238E27FC236}">
+                  <a16:creationId xmlns:a16="http://schemas.microsoft.com/office/drawing/2014/main" id="{F8596309-22F5-0F42-A38F-976B99E9F016}"/>
+                </a:ext>
+              </a:extLst>
+            </p:cNvPr>
+            <p:cNvPicPr>
+              <a:picLocks noChangeAspect="1"/>
+            </p:cNvPicPr>
+            <p:nvPr/>
+          </p:nvPicPr>
+          <p:blipFill>
+            <a:blip r:embed="rId6"/>
+            <a:stretch>
+              <a:fillRect/>
+            </a:stretch>
+          </p:blipFill>
+          <p:spPr>
+            <a:xfrm>
+              <a:off x="43982" y="3912941"/>
+              <a:ext cx="949036" cy="750331"/>
+            </a:xfrm>
+            <a:prstGeom prst="rect">
+              <a:avLst/>
+            </a:prstGeom>
+          </p:spPr>
+        </p:pic>
+        <p:pic>
+          <p:nvPicPr>
+            <p:cNvPr id="7" name="Picture 6" descr="A close up of a box&#10;&#10;Description automatically generated">
+              <a:extLst>
+                <a:ext uri="{FF2B5EF4-FFF2-40B4-BE49-F238E27FC236}">
+                  <a16:creationId xmlns:a16="http://schemas.microsoft.com/office/drawing/2014/main" id="{018FBABF-0213-CC46-A515-42769F76FB41}"/>
+                </a:ext>
+              </a:extLst>
+            </p:cNvPr>
+            <p:cNvPicPr>
+              <a:picLocks noChangeAspect="1"/>
+            </p:cNvPicPr>
+            <p:nvPr/>
+          </p:nvPicPr>
+          <p:blipFill>
+            <a:blip r:embed="rId7"/>
+            <a:stretch>
+              <a:fillRect/>
+            </a:stretch>
+          </p:blipFill>
+          <p:spPr>
+            <a:xfrm>
+              <a:off x="377537" y="3694570"/>
+              <a:ext cx="868740" cy="863940"/>
+            </a:xfrm>
+            <a:prstGeom prst="rect">
+              <a:avLst/>
+            </a:prstGeom>
+          </p:spPr>
+        </p:pic>
+      </p:grpSp>
+      <p:grpSp>
+        <p:nvGrpSpPr>
+          <p:cNvPr id="13" name="Group 12">
+            <a:extLst>
+              <a:ext uri="{FF2B5EF4-FFF2-40B4-BE49-F238E27FC236}">
+                <a16:creationId xmlns:a16="http://schemas.microsoft.com/office/drawing/2014/main" id="{4DA89030-4CCD-304D-9DD7-439A59141244}"/>
+              </a:ext>
+            </a:extLst>
+          </p:cNvPr>
+          <p:cNvGrpSpPr/>
+          <p:nvPr/>
+        </p:nvGrpSpPr>
+        <p:grpSpPr>
+          <a:xfrm>
+            <a:off x="238552" y="1691867"/>
+            <a:ext cx="632782" cy="912041"/>
+            <a:chOff x="238552" y="1123825"/>
+            <a:chExt cx="632782" cy="912041"/>
+          </a:xfrm>
+        </p:grpSpPr>
+        <p:pic>
+          <p:nvPicPr>
+            <p:cNvPr id="8" name="Picture 7" descr="A close up of a logo&#10;&#10;Description automatically generated">
+              <a:extLst>
+                <a:ext uri="{FF2B5EF4-FFF2-40B4-BE49-F238E27FC236}">
+                  <a16:creationId xmlns:a16="http://schemas.microsoft.com/office/drawing/2014/main" id="{FE1F0E8F-4366-9B48-B5CB-E97115A1BF95}"/>
+                </a:ext>
+              </a:extLst>
+            </p:cNvPr>
+            <p:cNvPicPr>
+              <a:picLocks noChangeAspect="1"/>
+            </p:cNvPicPr>
+            <p:nvPr/>
+          </p:nvPicPr>
+          <p:blipFill>
+            <a:blip r:embed="rId8"/>
+            <a:stretch>
+              <a:fillRect/>
+            </a:stretch>
+          </p:blipFill>
+          <p:spPr>
+            <a:xfrm>
+              <a:off x="285934" y="1406558"/>
+              <a:ext cx="585400" cy="629308"/>
+            </a:xfrm>
+            <a:prstGeom prst="rect">
+              <a:avLst/>
+            </a:prstGeom>
+          </p:spPr>
+        </p:pic>
+        <p:pic>
+          <p:nvPicPr>
+            <p:cNvPr id="10" name="Picture 9">
+              <a:extLst>
+                <a:ext uri="{FF2B5EF4-FFF2-40B4-BE49-F238E27FC236}">
+                  <a16:creationId xmlns:a16="http://schemas.microsoft.com/office/drawing/2014/main" id="{7C00533E-57D8-3F4B-AFC0-B190F54C016F}"/>
+                </a:ext>
+              </a:extLst>
+            </p:cNvPr>
+            <p:cNvPicPr>
+              <a:picLocks noChangeAspect="1"/>
+            </p:cNvPicPr>
+            <p:nvPr/>
+          </p:nvPicPr>
+          <p:blipFill>
+            <a:blip r:embed="rId9"/>
+            <a:stretch>
+              <a:fillRect/>
+            </a:stretch>
+          </p:blipFill>
+          <p:spPr>
+            <a:xfrm>
+              <a:off x="238552" y="1123825"/>
+              <a:ext cx="559895" cy="548231"/>
+            </a:xfrm>
+            <a:prstGeom prst="rect">
+              <a:avLst/>
+            </a:prstGeom>
+          </p:spPr>
+        </p:pic>
+      </p:grpSp>
+      <p:grpSp>
+        <p:nvGrpSpPr>
+          <p:cNvPr id="18" name="Group 17">
+            <a:extLst>
+              <a:ext uri="{FF2B5EF4-FFF2-40B4-BE49-F238E27FC236}">
+                <a16:creationId xmlns:a16="http://schemas.microsoft.com/office/drawing/2014/main" id="{7B5FFE06-C5DD-BF4D-8D9F-3673B552C9A7}"/>
+              </a:ext>
+            </a:extLst>
+          </p:cNvPr>
+          <p:cNvGrpSpPr/>
+          <p:nvPr/>
+        </p:nvGrpSpPr>
+        <p:grpSpPr>
+          <a:xfrm>
+            <a:off x="149107" y="2729589"/>
+            <a:ext cx="738789" cy="910861"/>
+            <a:chOff x="149107" y="2161547"/>
+            <a:chExt cx="738789" cy="910861"/>
+          </a:xfrm>
+        </p:grpSpPr>
+        <p:pic>
+          <p:nvPicPr>
+            <p:cNvPr id="16" name="Picture 15" descr="A close up of a logo&#10;&#10;Description automatically generated">
+              <a:extLst>
+                <a:ext uri="{FF2B5EF4-FFF2-40B4-BE49-F238E27FC236}">
+                  <a16:creationId xmlns:a16="http://schemas.microsoft.com/office/drawing/2014/main" id="{B75C869F-423A-3843-AA9D-2D7F2FD0AE27}"/>
+                </a:ext>
+              </a:extLst>
+            </p:cNvPr>
+            <p:cNvPicPr>
+              <a:picLocks noChangeAspect="1"/>
+            </p:cNvPicPr>
+            <p:nvPr/>
+          </p:nvPicPr>
+          <p:blipFill>
+            <a:blip r:embed="rId8"/>
+            <a:stretch>
+              <a:fillRect/>
+            </a:stretch>
+          </p:blipFill>
+          <p:spPr>
+            <a:xfrm>
+              <a:off x="298853" y="2443100"/>
+              <a:ext cx="585400" cy="629308"/>
+            </a:xfrm>
+            <a:prstGeom prst="rect">
+              <a:avLst/>
+            </a:prstGeom>
+          </p:spPr>
+        </p:pic>
+        <p:pic>
+          <p:nvPicPr>
+            <p:cNvPr id="25" name="Picture 24">
+              <a:extLst>
+                <a:ext uri="{FF2B5EF4-FFF2-40B4-BE49-F238E27FC236}">
+                  <a16:creationId xmlns:a16="http://schemas.microsoft.com/office/drawing/2014/main" id="{C0FAA06A-4654-EF44-85D1-991016A9E055}"/>
+                </a:ext>
+              </a:extLst>
+            </p:cNvPr>
+            <p:cNvPicPr>
+              <a:picLocks noChangeAspect="1"/>
+            </p:cNvPicPr>
+            <p:nvPr/>
+          </p:nvPicPr>
+          <p:blipFill>
+            <a:blip r:embed="rId9"/>
+            <a:stretch>
+              <a:fillRect/>
+            </a:stretch>
+          </p:blipFill>
+          <p:spPr>
+            <a:xfrm>
+              <a:off x="328001" y="2161547"/>
+              <a:ext cx="559895" cy="548231"/>
+            </a:xfrm>
+            <a:prstGeom prst="rect">
+              <a:avLst/>
+            </a:prstGeom>
+          </p:spPr>
+        </p:pic>
+        <p:pic>
+          <p:nvPicPr>
+            <p:cNvPr id="27" name="Picture 26">
+              <a:extLst>
+                <a:ext uri="{FF2B5EF4-FFF2-40B4-BE49-F238E27FC236}">
+                  <a16:creationId xmlns:a16="http://schemas.microsoft.com/office/drawing/2014/main" id="{43C62A4C-DD9E-974B-896B-83EEBE967436}"/>
+                </a:ext>
+              </a:extLst>
+            </p:cNvPr>
+            <p:cNvPicPr>
+              <a:picLocks noChangeAspect="1"/>
+            </p:cNvPicPr>
+            <p:nvPr/>
+          </p:nvPicPr>
+          <p:blipFill>
+            <a:blip r:embed="rId9"/>
+            <a:stretch>
+              <a:fillRect/>
+            </a:stretch>
+          </p:blipFill>
+          <p:spPr>
+            <a:xfrm>
+              <a:off x="149107" y="2190837"/>
+              <a:ext cx="559895" cy="548231"/>
+            </a:xfrm>
+            <a:prstGeom prst="rect">
+              <a:avLst/>
+            </a:prstGeom>
+          </p:spPr>
+        </p:pic>
+      </p:grpSp>
     </p:spTree>
     <p:extLst>
       <p:ext uri="{BB962C8B-B14F-4D97-AF65-F5344CB8AC3E}">
@@ -6522,57 +8974,14 @@
                             </p:stCondLst>
                             <p:childTnLst>
                               <p:par>
-                                <p:cTn id="10" presetID="9" presetClass="exit" presetSubtype="0" fill="hold" grpId="1" nodeType="clickEffect">
-                                  <p:stCondLst>
-                                    <p:cond delay="0"/>
-                                  </p:stCondLst>
-                                  <p:childTnLst>
-                                    <p:animEffect transition="out" filter="dissolve">
-                                      <p:cBhvr>
-                                        <p:cTn id="11" dur="500"/>
-                                        <p:tgtEl>
-                                          <p:spTgt spid="3">
-                                            <p:txEl>
-                                              <p:pRg st="0" end="0"/>
-                                            </p:txEl>
-                                          </p:spTgt>
-                                        </p:tgtEl>
-                                      </p:cBhvr>
-                                    </p:animEffect>
-                                    <p:set>
-                                      <p:cBhvr>
-                                        <p:cTn id="12" dur="1" fill="hold">
-                                          <p:stCondLst>
-                                            <p:cond delay="499"/>
-                                          </p:stCondLst>
-                                        </p:cTn>
-                                        <p:tgtEl>
-                                          <p:spTgt spid="3">
-                                            <p:txEl>
-                                              <p:pRg st="0" end="0"/>
-                                            </p:txEl>
-                                          </p:spTgt>
-                                        </p:tgtEl>
-                                        <p:attrNameLst>
-                                          <p:attrName>style.visibility</p:attrName>
-                                        </p:attrNameLst>
-                                      </p:cBhvr>
-                                      <p:to>
-                                        <p:strVal val="hidden"/>
-                                      </p:to>
-                                    </p:set>
-                                  </p:childTnLst>
-                                </p:cTn>
-                              </p:par>
-                              <p:par>
-                                <p:cTn id="13" presetID="9" presetClass="entr" presetSubtype="0" fill="hold" grpId="0" nodeType="withEffect">
+                                <p:cTn id="10" presetID="9" presetClass="entr" presetSubtype="0" fill="hold" grpId="0" nodeType="clickEffect">
                                   <p:stCondLst>
                                     <p:cond delay="0"/>
                                   </p:stCondLst>
                                   <p:childTnLst>
                                     <p:set>
                                       <p:cBhvr>
-                                        <p:cTn id="14" dur="1" fill="hold">
+                                        <p:cTn id="11" dur="1" fill="hold">
                                           <p:stCondLst>
                                             <p:cond delay="0"/>
                                           </p:stCondLst>
@@ -6594,11 +9003,316 @@
                                     </p:set>
                                     <p:animEffect transition="in" filter="dissolve">
                                       <p:cBhvr>
-                                        <p:cTn id="15" dur="500"/>
+                                        <p:cTn id="12" dur="500"/>
                                         <p:tgtEl>
                                           <p:spTgt spid="3">
                                             <p:txEl>
                                               <p:pRg st="1" end="1"/>
+                                            </p:txEl>
+                                          </p:spTgt>
+                                        </p:tgtEl>
+                                      </p:cBhvr>
+                                    </p:animEffect>
+                                  </p:childTnLst>
+                                </p:cTn>
+                              </p:par>
+                            </p:childTnLst>
+                          </p:cTn>
+                        </p:par>
+                      </p:childTnLst>
+                    </p:cTn>
+                  </p:par>
+                  <p:par>
+                    <p:cTn id="13" fill="hold">
+                      <p:stCondLst>
+                        <p:cond delay="indefinite"/>
+                      </p:stCondLst>
+                      <p:childTnLst>
+                        <p:par>
+                          <p:cTn id="14" fill="hold">
+                            <p:stCondLst>
+                              <p:cond delay="0"/>
+                            </p:stCondLst>
+                            <p:childTnLst>
+                              <p:par>
+                                <p:cTn id="15" presetID="9" presetClass="entr" presetSubtype="0" fill="hold" grpId="0" nodeType="clickEffect">
+                                  <p:stCondLst>
+                                    <p:cond delay="0"/>
+                                  </p:stCondLst>
+                                  <p:childTnLst>
+                                    <p:set>
+                                      <p:cBhvr>
+                                        <p:cTn id="16" dur="1" fill="hold">
+                                          <p:stCondLst>
+                                            <p:cond delay="0"/>
+                                          </p:stCondLst>
+                                        </p:cTn>
+                                        <p:tgtEl>
+                                          <p:spTgt spid="3">
+                                            <p:txEl>
+                                              <p:pRg st="3" end="3"/>
+                                            </p:txEl>
+                                          </p:spTgt>
+                                        </p:tgtEl>
+                                        <p:attrNameLst>
+                                          <p:attrName>style.visibility</p:attrName>
+                                        </p:attrNameLst>
+                                      </p:cBhvr>
+                                      <p:to>
+                                        <p:strVal val="visible"/>
+                                      </p:to>
+                                    </p:set>
+                                    <p:animEffect transition="in" filter="dissolve">
+                                      <p:cBhvr>
+                                        <p:cTn id="17" dur="500"/>
+                                        <p:tgtEl>
+                                          <p:spTgt spid="3">
+                                            <p:txEl>
+                                              <p:pRg st="3" end="3"/>
+                                            </p:txEl>
+                                          </p:spTgt>
+                                        </p:tgtEl>
+                                      </p:cBhvr>
+                                    </p:animEffect>
+                                  </p:childTnLst>
+                                </p:cTn>
+                              </p:par>
+                            </p:childTnLst>
+                          </p:cTn>
+                        </p:par>
+                      </p:childTnLst>
+                    </p:cTn>
+                  </p:par>
+                  <p:par>
+                    <p:cTn id="18" fill="hold">
+                      <p:stCondLst>
+                        <p:cond delay="indefinite"/>
+                      </p:stCondLst>
+                      <p:childTnLst>
+                        <p:par>
+                          <p:cTn id="19" fill="hold">
+                            <p:stCondLst>
+                              <p:cond delay="0"/>
+                            </p:stCondLst>
+                            <p:childTnLst>
+                              <p:par>
+                                <p:cTn id="20" presetID="9" presetClass="entr" presetSubtype="0" fill="hold" grpId="0" nodeType="clickEffect">
+                                  <p:stCondLst>
+                                    <p:cond delay="0"/>
+                                  </p:stCondLst>
+                                  <p:childTnLst>
+                                    <p:set>
+                                      <p:cBhvr>
+                                        <p:cTn id="21" dur="1" fill="hold">
+                                          <p:stCondLst>
+                                            <p:cond delay="0"/>
+                                          </p:stCondLst>
+                                        </p:cTn>
+                                        <p:tgtEl>
+                                          <p:spTgt spid="11">
+                                            <p:txEl>
+                                              <p:pRg st="0" end="0"/>
+                                            </p:txEl>
+                                          </p:spTgt>
+                                        </p:tgtEl>
+                                        <p:attrNameLst>
+                                          <p:attrName>style.visibility</p:attrName>
+                                        </p:attrNameLst>
+                                      </p:cBhvr>
+                                      <p:to>
+                                        <p:strVal val="visible"/>
+                                      </p:to>
+                                    </p:set>
+                                    <p:animEffect transition="in" filter="dissolve">
+                                      <p:cBhvr>
+                                        <p:cTn id="22" dur="500"/>
+                                        <p:tgtEl>
+                                          <p:spTgt spid="11">
+                                            <p:txEl>
+                                              <p:pRg st="0" end="0"/>
+                                            </p:txEl>
+                                          </p:spTgt>
+                                        </p:tgtEl>
+                                      </p:cBhvr>
+                                    </p:animEffect>
+                                  </p:childTnLst>
+                                </p:cTn>
+                              </p:par>
+                            </p:childTnLst>
+                          </p:cTn>
+                        </p:par>
+                      </p:childTnLst>
+                    </p:cTn>
+                  </p:par>
+                  <p:par>
+                    <p:cTn id="23" fill="hold">
+                      <p:stCondLst>
+                        <p:cond delay="indefinite"/>
+                      </p:stCondLst>
+                      <p:childTnLst>
+                        <p:par>
+                          <p:cTn id="24" fill="hold">
+                            <p:stCondLst>
+                              <p:cond delay="0"/>
+                            </p:stCondLst>
+                            <p:childTnLst>
+                              <p:par>
+                                <p:cTn id="25" presetID="9" presetClass="entr" presetSubtype="0" fill="hold" grpId="0" nodeType="clickEffect">
+                                  <p:stCondLst>
+                                    <p:cond delay="0"/>
+                                  </p:stCondLst>
+                                  <p:childTnLst>
+                                    <p:set>
+                                      <p:cBhvr>
+                                        <p:cTn id="26" dur="1" fill="hold">
+                                          <p:stCondLst>
+                                            <p:cond delay="0"/>
+                                          </p:stCondLst>
+                                        </p:cTn>
+                                        <p:tgtEl>
+                                          <p:spTgt spid="12">
+                                            <p:txEl>
+                                              <p:pRg st="0" end="0"/>
+                                            </p:txEl>
+                                          </p:spTgt>
+                                        </p:tgtEl>
+                                        <p:attrNameLst>
+                                          <p:attrName>style.visibility</p:attrName>
+                                        </p:attrNameLst>
+                                      </p:cBhvr>
+                                      <p:to>
+                                        <p:strVal val="visible"/>
+                                      </p:to>
+                                    </p:set>
+                                    <p:animEffect transition="in" filter="dissolve">
+                                      <p:cBhvr>
+                                        <p:cTn id="27" dur="500"/>
+                                        <p:tgtEl>
+                                          <p:spTgt spid="12">
+                                            <p:txEl>
+                                              <p:pRg st="0" end="0"/>
+                                            </p:txEl>
+                                          </p:spTgt>
+                                        </p:tgtEl>
+                                      </p:cBhvr>
+                                    </p:animEffect>
+                                  </p:childTnLst>
+                                </p:cTn>
+                              </p:par>
+                            </p:childTnLst>
+                          </p:cTn>
+                        </p:par>
+                      </p:childTnLst>
+                    </p:cTn>
+                  </p:par>
+                  <p:par>
+                    <p:cTn id="28" fill="hold">
+                      <p:stCondLst>
+                        <p:cond delay="indefinite"/>
+                      </p:stCondLst>
+                      <p:childTnLst>
+                        <p:par>
+                          <p:cTn id="29" fill="hold">
+                            <p:stCondLst>
+                              <p:cond delay="0"/>
+                            </p:stCondLst>
+                            <p:childTnLst>
+                              <p:par>
+                                <p:cTn id="30" presetID="9" presetClass="entr" presetSubtype="0" fill="hold" grpId="0" nodeType="clickEffect">
+                                  <p:stCondLst>
+                                    <p:cond delay="0"/>
+                                  </p:stCondLst>
+                                  <p:childTnLst>
+                                    <p:set>
+                                      <p:cBhvr>
+                                        <p:cTn id="31" dur="1" fill="hold">
+                                          <p:stCondLst>
+                                            <p:cond delay="0"/>
+                                          </p:stCondLst>
+                                        </p:cTn>
+                                        <p:tgtEl>
+                                          <p:spTgt spid="22">
+                                            <p:txEl>
+                                              <p:pRg st="0" end="0"/>
+                                            </p:txEl>
+                                          </p:spTgt>
+                                        </p:tgtEl>
+                                        <p:attrNameLst>
+                                          <p:attrName>style.visibility</p:attrName>
+                                        </p:attrNameLst>
+                                      </p:cBhvr>
+                                      <p:to>
+                                        <p:strVal val="visible"/>
+                                      </p:to>
+                                    </p:set>
+                                    <p:animEffect transition="in" filter="dissolve">
+                                      <p:cBhvr>
+                                        <p:cTn id="32" dur="500"/>
+                                        <p:tgtEl>
+                                          <p:spTgt spid="22">
+                                            <p:txEl>
+                                              <p:pRg st="0" end="0"/>
+                                            </p:txEl>
+                                          </p:spTgt>
+                                        </p:tgtEl>
+                                      </p:cBhvr>
+                                    </p:animEffect>
+                                  </p:childTnLst>
+                                </p:cTn>
+                              </p:par>
+                            </p:childTnLst>
+                          </p:cTn>
+                        </p:par>
+                      </p:childTnLst>
+                    </p:cTn>
+                  </p:par>
+                  <p:par>
+                    <p:cTn id="33" fill="hold">
+                      <p:stCondLst>
+                        <p:cond delay="indefinite"/>
+                      </p:stCondLst>
+                      <p:childTnLst>
+                        <p:par>
+                          <p:cTn id="34" fill="hold">
+                            <p:stCondLst>
+                              <p:cond delay="0"/>
+                            </p:stCondLst>
+                            <p:childTnLst>
+                              <p:par>
+                                <p:cTn id="35" presetID="9" presetClass="entr" presetSubtype="0" fill="hold" grpId="0" nodeType="clickEffect">
+                                  <p:stCondLst>
+                                    <p:cond delay="0"/>
+                                  </p:stCondLst>
+                                  <p:childTnLst>
+                                    <p:set>
+                                      <p:cBhvr>
+                                        <p:cTn id="36" dur="1" fill="hold">
+                                          <p:stCondLst>
+                                            <p:cond delay="0"/>
+                                          </p:stCondLst>
+                                        </p:cTn>
+                                        <p:tgtEl>
+                                          <p:spTgt spid="22">
+                                            <p:txEl>
+                                              <p:pRg st="2" end="2"/>
+                                            </p:txEl>
+                                          </p:spTgt>
+                                        </p:tgtEl>
+                                        <p:attrNameLst>
+                                          <p:attrName>style.visibility</p:attrName>
+                                        </p:attrNameLst>
+                                      </p:cBhvr>
+                                      <p:to>
+                                        <p:strVal val="visible"/>
+                                      </p:to>
+                                    </p:set>
+                                    <p:animEffect transition="in" filter="dissolve">
+                                      <p:cBhvr>
+                                        <p:cTn id="37" dur="500"/>
+                                        <p:tgtEl>
+                                          <p:spTgt spid="22">
+                                            <p:txEl>
+                                              <p:pRg st="2" end="2"/>
                                             </p:txEl>
                                           </p:spTgt>
                                         </p:tgtEl>
@@ -6636,7 +9350,1484 @@
     </p:tnLst>
     <p:bldLst>
       <p:bldP spid="3" grpId="0" uiExpand="1" build="p"/>
-      <p:bldP spid="3" grpId="1" uiExpand="1" build="p"/>
+      <p:bldP spid="11" grpId="0" uiExpand="1" build="p"/>
+      <p:bldP spid="12" grpId="0" uiExpand="1" build="p"/>
+      <p:bldP spid="22" grpId="0" uiExpand="1" build="p"/>
+    </p:bldLst>
+  </p:timing>
+</p:sld>
+</file>
+
+<file path=ppt/slides/slide19.xml><?xml version="1.0" encoding="utf-8"?>
+<p:sld xmlns:a="http://schemas.openxmlformats.org/drawingml/2006/main" xmlns:r="http://schemas.openxmlformats.org/officeDocument/2006/relationships" xmlns:p="http://schemas.openxmlformats.org/presentationml/2006/main">
+  <p:cSld>
+    <p:spTree>
+      <p:nvGrpSpPr>
+        <p:cNvPr id="1" name=""/>
+        <p:cNvGrpSpPr/>
+        <p:nvPr/>
+      </p:nvGrpSpPr>
+      <p:grpSpPr>
+        <a:xfrm>
+          <a:off x="0" y="0"/>
+          <a:ext cx="0" cy="0"/>
+          <a:chOff x="0" y="0"/>
+          <a:chExt cx="0" cy="0"/>
+        </a:xfrm>
+      </p:grpSpPr>
+      <p:sp>
+        <p:nvSpPr>
+          <p:cNvPr id="2" name="Title 1">
+            <a:extLst>
+              <a:ext uri="{FF2B5EF4-FFF2-40B4-BE49-F238E27FC236}">
+                <a16:creationId xmlns:a16="http://schemas.microsoft.com/office/drawing/2014/main" id="{CED146AD-2B46-564D-81FC-0543707137F1}"/>
+              </a:ext>
+            </a:extLst>
+          </p:cNvPr>
+          <p:cNvSpPr>
+            <a:spLocks noGrp="1"/>
+          </p:cNvSpPr>
+          <p:nvPr>
+            <p:ph type="title"/>
+          </p:nvPr>
+        </p:nvSpPr>
+        <p:spPr/>
+        <p:txBody>
+          <a:bodyPr/>
+          <a:lstStyle/>
+          <a:p>
+            <a:r>
+              <a:rPr lang="pt-BR" dirty="0"/>
+              <a:t>Para saber mais</a:t>
+            </a:r>
+          </a:p>
+        </p:txBody>
+      </p:sp>
+      <p:sp>
+        <p:nvSpPr>
+          <p:cNvPr id="3" name="Content Placeholder 2">
+            <a:extLst>
+              <a:ext uri="{FF2B5EF4-FFF2-40B4-BE49-F238E27FC236}">
+                <a16:creationId xmlns:a16="http://schemas.microsoft.com/office/drawing/2014/main" id="{89319AAF-3F08-0B48-8CAF-418CBCA3FAC9}"/>
+              </a:ext>
+            </a:extLst>
+          </p:cNvPr>
+          <p:cNvSpPr>
+            <a:spLocks noGrp="1"/>
+          </p:cNvSpPr>
+          <p:nvPr>
+            <p:ph idx="1"/>
+          </p:nvPr>
+        </p:nvSpPr>
+        <p:spPr/>
+        <p:txBody>
+          <a:bodyPr/>
+          <a:lstStyle/>
+          <a:p>
+            <a:r>
+              <a:rPr lang="pt-BR" b="1" dirty="0">
+                <a:solidFill>
+                  <a:schemeClr val="bg1"/>
+                </a:solidFill>
+                <a:hlinkClick r:id="rId2"/>
+              </a:rPr>
+              <a:t>https://git.io/Je3Uo</a:t>
+            </a:r>
+            <a:endParaRPr lang="pt-BR" dirty="0"/>
+          </a:p>
+        </p:txBody>
+      </p:sp>
+      <p:sp>
+        <p:nvSpPr>
+          <p:cNvPr id="4" name="Slide Number Placeholder 3">
+            <a:extLst>
+              <a:ext uri="{FF2B5EF4-FFF2-40B4-BE49-F238E27FC236}">
+                <a16:creationId xmlns:a16="http://schemas.microsoft.com/office/drawing/2014/main" id="{3201CACE-5D20-6245-8DEC-20BA96B7D201}"/>
+              </a:ext>
+            </a:extLst>
+          </p:cNvPr>
+          <p:cNvSpPr>
+            <a:spLocks noGrp="1"/>
+          </p:cNvSpPr>
+          <p:nvPr>
+            <p:ph type="sldNum" sz="quarter" idx="12"/>
+          </p:nvPr>
+        </p:nvSpPr>
+        <p:spPr/>
+        <p:txBody>
+          <a:bodyPr/>
+          <a:lstStyle/>
+          <a:p>
+            <a:fld id="{2183B7EE-0FBE-B749-875F-ED24F5ECD71F}" type="slidenum">
+              <a:rPr lang="en-US" smtClean="0"/>
+              <a:t>19</a:t>
+            </a:fld>
+            <a:endParaRPr lang="en-US" dirty="0"/>
+          </a:p>
+        </p:txBody>
+      </p:sp>
+    </p:spTree>
+    <p:extLst>
+      <p:ext uri="{BB962C8B-B14F-4D97-AF65-F5344CB8AC3E}">
+        <p14:creationId xmlns:p14="http://schemas.microsoft.com/office/powerpoint/2010/main" val="1297472840"/>
+      </p:ext>
+    </p:extLst>
+  </p:cSld>
+  <p:clrMapOvr>
+    <a:masterClrMapping/>
+  </p:clrMapOvr>
+</p:sld>
+</file>
+
+<file path=ppt/slides/slide2.xml><?xml version="1.0" encoding="utf-8"?>
+<p:sld xmlns:a="http://schemas.openxmlformats.org/drawingml/2006/main" xmlns:r="http://schemas.openxmlformats.org/officeDocument/2006/relationships" xmlns:p="http://schemas.openxmlformats.org/presentationml/2006/main">
+  <p:cSld>
+    <p:spTree>
+      <p:nvGrpSpPr>
+        <p:cNvPr id="1" name=""/>
+        <p:cNvGrpSpPr/>
+        <p:nvPr/>
+      </p:nvGrpSpPr>
+      <p:grpSpPr>
+        <a:xfrm>
+          <a:off x="0" y="0"/>
+          <a:ext cx="0" cy="0"/>
+          <a:chOff x="0" y="0"/>
+          <a:chExt cx="0" cy="0"/>
+        </a:xfrm>
+      </p:grpSpPr>
+      <p:sp>
+        <p:nvSpPr>
+          <p:cNvPr id="2" name="Title 1">
+            <a:extLst>
+              <a:ext uri="{FF2B5EF4-FFF2-40B4-BE49-F238E27FC236}">
+                <a16:creationId xmlns:a16="http://schemas.microsoft.com/office/drawing/2014/main" id="{F292BC46-7E1D-E746-AC31-2E4322842F3F}"/>
+              </a:ext>
+            </a:extLst>
+          </p:cNvPr>
+          <p:cNvSpPr>
+            <a:spLocks noGrp="1"/>
+          </p:cNvSpPr>
+          <p:nvPr>
+            <p:ph type="title"/>
+          </p:nvPr>
+        </p:nvSpPr>
+        <p:spPr>
+          <a:xfrm>
+            <a:off x="1901537" y="2967245"/>
+            <a:ext cx="8610600" cy="1293028"/>
+          </a:xfrm>
+        </p:spPr>
+        <p:txBody>
+          <a:bodyPr/>
+          <a:lstStyle/>
+          <a:p>
+            <a:pPr algn="ctr"/>
+            <a:r>
+              <a:rPr lang="pt-BR" dirty="0"/>
+              <a:t>Como processamos dados em uma lista em </a:t>
+            </a:r>
+            <a:r>
+              <a:rPr lang="pt-BR" dirty="0" err="1"/>
+              <a:t>java</a:t>
+            </a:r>
+            <a:r>
+              <a:rPr lang="pt-BR" dirty="0"/>
+              <a:t>?</a:t>
+            </a:r>
+          </a:p>
+        </p:txBody>
+      </p:sp>
+      <p:sp>
+        <p:nvSpPr>
+          <p:cNvPr id="4" name="Slide Number Placeholder 3">
+            <a:extLst>
+              <a:ext uri="{FF2B5EF4-FFF2-40B4-BE49-F238E27FC236}">
+                <a16:creationId xmlns:a16="http://schemas.microsoft.com/office/drawing/2014/main" id="{1D36AC80-6BDE-CC4C-846B-04FDB6E2D6C9}"/>
+              </a:ext>
+            </a:extLst>
+          </p:cNvPr>
+          <p:cNvSpPr>
+            <a:spLocks noGrp="1"/>
+          </p:cNvSpPr>
+          <p:nvPr>
+            <p:ph type="sldNum" sz="quarter" idx="12"/>
+          </p:nvPr>
+        </p:nvSpPr>
+        <p:spPr/>
+        <p:txBody>
+          <a:bodyPr/>
+          <a:lstStyle/>
+          <a:p>
+            <a:fld id="{2183B7EE-0FBE-B749-875F-ED24F5ECD71F}" type="slidenum">
+              <a:rPr lang="en-US" smtClean="0"/>
+              <a:t>2</a:t>
+            </a:fld>
+            <a:endParaRPr lang="en-US" dirty="0"/>
+          </a:p>
+        </p:txBody>
+      </p:sp>
+    </p:spTree>
+    <p:extLst>
+      <p:ext uri="{BB962C8B-B14F-4D97-AF65-F5344CB8AC3E}">
+        <p14:creationId xmlns:p14="http://schemas.microsoft.com/office/powerpoint/2010/main" val="2505828112"/>
+      </p:ext>
+    </p:extLst>
+  </p:cSld>
+  <p:clrMapOvr>
+    <a:masterClrMapping/>
+  </p:clrMapOvr>
+</p:sld>
+</file>
+
+<file path=ppt/slides/slide20.xml><?xml version="1.0" encoding="utf-8"?>
+<p:sld xmlns:a="http://schemas.openxmlformats.org/drawingml/2006/main" xmlns:r="http://schemas.openxmlformats.org/officeDocument/2006/relationships" xmlns:p="http://schemas.openxmlformats.org/presentationml/2006/main">
+  <p:cSld>
+    <p:spTree>
+      <p:nvGrpSpPr>
+        <p:cNvPr id="1" name=""/>
+        <p:cNvGrpSpPr/>
+        <p:nvPr/>
+      </p:nvGrpSpPr>
+      <p:grpSpPr>
+        <a:xfrm>
+          <a:off x="0" y="0"/>
+          <a:ext cx="0" cy="0"/>
+          <a:chOff x="0" y="0"/>
+          <a:chExt cx="0" cy="0"/>
+        </a:xfrm>
+      </p:grpSpPr>
+      <p:sp>
+        <p:nvSpPr>
+          <p:cNvPr id="2" name="Title 1">
+            <a:extLst>
+              <a:ext uri="{FF2B5EF4-FFF2-40B4-BE49-F238E27FC236}">
+                <a16:creationId xmlns:a16="http://schemas.microsoft.com/office/drawing/2014/main" id="{E830B414-47E6-3B45-8FB1-EF815CB0CE9F}"/>
+              </a:ext>
+            </a:extLst>
+          </p:cNvPr>
+          <p:cNvSpPr>
+            <a:spLocks noGrp="1"/>
+          </p:cNvSpPr>
+          <p:nvPr>
+            <p:ph type="title"/>
+          </p:nvPr>
+        </p:nvSpPr>
+        <p:spPr>
+          <a:xfrm>
+            <a:off x="1921239" y="2967927"/>
+            <a:ext cx="8610600" cy="1293028"/>
+          </a:xfrm>
+        </p:spPr>
+        <p:txBody>
+          <a:bodyPr/>
+          <a:lstStyle/>
+          <a:p>
+            <a:pPr algn="ctr"/>
+            <a:r>
+              <a:rPr lang="pt-BR" dirty="0"/>
+              <a:t>obrigado</a:t>
+            </a:r>
+          </a:p>
+        </p:txBody>
+      </p:sp>
+      <p:sp>
+        <p:nvSpPr>
+          <p:cNvPr id="4" name="Slide Number Placeholder 3">
+            <a:extLst>
+              <a:ext uri="{FF2B5EF4-FFF2-40B4-BE49-F238E27FC236}">
+                <a16:creationId xmlns:a16="http://schemas.microsoft.com/office/drawing/2014/main" id="{026A2AD2-2B67-D147-8FA3-488E635F4EF1}"/>
+              </a:ext>
+            </a:extLst>
+          </p:cNvPr>
+          <p:cNvSpPr>
+            <a:spLocks noGrp="1"/>
+          </p:cNvSpPr>
+          <p:nvPr>
+            <p:ph type="sldNum" sz="quarter" idx="12"/>
+          </p:nvPr>
+        </p:nvSpPr>
+        <p:spPr/>
+        <p:txBody>
+          <a:bodyPr/>
+          <a:lstStyle/>
+          <a:p>
+            <a:fld id="{2183B7EE-0FBE-B749-875F-ED24F5ECD71F}" type="slidenum">
+              <a:rPr lang="en-US" smtClean="0"/>
+              <a:t>20</a:t>
+            </a:fld>
+            <a:endParaRPr lang="en-US" dirty="0"/>
+          </a:p>
+        </p:txBody>
+      </p:sp>
+    </p:spTree>
+    <p:extLst>
+      <p:ext uri="{BB962C8B-B14F-4D97-AF65-F5344CB8AC3E}">
+        <p14:creationId xmlns:p14="http://schemas.microsoft.com/office/powerpoint/2010/main" val="3618619798"/>
+      </p:ext>
+    </p:extLst>
+  </p:cSld>
+  <p:clrMapOvr>
+    <a:masterClrMapping/>
+  </p:clrMapOvr>
+</p:sld>
+</file>
+
+<file path=ppt/slides/slide3.xml><?xml version="1.0" encoding="utf-8"?>
+<p:sld xmlns:a="http://schemas.openxmlformats.org/drawingml/2006/main" xmlns:r="http://schemas.openxmlformats.org/officeDocument/2006/relationships" xmlns:p="http://schemas.openxmlformats.org/presentationml/2006/main">
+  <p:cSld>
+    <p:spTree>
+      <p:nvGrpSpPr>
+        <p:cNvPr id="1" name=""/>
+        <p:cNvGrpSpPr/>
+        <p:nvPr/>
+      </p:nvGrpSpPr>
+      <p:grpSpPr>
+        <a:xfrm>
+          <a:off x="0" y="0"/>
+          <a:ext cx="0" cy="0"/>
+          <a:chOff x="0" y="0"/>
+          <a:chExt cx="0" cy="0"/>
+        </a:xfrm>
+      </p:grpSpPr>
+      <p:sp>
+        <p:nvSpPr>
+          <p:cNvPr id="2" name="Title 1">
+            <a:extLst>
+              <a:ext uri="{FF2B5EF4-FFF2-40B4-BE49-F238E27FC236}">
+                <a16:creationId xmlns:a16="http://schemas.microsoft.com/office/drawing/2014/main" id="{F292BC46-7E1D-E746-AC31-2E4322842F3F}"/>
+              </a:ext>
+            </a:extLst>
+          </p:cNvPr>
+          <p:cNvSpPr>
+            <a:spLocks noGrp="1"/>
+          </p:cNvSpPr>
+          <p:nvPr>
+            <p:ph type="title"/>
+          </p:nvPr>
+        </p:nvSpPr>
+        <p:spPr>
+          <a:xfrm>
+            <a:off x="1790700" y="973553"/>
+            <a:ext cx="8610600" cy="1293028"/>
+          </a:xfrm>
+        </p:spPr>
+        <p:txBody>
+          <a:bodyPr/>
+          <a:lstStyle/>
+          <a:p>
+            <a:pPr algn="ctr"/>
+            <a:r>
+              <a:rPr lang="pt-BR" dirty="0"/>
+              <a:t>Utilizamos um laço de repetição, certo?</a:t>
+            </a:r>
+          </a:p>
+        </p:txBody>
+      </p:sp>
+      <p:sp>
+        <p:nvSpPr>
+          <p:cNvPr id="4" name="Slide Number Placeholder 3">
+            <a:extLst>
+              <a:ext uri="{FF2B5EF4-FFF2-40B4-BE49-F238E27FC236}">
+                <a16:creationId xmlns:a16="http://schemas.microsoft.com/office/drawing/2014/main" id="{1D36AC80-6BDE-CC4C-846B-04FDB6E2D6C9}"/>
+              </a:ext>
+            </a:extLst>
+          </p:cNvPr>
+          <p:cNvSpPr>
+            <a:spLocks noGrp="1"/>
+          </p:cNvSpPr>
+          <p:nvPr>
+            <p:ph type="sldNum" sz="quarter" idx="12"/>
+          </p:nvPr>
+        </p:nvSpPr>
+        <p:spPr/>
+        <p:txBody>
+          <a:bodyPr/>
+          <a:lstStyle/>
+          <a:p>
+            <a:fld id="{2183B7EE-0FBE-B749-875F-ED24F5ECD71F}" type="slidenum">
+              <a:rPr lang="en-US" smtClean="0"/>
+              <a:t>3</a:t>
+            </a:fld>
+            <a:endParaRPr lang="en-US" dirty="0"/>
+          </a:p>
+        </p:txBody>
+      </p:sp>
+      <p:pic>
+        <p:nvPicPr>
+          <p:cNvPr id="5" name="Picture 4">
+            <a:extLst>
+              <a:ext uri="{FF2B5EF4-FFF2-40B4-BE49-F238E27FC236}">
+                <a16:creationId xmlns:a16="http://schemas.microsoft.com/office/drawing/2014/main" id="{FC70D9C8-99A2-E24D-AE4B-A99EA7481657}"/>
+              </a:ext>
+            </a:extLst>
+          </p:cNvPr>
+          <p:cNvPicPr>
+            <a:picLocks noChangeAspect="1"/>
+          </p:cNvPicPr>
+          <p:nvPr/>
+        </p:nvPicPr>
+        <p:blipFill>
+          <a:blip r:embed="rId2"/>
+          <a:stretch>
+            <a:fillRect/>
+          </a:stretch>
+        </p:blipFill>
+        <p:spPr>
+          <a:xfrm>
+            <a:off x="291475" y="3315893"/>
+            <a:ext cx="11274685" cy="1975976"/>
+          </a:xfrm>
+          <a:prstGeom prst="rect">
+            <a:avLst/>
+          </a:prstGeom>
+        </p:spPr>
+      </p:pic>
+    </p:spTree>
+    <p:extLst>
+      <p:ext uri="{BB962C8B-B14F-4D97-AF65-F5344CB8AC3E}">
+        <p14:creationId xmlns:p14="http://schemas.microsoft.com/office/powerpoint/2010/main" val="3346092491"/>
+      </p:ext>
+    </p:extLst>
+  </p:cSld>
+  <p:clrMapOvr>
+    <a:masterClrMapping/>
+  </p:clrMapOvr>
+</p:sld>
+</file>
+
+<file path=ppt/slides/slide4.xml><?xml version="1.0" encoding="utf-8"?>
+<p:sld xmlns:a="http://schemas.openxmlformats.org/drawingml/2006/main" xmlns:r="http://schemas.openxmlformats.org/officeDocument/2006/relationships" xmlns:p="http://schemas.openxmlformats.org/presentationml/2006/main">
+  <p:cSld>
+    <p:spTree>
+      <p:nvGrpSpPr>
+        <p:cNvPr id="1" name=""/>
+        <p:cNvGrpSpPr/>
+        <p:nvPr/>
+      </p:nvGrpSpPr>
+      <p:grpSpPr>
+        <a:xfrm>
+          <a:off x="0" y="0"/>
+          <a:ext cx="0" cy="0"/>
+          <a:chOff x="0" y="0"/>
+          <a:chExt cx="0" cy="0"/>
+        </a:xfrm>
+      </p:grpSpPr>
+      <p:sp>
+        <p:nvSpPr>
+          <p:cNvPr id="2" name="Title 1">
+            <a:extLst>
+              <a:ext uri="{FF2B5EF4-FFF2-40B4-BE49-F238E27FC236}">
+                <a16:creationId xmlns:a16="http://schemas.microsoft.com/office/drawing/2014/main" id="{F292BC46-7E1D-E746-AC31-2E4322842F3F}"/>
+              </a:ext>
+            </a:extLst>
+          </p:cNvPr>
+          <p:cNvSpPr>
+            <a:spLocks noGrp="1"/>
+          </p:cNvSpPr>
+          <p:nvPr>
+            <p:ph type="title"/>
+          </p:nvPr>
+        </p:nvSpPr>
+        <p:spPr>
+          <a:xfrm>
+            <a:off x="1790700" y="973553"/>
+            <a:ext cx="8610600" cy="1293028"/>
+          </a:xfrm>
+        </p:spPr>
+        <p:txBody>
+          <a:bodyPr/>
+          <a:lstStyle/>
+          <a:p>
+            <a:pPr algn="ctr"/>
+            <a:r>
+              <a:rPr lang="pt-BR" dirty="0"/>
+              <a:t>Quais os problemas desta loop?</a:t>
+            </a:r>
+          </a:p>
+        </p:txBody>
+      </p:sp>
+      <p:sp>
+        <p:nvSpPr>
+          <p:cNvPr id="4" name="Slide Number Placeholder 3">
+            <a:extLst>
+              <a:ext uri="{FF2B5EF4-FFF2-40B4-BE49-F238E27FC236}">
+                <a16:creationId xmlns:a16="http://schemas.microsoft.com/office/drawing/2014/main" id="{1D36AC80-6BDE-CC4C-846B-04FDB6E2D6C9}"/>
+              </a:ext>
+            </a:extLst>
+          </p:cNvPr>
+          <p:cNvSpPr>
+            <a:spLocks noGrp="1"/>
+          </p:cNvSpPr>
+          <p:nvPr>
+            <p:ph type="sldNum" sz="quarter" idx="12"/>
+          </p:nvPr>
+        </p:nvSpPr>
+        <p:spPr/>
+        <p:txBody>
+          <a:bodyPr/>
+          <a:lstStyle/>
+          <a:p>
+            <a:fld id="{2183B7EE-0FBE-B749-875F-ED24F5ECD71F}" type="slidenum">
+              <a:rPr lang="en-US" smtClean="0"/>
+              <a:t>4</a:t>
+            </a:fld>
+            <a:endParaRPr lang="en-US" dirty="0"/>
+          </a:p>
+        </p:txBody>
+      </p:sp>
+      <p:pic>
+        <p:nvPicPr>
+          <p:cNvPr id="5" name="Picture 4">
+            <a:extLst>
+              <a:ext uri="{FF2B5EF4-FFF2-40B4-BE49-F238E27FC236}">
+                <a16:creationId xmlns:a16="http://schemas.microsoft.com/office/drawing/2014/main" id="{FC70D9C8-99A2-E24D-AE4B-A99EA7481657}"/>
+              </a:ext>
+            </a:extLst>
+          </p:cNvPr>
+          <p:cNvPicPr>
+            <a:picLocks noChangeAspect="1"/>
+          </p:cNvPicPr>
+          <p:nvPr/>
+        </p:nvPicPr>
+        <p:blipFill>
+          <a:blip r:embed="rId2"/>
+          <a:stretch>
+            <a:fillRect/>
+          </a:stretch>
+        </p:blipFill>
+        <p:spPr>
+          <a:xfrm>
+            <a:off x="291475" y="3315893"/>
+            <a:ext cx="11274685" cy="1975976"/>
+          </a:xfrm>
+          <a:prstGeom prst="rect">
+            <a:avLst/>
+          </a:prstGeom>
+        </p:spPr>
+      </p:pic>
+    </p:spTree>
+    <p:extLst>
+      <p:ext uri="{BB962C8B-B14F-4D97-AF65-F5344CB8AC3E}">
+        <p14:creationId xmlns:p14="http://schemas.microsoft.com/office/powerpoint/2010/main" val="492037617"/>
+      </p:ext>
+    </p:extLst>
+  </p:cSld>
+  <p:clrMapOvr>
+    <a:masterClrMapping/>
+  </p:clrMapOvr>
+</p:sld>
+</file>
+
+<file path=ppt/slides/slide5.xml><?xml version="1.0" encoding="utf-8"?>
+<p:sld xmlns:a="http://schemas.openxmlformats.org/drawingml/2006/main" xmlns:r="http://schemas.openxmlformats.org/officeDocument/2006/relationships" xmlns:p="http://schemas.openxmlformats.org/presentationml/2006/main">
+  <p:cSld>
+    <p:spTree>
+      <p:nvGrpSpPr>
+        <p:cNvPr id="1" name=""/>
+        <p:cNvGrpSpPr/>
+        <p:nvPr/>
+      </p:nvGrpSpPr>
+      <p:grpSpPr>
+        <a:xfrm>
+          <a:off x="0" y="0"/>
+          <a:ext cx="0" cy="0"/>
+          <a:chOff x="0" y="0"/>
+          <a:chExt cx="0" cy="0"/>
+        </a:xfrm>
+      </p:grpSpPr>
+      <p:sp>
+        <p:nvSpPr>
+          <p:cNvPr id="2" name="Title 1">
+            <a:extLst>
+              <a:ext uri="{FF2B5EF4-FFF2-40B4-BE49-F238E27FC236}">
+                <a16:creationId xmlns:a16="http://schemas.microsoft.com/office/drawing/2014/main" id="{F292BC46-7E1D-E746-AC31-2E4322842F3F}"/>
+              </a:ext>
+            </a:extLst>
+          </p:cNvPr>
+          <p:cNvSpPr>
+            <a:spLocks noGrp="1"/>
+          </p:cNvSpPr>
+          <p:nvPr>
+            <p:ph type="title"/>
+          </p:nvPr>
+        </p:nvSpPr>
+        <p:spPr>
+          <a:xfrm>
+            <a:off x="1790700" y="973553"/>
+            <a:ext cx="8610600" cy="1293028"/>
+          </a:xfrm>
+        </p:spPr>
+        <p:txBody>
+          <a:bodyPr/>
+          <a:lstStyle/>
+          <a:p>
+            <a:pPr algn="ctr"/>
+            <a:r>
+              <a:rPr lang="pt-BR" dirty="0"/>
+              <a:t>Este código é simples?</a:t>
+            </a:r>
+          </a:p>
+        </p:txBody>
+      </p:sp>
+      <p:sp>
+        <p:nvSpPr>
+          <p:cNvPr id="4" name="Slide Number Placeholder 3">
+            <a:extLst>
+              <a:ext uri="{FF2B5EF4-FFF2-40B4-BE49-F238E27FC236}">
+                <a16:creationId xmlns:a16="http://schemas.microsoft.com/office/drawing/2014/main" id="{1D36AC80-6BDE-CC4C-846B-04FDB6E2D6C9}"/>
+              </a:ext>
+            </a:extLst>
+          </p:cNvPr>
+          <p:cNvSpPr>
+            <a:spLocks noGrp="1"/>
+          </p:cNvSpPr>
+          <p:nvPr>
+            <p:ph type="sldNum" sz="quarter" idx="12"/>
+          </p:nvPr>
+        </p:nvSpPr>
+        <p:spPr/>
+        <p:txBody>
+          <a:bodyPr/>
+          <a:lstStyle/>
+          <a:p>
+            <a:fld id="{2183B7EE-0FBE-B749-875F-ED24F5ECD71F}" type="slidenum">
+              <a:rPr lang="en-US" smtClean="0"/>
+              <a:t>5</a:t>
+            </a:fld>
+            <a:endParaRPr lang="en-US" dirty="0"/>
+          </a:p>
+        </p:txBody>
+      </p:sp>
+      <p:pic>
+        <p:nvPicPr>
+          <p:cNvPr id="5" name="Picture 4">
+            <a:extLst>
+              <a:ext uri="{FF2B5EF4-FFF2-40B4-BE49-F238E27FC236}">
+                <a16:creationId xmlns:a16="http://schemas.microsoft.com/office/drawing/2014/main" id="{FC70D9C8-99A2-E24D-AE4B-A99EA7481657}"/>
+              </a:ext>
+            </a:extLst>
+          </p:cNvPr>
+          <p:cNvPicPr>
+            <a:picLocks noChangeAspect="1"/>
+          </p:cNvPicPr>
+          <p:nvPr/>
+        </p:nvPicPr>
+        <p:blipFill>
+          <a:blip r:embed="rId2"/>
+          <a:stretch>
+            <a:fillRect/>
+          </a:stretch>
+        </p:blipFill>
+        <p:spPr>
+          <a:xfrm>
+            <a:off x="291475" y="3315893"/>
+            <a:ext cx="11274685" cy="1975976"/>
+          </a:xfrm>
+          <a:prstGeom prst="rect">
+            <a:avLst/>
+          </a:prstGeom>
+        </p:spPr>
+      </p:pic>
+    </p:spTree>
+    <p:extLst>
+      <p:ext uri="{BB962C8B-B14F-4D97-AF65-F5344CB8AC3E}">
+        <p14:creationId xmlns:p14="http://schemas.microsoft.com/office/powerpoint/2010/main" val="3851197803"/>
+      </p:ext>
+    </p:extLst>
+  </p:cSld>
+  <p:clrMapOvr>
+    <a:masterClrMapping/>
+  </p:clrMapOvr>
+</p:sld>
+</file>
+
+<file path=ppt/slides/slide6.xml><?xml version="1.0" encoding="utf-8"?>
+<p:sld xmlns:a="http://schemas.openxmlformats.org/drawingml/2006/main" xmlns:r="http://schemas.openxmlformats.org/officeDocument/2006/relationships" xmlns:p="http://schemas.openxmlformats.org/presentationml/2006/main">
+  <p:cSld>
+    <p:spTree>
+      <p:nvGrpSpPr>
+        <p:cNvPr id="1" name=""/>
+        <p:cNvGrpSpPr/>
+        <p:nvPr/>
+      </p:nvGrpSpPr>
+      <p:grpSpPr>
+        <a:xfrm>
+          <a:off x="0" y="0"/>
+          <a:ext cx="0" cy="0"/>
+          <a:chOff x="0" y="0"/>
+          <a:chExt cx="0" cy="0"/>
+        </a:xfrm>
+      </p:grpSpPr>
+      <p:sp>
+        <p:nvSpPr>
+          <p:cNvPr id="2" name="Title 1">
+            <a:extLst>
+              <a:ext uri="{FF2B5EF4-FFF2-40B4-BE49-F238E27FC236}">
+                <a16:creationId xmlns:a16="http://schemas.microsoft.com/office/drawing/2014/main" id="{F292BC46-7E1D-E746-AC31-2E4322842F3F}"/>
+              </a:ext>
+            </a:extLst>
+          </p:cNvPr>
+          <p:cNvSpPr>
+            <a:spLocks noGrp="1"/>
+          </p:cNvSpPr>
+          <p:nvPr>
+            <p:ph type="title"/>
+          </p:nvPr>
+        </p:nvSpPr>
+        <p:spPr/>
+        <p:txBody>
+          <a:bodyPr/>
+          <a:lstStyle/>
+          <a:p>
+            <a:pPr algn="ctr"/>
+            <a:r>
+              <a:rPr lang="pt-BR" b="1" dirty="0"/>
+              <a:t>Não, não é!</a:t>
+            </a:r>
+          </a:p>
+        </p:txBody>
+      </p:sp>
+      <p:sp>
+        <p:nvSpPr>
+          <p:cNvPr id="3" name="Content Placeholder 2">
+            <a:extLst>
+              <a:ext uri="{FF2B5EF4-FFF2-40B4-BE49-F238E27FC236}">
+                <a16:creationId xmlns:a16="http://schemas.microsoft.com/office/drawing/2014/main" id="{2B140C90-D33C-3B49-AD63-4AA47F556DA7}"/>
+              </a:ext>
+            </a:extLst>
+          </p:cNvPr>
+          <p:cNvSpPr>
+            <a:spLocks noGrp="1"/>
+          </p:cNvSpPr>
+          <p:nvPr>
+            <p:ph idx="1"/>
+          </p:nvPr>
+        </p:nvSpPr>
+        <p:spPr/>
+        <p:txBody>
+          <a:bodyPr>
+            <a:normAutofit/>
+          </a:bodyPr>
+          <a:lstStyle/>
+          <a:p>
+            <a:r>
+              <a:rPr lang="pt-BR" sz="4400" dirty="0"/>
+              <a:t>Isto é simples: </a:t>
+            </a:r>
+            <a:r>
+              <a:rPr lang="en-US" sz="4400" b="1" dirty="0"/>
+              <a:t>x = x + 1;</a:t>
+            </a:r>
+          </a:p>
+          <a:p>
+            <a:r>
+              <a:rPr lang="en-US" sz="4400" dirty="0" err="1"/>
+              <a:t>Aquele</a:t>
+            </a:r>
+            <a:r>
+              <a:rPr lang="en-US" sz="4400" dirty="0"/>
+              <a:t> loop </a:t>
+            </a:r>
+            <a:r>
+              <a:rPr lang="en-US" sz="4400" dirty="0" err="1"/>
+              <a:t>é</a:t>
+            </a:r>
+            <a:r>
+              <a:rPr lang="en-US" sz="4400" dirty="0"/>
+              <a:t> </a:t>
+            </a:r>
+            <a:r>
+              <a:rPr lang="en-US" sz="4400" dirty="0" err="1"/>
+              <a:t>apenas</a:t>
+            </a:r>
+            <a:r>
+              <a:rPr lang="en-US" sz="4400" dirty="0"/>
+              <a:t> familiar</a:t>
+            </a:r>
+          </a:p>
+          <a:p>
+            <a:endParaRPr lang="en-US" sz="4400" dirty="0"/>
+          </a:p>
+          <a:p>
+            <a:pPr marL="0" indent="0" algn="ctr">
+              <a:buNone/>
+            </a:pPr>
+            <a:r>
+              <a:rPr lang="en-US" sz="4400" dirty="0"/>
+              <a:t>The Art of Simplicity. </a:t>
+            </a:r>
+            <a:r>
+              <a:rPr lang="en-US" sz="4400" dirty="0">
+                <a:hlinkClick r:id="rId2"/>
+              </a:rPr>
+              <a:t>https://youtu.be/AKwYmCnYD8c</a:t>
+            </a:r>
+            <a:r>
+              <a:rPr lang="en-US" sz="4400" dirty="0"/>
+              <a:t> </a:t>
+            </a:r>
+          </a:p>
+          <a:p>
+            <a:endParaRPr lang="pt-BR" sz="4400" dirty="0"/>
+          </a:p>
+        </p:txBody>
+      </p:sp>
+      <p:sp>
+        <p:nvSpPr>
+          <p:cNvPr id="4" name="Slide Number Placeholder 3">
+            <a:extLst>
+              <a:ext uri="{FF2B5EF4-FFF2-40B4-BE49-F238E27FC236}">
+                <a16:creationId xmlns:a16="http://schemas.microsoft.com/office/drawing/2014/main" id="{1D36AC80-6BDE-CC4C-846B-04FDB6E2D6C9}"/>
+              </a:ext>
+            </a:extLst>
+          </p:cNvPr>
+          <p:cNvSpPr>
+            <a:spLocks noGrp="1"/>
+          </p:cNvSpPr>
+          <p:nvPr>
+            <p:ph type="sldNum" sz="quarter" idx="12"/>
+          </p:nvPr>
+        </p:nvSpPr>
+        <p:spPr/>
+        <p:txBody>
+          <a:bodyPr/>
+          <a:lstStyle/>
+          <a:p>
+            <a:fld id="{2183B7EE-0FBE-B749-875F-ED24F5ECD71F}" type="slidenum">
+              <a:rPr lang="en-US" smtClean="0"/>
+              <a:t>6</a:t>
+            </a:fld>
+            <a:endParaRPr lang="en-US" dirty="0"/>
+          </a:p>
+        </p:txBody>
+      </p:sp>
+    </p:spTree>
+    <p:extLst>
+      <p:ext uri="{BB962C8B-B14F-4D97-AF65-F5344CB8AC3E}">
+        <p14:creationId xmlns:p14="http://schemas.microsoft.com/office/powerpoint/2010/main" val="3495923855"/>
+      </p:ext>
+    </p:extLst>
+  </p:cSld>
+  <p:clrMapOvr>
+    <a:masterClrMapping/>
+  </p:clrMapOvr>
+  <p:timing>
+    <p:tnLst>
+      <p:par>
+        <p:cTn id="1" dur="indefinite" restart="never" nodeType="tmRoot">
+          <p:childTnLst>
+            <p:seq concurrent="1" nextAc="seek">
+              <p:cTn id="2" dur="indefinite" nodeType="mainSeq">
+                <p:childTnLst>
+                  <p:par>
+                    <p:cTn id="3" fill="hold">
+                      <p:stCondLst>
+                        <p:cond delay="indefinite"/>
+                      </p:stCondLst>
+                      <p:childTnLst>
+                        <p:par>
+                          <p:cTn id="4" fill="hold">
+                            <p:stCondLst>
+                              <p:cond delay="0"/>
+                            </p:stCondLst>
+                            <p:childTnLst>
+                              <p:par>
+                                <p:cTn id="5" presetID="9" presetClass="entr" presetSubtype="0" fill="hold" grpId="1" nodeType="clickEffect">
+                                  <p:stCondLst>
+                                    <p:cond delay="0"/>
+                                  </p:stCondLst>
+                                  <p:childTnLst>
+                                    <p:set>
+                                      <p:cBhvr>
+                                        <p:cTn id="6" dur="1" fill="hold">
+                                          <p:stCondLst>
+                                            <p:cond delay="0"/>
+                                          </p:stCondLst>
+                                        </p:cTn>
+                                        <p:tgtEl>
+                                          <p:spTgt spid="3">
+                                            <p:txEl>
+                                              <p:pRg st="0" end="0"/>
+                                            </p:txEl>
+                                          </p:spTgt>
+                                        </p:tgtEl>
+                                        <p:attrNameLst>
+                                          <p:attrName>style.visibility</p:attrName>
+                                        </p:attrNameLst>
+                                      </p:cBhvr>
+                                      <p:to>
+                                        <p:strVal val="visible"/>
+                                      </p:to>
+                                    </p:set>
+                                    <p:animEffect transition="in" filter="dissolve">
+                                      <p:cBhvr>
+                                        <p:cTn id="7" dur="500"/>
+                                        <p:tgtEl>
+                                          <p:spTgt spid="3">
+                                            <p:txEl>
+                                              <p:pRg st="0" end="0"/>
+                                            </p:txEl>
+                                          </p:spTgt>
+                                        </p:tgtEl>
+                                      </p:cBhvr>
+                                    </p:animEffect>
+                                  </p:childTnLst>
+                                </p:cTn>
+                              </p:par>
+                            </p:childTnLst>
+                          </p:cTn>
+                        </p:par>
+                      </p:childTnLst>
+                    </p:cTn>
+                  </p:par>
+                  <p:par>
+                    <p:cTn id="8" fill="hold">
+                      <p:stCondLst>
+                        <p:cond delay="indefinite"/>
+                      </p:stCondLst>
+                      <p:childTnLst>
+                        <p:par>
+                          <p:cTn id="9" fill="hold">
+                            <p:stCondLst>
+                              <p:cond delay="0"/>
+                            </p:stCondLst>
+                            <p:childTnLst>
+                              <p:par>
+                                <p:cTn id="10" presetID="9" presetClass="entr" presetSubtype="0" fill="hold" grpId="1" nodeType="clickEffect">
+                                  <p:stCondLst>
+                                    <p:cond delay="0"/>
+                                  </p:stCondLst>
+                                  <p:childTnLst>
+                                    <p:set>
+                                      <p:cBhvr>
+                                        <p:cTn id="11" dur="1" fill="hold">
+                                          <p:stCondLst>
+                                            <p:cond delay="0"/>
+                                          </p:stCondLst>
+                                        </p:cTn>
+                                        <p:tgtEl>
+                                          <p:spTgt spid="3">
+                                            <p:txEl>
+                                              <p:pRg st="1" end="1"/>
+                                            </p:txEl>
+                                          </p:spTgt>
+                                        </p:tgtEl>
+                                        <p:attrNameLst>
+                                          <p:attrName>style.visibility</p:attrName>
+                                        </p:attrNameLst>
+                                      </p:cBhvr>
+                                      <p:to>
+                                        <p:strVal val="visible"/>
+                                      </p:to>
+                                    </p:set>
+                                    <p:animEffect transition="in" filter="dissolve">
+                                      <p:cBhvr>
+                                        <p:cTn id="12" dur="500"/>
+                                        <p:tgtEl>
+                                          <p:spTgt spid="3">
+                                            <p:txEl>
+                                              <p:pRg st="1" end="1"/>
+                                            </p:txEl>
+                                          </p:spTgt>
+                                        </p:tgtEl>
+                                      </p:cBhvr>
+                                    </p:animEffect>
+                                  </p:childTnLst>
+                                </p:cTn>
+                              </p:par>
+                            </p:childTnLst>
+                          </p:cTn>
+                        </p:par>
+                      </p:childTnLst>
+                    </p:cTn>
+                  </p:par>
+                  <p:par>
+                    <p:cTn id="13" fill="hold">
+                      <p:stCondLst>
+                        <p:cond delay="indefinite"/>
+                      </p:stCondLst>
+                      <p:childTnLst>
+                        <p:par>
+                          <p:cTn id="14" fill="hold">
+                            <p:stCondLst>
+                              <p:cond delay="0"/>
+                            </p:stCondLst>
+                            <p:childTnLst>
+                              <p:par>
+                                <p:cTn id="15" presetID="9" presetClass="entr" presetSubtype="0" fill="hold" grpId="1" nodeType="clickEffect">
+                                  <p:stCondLst>
+                                    <p:cond delay="0"/>
+                                  </p:stCondLst>
+                                  <p:childTnLst>
+                                    <p:set>
+                                      <p:cBhvr>
+                                        <p:cTn id="16" dur="1" fill="hold">
+                                          <p:stCondLst>
+                                            <p:cond delay="0"/>
+                                          </p:stCondLst>
+                                        </p:cTn>
+                                        <p:tgtEl>
+                                          <p:spTgt spid="3">
+                                            <p:txEl>
+                                              <p:pRg st="3" end="3"/>
+                                            </p:txEl>
+                                          </p:spTgt>
+                                        </p:tgtEl>
+                                        <p:attrNameLst>
+                                          <p:attrName>style.visibility</p:attrName>
+                                        </p:attrNameLst>
+                                      </p:cBhvr>
+                                      <p:to>
+                                        <p:strVal val="visible"/>
+                                      </p:to>
+                                    </p:set>
+                                    <p:animEffect transition="in" filter="dissolve">
+                                      <p:cBhvr>
+                                        <p:cTn id="17" dur="500"/>
+                                        <p:tgtEl>
+                                          <p:spTgt spid="3">
+                                            <p:txEl>
+                                              <p:pRg st="3" end="3"/>
+                                            </p:txEl>
+                                          </p:spTgt>
+                                        </p:tgtEl>
+                                      </p:cBhvr>
+                                    </p:animEffect>
+                                  </p:childTnLst>
+                                </p:cTn>
+                              </p:par>
+                            </p:childTnLst>
+                          </p:cTn>
+                        </p:par>
+                      </p:childTnLst>
+                    </p:cTn>
+                  </p:par>
+                </p:childTnLst>
+              </p:cTn>
+              <p:prevCondLst>
+                <p:cond evt="onPrev" delay="0">
+                  <p:tgtEl>
+                    <p:sldTgt/>
+                  </p:tgtEl>
+                </p:cond>
+              </p:prevCondLst>
+              <p:nextCondLst>
+                <p:cond evt="onNext" delay="0">
+                  <p:tgtEl>
+                    <p:sldTgt/>
+                  </p:tgtEl>
+                </p:cond>
+              </p:nextCondLst>
+            </p:seq>
+          </p:childTnLst>
+        </p:cTn>
+      </p:par>
+    </p:tnLst>
+    <p:bldLst>
+      <p:bldP spid="3" grpId="1" build="p"/>
+    </p:bldLst>
+  </p:timing>
+</p:sld>
+</file>
+
+<file path=ppt/slides/slide7.xml><?xml version="1.0" encoding="utf-8"?>
+<p:sld xmlns:a="http://schemas.openxmlformats.org/drawingml/2006/main" xmlns:r="http://schemas.openxmlformats.org/officeDocument/2006/relationships" xmlns:p="http://schemas.openxmlformats.org/presentationml/2006/main">
+  <p:cSld>
+    <p:spTree>
+      <p:nvGrpSpPr>
+        <p:cNvPr id="1" name=""/>
+        <p:cNvGrpSpPr/>
+        <p:nvPr/>
+      </p:nvGrpSpPr>
+      <p:grpSpPr>
+        <a:xfrm>
+          <a:off x="0" y="0"/>
+          <a:ext cx="0" cy="0"/>
+          <a:chOff x="0" y="0"/>
+          <a:chExt cx="0" cy="0"/>
+        </a:xfrm>
+      </p:grpSpPr>
+      <p:sp>
+        <p:nvSpPr>
+          <p:cNvPr id="2" name="Title 1">
+            <a:extLst>
+              <a:ext uri="{FF2B5EF4-FFF2-40B4-BE49-F238E27FC236}">
+                <a16:creationId xmlns:a16="http://schemas.microsoft.com/office/drawing/2014/main" id="{F292BC46-7E1D-E746-AC31-2E4322842F3F}"/>
+              </a:ext>
+            </a:extLst>
+          </p:cNvPr>
+          <p:cNvSpPr>
+            <a:spLocks noGrp="1"/>
+          </p:cNvSpPr>
+          <p:nvPr>
+            <p:ph type="title"/>
+          </p:nvPr>
+        </p:nvSpPr>
+        <p:spPr>
+          <a:xfrm>
+            <a:off x="1901537" y="2967245"/>
+            <a:ext cx="8610600" cy="1293028"/>
+          </a:xfrm>
+        </p:spPr>
+        <p:txBody>
+          <a:bodyPr/>
+          <a:lstStyle/>
+          <a:p>
+            <a:pPr algn="ctr"/>
+            <a:r>
+              <a:rPr lang="pt-BR" dirty="0"/>
+              <a:t>Como podemos simplificar este loop?</a:t>
+            </a:r>
+          </a:p>
+        </p:txBody>
+      </p:sp>
+      <p:sp>
+        <p:nvSpPr>
+          <p:cNvPr id="4" name="Slide Number Placeholder 3">
+            <a:extLst>
+              <a:ext uri="{FF2B5EF4-FFF2-40B4-BE49-F238E27FC236}">
+                <a16:creationId xmlns:a16="http://schemas.microsoft.com/office/drawing/2014/main" id="{1D36AC80-6BDE-CC4C-846B-04FDB6E2D6C9}"/>
+              </a:ext>
+            </a:extLst>
+          </p:cNvPr>
+          <p:cNvSpPr>
+            <a:spLocks noGrp="1"/>
+          </p:cNvSpPr>
+          <p:nvPr>
+            <p:ph type="sldNum" sz="quarter" idx="12"/>
+          </p:nvPr>
+        </p:nvSpPr>
+        <p:spPr/>
+        <p:txBody>
+          <a:bodyPr/>
+          <a:lstStyle/>
+          <a:p>
+            <a:fld id="{2183B7EE-0FBE-B749-875F-ED24F5ECD71F}" type="slidenum">
+              <a:rPr lang="en-US" smtClean="0"/>
+              <a:t>7</a:t>
+            </a:fld>
+            <a:endParaRPr lang="en-US" dirty="0"/>
+          </a:p>
+        </p:txBody>
+      </p:sp>
+    </p:spTree>
+    <p:extLst>
+      <p:ext uri="{BB962C8B-B14F-4D97-AF65-F5344CB8AC3E}">
+        <p14:creationId xmlns:p14="http://schemas.microsoft.com/office/powerpoint/2010/main" val="422072884"/>
+      </p:ext>
+    </p:extLst>
+  </p:cSld>
+  <p:clrMapOvr>
+    <a:masterClrMapping/>
+  </p:clrMapOvr>
+</p:sld>
+</file>
+
+<file path=ppt/slides/slide8.xml><?xml version="1.0" encoding="utf-8"?>
+<p:sld xmlns:a="http://schemas.openxmlformats.org/drawingml/2006/main" xmlns:r="http://schemas.openxmlformats.org/officeDocument/2006/relationships" xmlns:p="http://schemas.openxmlformats.org/presentationml/2006/main">
+  <p:cSld>
+    <p:spTree>
+      <p:nvGrpSpPr>
+        <p:cNvPr id="1" name=""/>
+        <p:cNvGrpSpPr/>
+        <p:nvPr/>
+      </p:nvGrpSpPr>
+      <p:grpSpPr>
+        <a:xfrm>
+          <a:off x="0" y="0"/>
+          <a:ext cx="0" cy="0"/>
+          <a:chOff x="0" y="0"/>
+          <a:chExt cx="0" cy="0"/>
+        </a:xfrm>
+      </p:grpSpPr>
+      <p:sp>
+        <p:nvSpPr>
+          <p:cNvPr id="2" name="Title 1">
+            <a:extLst>
+              <a:ext uri="{FF2B5EF4-FFF2-40B4-BE49-F238E27FC236}">
+                <a16:creationId xmlns:a16="http://schemas.microsoft.com/office/drawing/2014/main" id="{F292BC46-7E1D-E746-AC31-2E4322842F3F}"/>
+              </a:ext>
+            </a:extLst>
+          </p:cNvPr>
+          <p:cNvSpPr>
+            <a:spLocks noGrp="1"/>
+          </p:cNvSpPr>
+          <p:nvPr>
+            <p:ph type="title"/>
+          </p:nvPr>
+        </p:nvSpPr>
+        <p:spPr>
+          <a:xfrm>
+            <a:off x="1790700" y="973553"/>
+            <a:ext cx="8610600" cy="1293028"/>
+          </a:xfrm>
+        </p:spPr>
+        <p:txBody>
+          <a:bodyPr/>
+          <a:lstStyle/>
+          <a:p>
+            <a:pPr algn="ctr"/>
+            <a:r>
+              <a:rPr lang="pt-BR" dirty="0"/>
+              <a:t>For </a:t>
+            </a:r>
+            <a:r>
+              <a:rPr lang="pt-BR" dirty="0" err="1"/>
+              <a:t>each</a:t>
+            </a:r>
+            <a:endParaRPr lang="pt-BR" dirty="0"/>
+          </a:p>
+        </p:txBody>
+      </p:sp>
+      <p:sp>
+        <p:nvSpPr>
+          <p:cNvPr id="4" name="Slide Number Placeholder 3">
+            <a:extLst>
+              <a:ext uri="{FF2B5EF4-FFF2-40B4-BE49-F238E27FC236}">
+                <a16:creationId xmlns:a16="http://schemas.microsoft.com/office/drawing/2014/main" id="{1D36AC80-6BDE-CC4C-846B-04FDB6E2D6C9}"/>
+              </a:ext>
+            </a:extLst>
+          </p:cNvPr>
+          <p:cNvSpPr>
+            <a:spLocks noGrp="1"/>
+          </p:cNvSpPr>
+          <p:nvPr>
+            <p:ph type="sldNum" sz="quarter" idx="12"/>
+          </p:nvPr>
+        </p:nvSpPr>
+        <p:spPr/>
+        <p:txBody>
+          <a:bodyPr/>
+          <a:lstStyle/>
+          <a:p>
+            <a:fld id="{2183B7EE-0FBE-B749-875F-ED24F5ECD71F}" type="slidenum">
+              <a:rPr lang="en-US" smtClean="0"/>
+              <a:t>8</a:t>
+            </a:fld>
+            <a:endParaRPr lang="en-US" dirty="0"/>
+          </a:p>
+        </p:txBody>
+      </p:sp>
+      <p:pic>
+        <p:nvPicPr>
+          <p:cNvPr id="6" name="Picture 5">
+            <a:extLst>
+              <a:ext uri="{FF2B5EF4-FFF2-40B4-BE49-F238E27FC236}">
+                <a16:creationId xmlns:a16="http://schemas.microsoft.com/office/drawing/2014/main" id="{2ADA204E-0656-2E4F-A6DB-795243B559BF}"/>
+              </a:ext>
+            </a:extLst>
+          </p:cNvPr>
+          <p:cNvPicPr>
+            <a:picLocks noChangeAspect="1"/>
+          </p:cNvPicPr>
+          <p:nvPr/>
+        </p:nvPicPr>
+        <p:blipFill>
+          <a:blip r:embed="rId2"/>
+          <a:stretch>
+            <a:fillRect/>
+          </a:stretch>
+        </p:blipFill>
+        <p:spPr>
+          <a:xfrm>
+            <a:off x="458400" y="3301812"/>
+            <a:ext cx="11275200" cy="2109979"/>
+          </a:xfrm>
+          <a:prstGeom prst="rect">
+            <a:avLst/>
+          </a:prstGeom>
+        </p:spPr>
+      </p:pic>
+    </p:spTree>
+    <p:extLst>
+      <p:ext uri="{BB962C8B-B14F-4D97-AF65-F5344CB8AC3E}">
+        <p14:creationId xmlns:p14="http://schemas.microsoft.com/office/powerpoint/2010/main" val="396514379"/>
+      </p:ext>
+    </p:extLst>
+  </p:cSld>
+  <p:clrMapOvr>
+    <a:masterClrMapping/>
+  </p:clrMapOvr>
+</p:sld>
+</file>
+
+<file path=ppt/slides/slide9.xml><?xml version="1.0" encoding="utf-8"?>
+<p:sld xmlns:a="http://schemas.openxmlformats.org/drawingml/2006/main" xmlns:r="http://schemas.openxmlformats.org/officeDocument/2006/relationships" xmlns:p="http://schemas.openxmlformats.org/presentationml/2006/main">
+  <p:cSld>
+    <p:spTree>
+      <p:nvGrpSpPr>
+        <p:cNvPr id="1" name=""/>
+        <p:cNvGrpSpPr/>
+        <p:nvPr/>
+      </p:nvGrpSpPr>
+      <p:grpSpPr>
+        <a:xfrm>
+          <a:off x="0" y="0"/>
+          <a:ext cx="0" cy="0"/>
+          <a:chOff x="0" y="0"/>
+          <a:chExt cx="0" cy="0"/>
+        </a:xfrm>
+      </p:grpSpPr>
+      <p:sp>
+        <p:nvSpPr>
+          <p:cNvPr id="2" name="Title 1">
+            <a:extLst>
+              <a:ext uri="{FF2B5EF4-FFF2-40B4-BE49-F238E27FC236}">
+                <a16:creationId xmlns:a16="http://schemas.microsoft.com/office/drawing/2014/main" id="{F292BC46-7E1D-E746-AC31-2E4322842F3F}"/>
+              </a:ext>
+            </a:extLst>
+          </p:cNvPr>
+          <p:cNvSpPr>
+            <a:spLocks noGrp="1"/>
+          </p:cNvSpPr>
+          <p:nvPr>
+            <p:ph type="title"/>
+          </p:nvPr>
+        </p:nvSpPr>
+        <p:spPr>
+          <a:xfrm>
+            <a:off x="1790700" y="1274170"/>
+            <a:ext cx="8610600" cy="4497048"/>
+          </a:xfrm>
+        </p:spPr>
+        <p:txBody>
+          <a:bodyPr>
+            <a:normAutofit/>
+          </a:bodyPr>
+          <a:lstStyle/>
+          <a:p>
+            <a:pPr algn="ctr"/>
+            <a:r>
+              <a:rPr lang="pt-BR" dirty="0"/>
+              <a:t>o loop aqui não é o que desejamos fazer de fato. </a:t>
+            </a:r>
+          </a:p>
+        </p:txBody>
+      </p:sp>
+      <p:sp>
+        <p:nvSpPr>
+          <p:cNvPr id="4" name="Slide Number Placeholder 3">
+            <a:extLst>
+              <a:ext uri="{FF2B5EF4-FFF2-40B4-BE49-F238E27FC236}">
+                <a16:creationId xmlns:a16="http://schemas.microsoft.com/office/drawing/2014/main" id="{1D36AC80-6BDE-CC4C-846B-04FDB6E2D6C9}"/>
+              </a:ext>
+            </a:extLst>
+          </p:cNvPr>
+          <p:cNvSpPr>
+            <a:spLocks noGrp="1"/>
+          </p:cNvSpPr>
+          <p:nvPr>
+            <p:ph type="sldNum" sz="quarter" idx="12"/>
+          </p:nvPr>
+        </p:nvSpPr>
+        <p:spPr/>
+        <p:txBody>
+          <a:bodyPr/>
+          <a:lstStyle/>
+          <a:p>
+            <a:fld id="{2183B7EE-0FBE-B749-875F-ED24F5ECD71F}" type="slidenum">
+              <a:rPr lang="en-US" smtClean="0"/>
+              <a:t>9</a:t>
+            </a:fld>
+            <a:endParaRPr lang="en-US" dirty="0"/>
+          </a:p>
+        </p:txBody>
+      </p:sp>
+    </p:spTree>
+    <p:extLst>
+      <p:ext uri="{BB962C8B-B14F-4D97-AF65-F5344CB8AC3E}">
+        <p14:creationId xmlns:p14="http://schemas.microsoft.com/office/powerpoint/2010/main" val="4092521320"/>
+      </p:ext>
+    </p:extLst>
+  </p:cSld>
+  <p:clrMapOvr>
+    <a:masterClrMapping/>
+  </p:clrMapOvr>
+  <p:timing>
+    <p:tnLst>
+      <p:par>
+        <p:cTn id="1" dur="indefinite" restart="never" nodeType="tmRoot">
+          <p:childTnLst>
+            <p:seq concurrent="1" nextAc="seek">
+              <p:cTn id="2" dur="indefinite" nodeType="mainSeq">
+                <p:childTnLst>
+                  <p:par>
+                    <p:cTn id="3" fill="hold">
+                      <p:stCondLst>
+                        <p:cond delay="indefinite"/>
+                      </p:stCondLst>
+                      <p:childTnLst>
+                        <p:par>
+                          <p:cTn id="4" fill="hold">
+                            <p:stCondLst>
+                              <p:cond delay="0"/>
+                            </p:stCondLst>
+                            <p:childTnLst>
+                              <p:par>
+                                <p:cTn id="5" presetID="9" presetClass="entr" presetSubtype="0" fill="hold" grpId="0" nodeType="clickEffect">
+                                  <p:stCondLst>
+                                    <p:cond delay="0"/>
+                                  </p:stCondLst>
+                                  <p:childTnLst>
+                                    <p:set>
+                                      <p:cBhvr>
+                                        <p:cTn id="6" dur="1" fill="hold">
+                                          <p:stCondLst>
+                                            <p:cond delay="0"/>
+                                          </p:stCondLst>
+                                        </p:cTn>
+                                        <p:tgtEl>
+                                          <p:spTgt spid="2"/>
+                                        </p:tgtEl>
+                                        <p:attrNameLst>
+                                          <p:attrName>style.visibility</p:attrName>
+                                        </p:attrNameLst>
+                                      </p:cBhvr>
+                                      <p:to>
+                                        <p:strVal val="visible"/>
+                                      </p:to>
+                                    </p:set>
+                                    <p:animEffect transition="in" filter="dissolve">
+                                      <p:cBhvr>
+                                        <p:cTn id="7" dur="500"/>
+                                        <p:tgtEl>
+                                          <p:spTgt spid="2"/>
+                                        </p:tgtEl>
+                                      </p:cBhvr>
+                                    </p:animEffect>
+                                  </p:childTnLst>
+                                </p:cTn>
+                              </p:par>
+                            </p:childTnLst>
+                          </p:cTn>
+                        </p:par>
+                      </p:childTnLst>
+                    </p:cTn>
+                  </p:par>
+                </p:childTnLst>
+              </p:cTn>
+              <p:prevCondLst>
+                <p:cond evt="onPrev" delay="0">
+                  <p:tgtEl>
+                    <p:sldTgt/>
+                  </p:tgtEl>
+                </p:cond>
+              </p:prevCondLst>
+              <p:nextCondLst>
+                <p:cond evt="onNext" delay="0">
+                  <p:tgtEl>
+                    <p:sldTgt/>
+                  </p:tgtEl>
+                </p:cond>
+              </p:nextCondLst>
+            </p:seq>
+          </p:childTnLst>
+        </p:cTn>
+      </p:par>
+    </p:tnLst>
+    <p:bldLst>
+      <p:bldP spid="2" grpId="0"/>
     </p:bldLst>
   </p:timing>
 </p:sld>

--- a/programacao-funcional-java8.pptx
+++ b/programacao-funcional-java8.pptx
@@ -216,7 +216,7 @@
           <a:p>
             <a:fld id="{7497B6E1-7C5B-524D-B5EB-5E6695205380}" type="datetimeFigureOut">
               <a:rPr lang="pt-BR" smtClean="0"/>
-              <a:t>18/09/2019</a:t>
+              <a:t>19/09/2019</a:t>
             </a:fld>
             <a:endParaRPr lang="pt-BR"/>
           </a:p>
@@ -654,7 +654,7 @@
           <a:p>
             <a:fld id="{19E7D63B-43B5-8A4C-BD12-76889BE136BD}" type="datetime1">
               <a:rPr lang="en-US" smtClean="0"/>
-              <a:t>9/18/19</a:t>
+              <a:t>9/19/19</a:t>
             </a:fld>
             <a:endParaRPr lang="en-US" dirty="0"/>
           </a:p>
@@ -921,7 +921,7 @@
           <a:p>
             <a:fld id="{124E9894-F119-A64C-B7CB-D7CE860A73BE}" type="datetime1">
               <a:rPr lang="en-US" smtClean="0"/>
-              <a:t>9/18/19</a:t>
+              <a:t>9/19/19</a:t>
             </a:fld>
             <a:endParaRPr lang="en-US" dirty="0"/>
           </a:p>
@@ -1153,7 +1153,7 @@
           <a:p>
             <a:fld id="{124E9894-F119-A64C-B7CB-D7CE860A73BE}" type="datetime1">
               <a:rPr lang="en-US" smtClean="0"/>
-              <a:t>9/18/19</a:t>
+              <a:t>9/19/19</a:t>
             </a:fld>
             <a:endParaRPr lang="en-US" dirty="0"/>
           </a:p>
@@ -1464,7 +1464,7 @@
           <a:p>
             <a:fld id="{124E9894-F119-A64C-B7CB-D7CE860A73BE}" type="datetime1">
               <a:rPr lang="en-US" smtClean="0"/>
-              <a:t>9/18/19</a:t>
+              <a:t>9/19/19</a:t>
             </a:fld>
             <a:endParaRPr lang="en-US" dirty="0"/>
           </a:p>
@@ -1938,7 +1938,7 @@
           <a:p>
             <a:fld id="{B4BBB50B-BAA3-9748-978F-08A7877AB7D9}" type="datetime1">
               <a:rPr lang="en-US" smtClean="0"/>
-              <a:t>9/18/19</a:t>
+              <a:t>9/19/19</a:t>
             </a:fld>
             <a:endParaRPr lang="en-US" dirty="0"/>
           </a:p>
@@ -2485,7 +2485,7 @@
           <a:p>
             <a:fld id="{124E9894-F119-A64C-B7CB-D7CE860A73BE}" type="datetime1">
               <a:rPr lang="en-US" smtClean="0"/>
-              <a:t>9/18/19</a:t>
+              <a:t>9/19/19</a:t>
             </a:fld>
             <a:endParaRPr lang="en-US" dirty="0"/>
           </a:p>
@@ -3260,7 +3260,7 @@
           <a:p>
             <a:fld id="{124E9894-F119-A64C-B7CB-D7CE860A73BE}" type="datetime1">
               <a:rPr lang="en-US" smtClean="0"/>
-              <a:t>9/18/19</a:t>
+              <a:t>9/19/19</a:t>
             </a:fld>
             <a:endParaRPr lang="en-US" dirty="0"/>
           </a:p>
@@ -3436,7 +3436,7 @@
           <a:p>
             <a:fld id="{45040DEA-CE02-EF42-8F10-34F709D8505D}" type="datetime1">
               <a:rPr lang="en-US" smtClean="0"/>
-              <a:t>9/18/19</a:t>
+              <a:t>9/19/19</a:t>
             </a:fld>
             <a:endParaRPr lang="en-US" dirty="0"/>
           </a:p>
@@ -3659,7 +3659,7 @@
           <a:p>
             <a:fld id="{A0C1C801-5706-434E-AB65-DDFBCF1F55D2}" type="datetime1">
               <a:rPr lang="en-US" smtClean="0"/>
-              <a:t>9/18/19</a:t>
+              <a:t>9/19/19</a:t>
             </a:fld>
             <a:endParaRPr lang="en-US" dirty="0"/>
           </a:p>
@@ -3839,7 +3839,7 @@
           <a:p>
             <a:fld id="{39AE0FD8-7D7B-EA4F-8AF8-8B97820A0C5D}" type="datetime1">
               <a:rPr lang="en-US" smtClean="0"/>
-              <a:t>9/18/19</a:t>
+              <a:t>9/19/19</a:t>
             </a:fld>
             <a:endParaRPr lang="en-US" dirty="0"/>
           </a:p>
@@ -4128,7 +4128,7 @@
           <a:p>
             <a:fld id="{7FC94D43-3F68-DC43-8EF0-95FB3D51CCCF}" type="datetime1">
               <a:rPr lang="en-US" smtClean="0"/>
-              <a:t>9/18/19</a:t>
+              <a:t>9/19/19</a:t>
             </a:fld>
             <a:endParaRPr lang="en-US" dirty="0"/>
           </a:p>
@@ -4370,7 +4370,7 @@
           <a:p>
             <a:fld id="{BD42CFC2-1CE8-9045-8C9C-0F183F0FB455}" type="datetime1">
               <a:rPr lang="en-US" smtClean="0"/>
-              <a:t>9/18/19</a:t>
+              <a:t>9/19/19</a:t>
             </a:fld>
             <a:endParaRPr lang="en-US" dirty="0"/>
           </a:p>
@@ -4749,7 +4749,7 @@
           <a:p>
             <a:fld id="{F1B5C6E2-D044-C748-9C41-86C9B2F84EB9}" type="datetime1">
               <a:rPr lang="en-US" smtClean="0"/>
-              <a:t>9/18/19</a:t>
+              <a:t>9/19/19</a:t>
             </a:fld>
             <a:endParaRPr lang="en-US" dirty="0"/>
           </a:p>
@@ -4867,7 +4867,7 @@
           <a:p>
             <a:fld id="{359C32BA-C166-AC45-9FCD-8BF0F43629D9}" type="datetime1">
               <a:rPr lang="en-US" smtClean="0"/>
-              <a:t>9/18/19</a:t>
+              <a:t>9/19/19</a:t>
             </a:fld>
             <a:endParaRPr lang="en-US" dirty="0"/>
           </a:p>
@@ -4962,7 +4962,7 @@
           <a:p>
             <a:fld id="{E5D0D591-4B92-A44B-A0EA-798E76AD0368}" type="datetime1">
               <a:rPr lang="en-US" smtClean="0"/>
-              <a:t>9/18/19</a:t>
+              <a:t>9/19/19</a:t>
             </a:fld>
             <a:endParaRPr lang="en-US" dirty="0"/>
           </a:p>
@@ -5211,7 +5211,7 @@
           <a:p>
             <a:fld id="{8201F472-E17F-4B47-A44B-A2249FA27ED2}" type="datetime1">
               <a:rPr lang="en-US" smtClean="0"/>
-              <a:t>9/18/19</a:t>
+              <a:t>9/19/19</a:t>
             </a:fld>
             <a:endParaRPr lang="en-US" dirty="0"/>
           </a:p>
@@ -5468,7 +5468,7 @@
           <a:p>
             <a:fld id="{8BEFB9EE-CDF2-6F49-80F4-278D1604F10C}" type="datetime1">
               <a:rPr lang="en-US" smtClean="0"/>
-              <a:t>9/18/19</a:t>
+              <a:t>9/19/19</a:t>
             </a:fld>
             <a:endParaRPr lang="en-US" dirty="0"/>
           </a:p>
@@ -5714,7 +5714,7 @@
           <a:p>
             <a:fld id="{124E9894-F119-A64C-B7CB-D7CE860A73BE}" type="datetime1">
               <a:rPr lang="en-US" smtClean="0"/>
-              <a:t>9/18/19</a:t>
+              <a:t>9/19/19</a:t>
             </a:fld>
             <a:endParaRPr lang="en-US" dirty="0"/>
           </a:p>
@@ -7443,11 +7443,17 @@
             <p:ph type="title"/>
           </p:nvPr>
         </p:nvSpPr>
-        <p:spPr/>
+        <p:spPr>
+          <a:xfrm>
+            <a:off x="685800" y="764373"/>
+            <a:ext cx="10820400" cy="1293028"/>
+          </a:xfrm>
+        </p:spPr>
         <p:txBody>
           <a:bodyPr/>
           <a:lstStyle/>
           <a:p>
+            <a:pPr algn="ctr"/>
             <a:r>
               <a:rPr lang="pt-BR" dirty="0"/>
               <a:t>tópicos</a:t>
@@ -7476,9 +7482,13 @@
           <a:bodyPr/>
           <a:lstStyle/>
           <a:p>
+            <a:pPr marL="457200" indent="-457200">
+              <a:buFont typeface="+mj-lt"/>
+              <a:buAutoNum type="arabicPeriod"/>
+            </a:pPr>
             <a:r>
               <a:rPr lang="pt-BR" dirty="0" err="1"/>
-              <a:t>Streams</a:t>
+              <a:t>Stream</a:t>
             </a:r>
             <a:r>
               <a:rPr lang="pt-BR" dirty="0"/>
@@ -7490,11 +7500,11 @@
             </a:r>
             <a:r>
               <a:rPr lang="pt-BR" dirty="0"/>
-              <a:t> (as variações </a:t>
+              <a:t> (</a:t>
             </a:r>
             <a:r>
               <a:rPr lang="pt-BR" dirty="0" err="1"/>
-              <a:t>toInt</a:t>
+              <a:t>mapToInt</a:t>
             </a:r>
             <a:r>
               <a:rPr lang="pt-BR" dirty="0"/>
@@ -7502,22 +7512,51 @@
             </a:r>
             <a:r>
               <a:rPr lang="pt-BR" dirty="0" err="1"/>
-              <a:t>toLong</a:t>
+              <a:t>mapToDouble</a:t>
             </a:r>
             <a:r>
               <a:rPr lang="pt-BR" dirty="0"/>
-              <a:t>, </a:t>
-            </a:r>
+              <a:t>...): média das notas de usuários, maior nota</a:t>
+            </a:r>
+          </a:p>
+          <a:p>
+            <a:pPr marL="457200" indent="-457200">
+              <a:buFont typeface="+mj-lt"/>
+              <a:buAutoNum type="arabicPeriod"/>
+            </a:pPr>
             <a:r>
               <a:rPr lang="pt-BR" dirty="0" err="1"/>
-              <a:t>toDouble</a:t>
+              <a:t>Filter</a:t>
             </a:r>
             <a:r>
               <a:rPr lang="pt-BR" dirty="0"/>
-              <a:t>)</a:t>
-            </a:r>
-          </a:p>
-          <a:p>
+              <a:t>: </a:t>
+            </a:r>
+            <a:r>
+              <a:rPr lang="pt-BR"/>
+              <a:t>filtrar alunos por sexo</a:t>
+            </a:r>
+            <a:endParaRPr lang="pt-BR" dirty="0"/>
+          </a:p>
+          <a:p>
+            <a:pPr marL="457200" indent="-457200">
+              <a:buFont typeface="+mj-lt"/>
+              <a:buAutoNum type="arabicPeriod"/>
+            </a:pPr>
+            <a:r>
+              <a:rPr lang="pt-BR" dirty="0" err="1"/>
+              <a:t>Filter</a:t>
+            </a:r>
+            <a:r>
+              <a:rPr lang="pt-BR" dirty="0"/>
+              <a:t>: obter o curso do aluno e contar quantos estão matriculados em um curso</a:t>
+            </a:r>
+          </a:p>
+          <a:p>
+            <a:pPr marL="457200" indent="-457200">
+              <a:buFont typeface="+mj-lt"/>
+              <a:buAutoNum type="arabicPeriod"/>
+            </a:pPr>
             <a:r>
               <a:rPr lang="pt-BR" dirty="0" err="1"/>
               <a:t>Map</a:t>
@@ -7530,9 +7569,24 @@
               <a:rPr lang="pt-BR" dirty="0" err="1"/>
               <a:t>collect</a:t>
             </a:r>
-            <a:endParaRPr lang="pt-BR" dirty="0"/>
-          </a:p>
-          <a:p>
+            <a:r>
+              <a:rPr lang="pt-BR" dirty="0"/>
+              <a:t>: </a:t>
+            </a:r>
+            <a:r>
+              <a:rPr lang="pt-BR" dirty="0" err="1"/>
+              <a:t>Collectors.toList</a:t>
+            </a:r>
+            <a:r>
+              <a:rPr lang="pt-BR" dirty="0"/>
+              <a:t>()</a:t>
+            </a:r>
+          </a:p>
+          <a:p>
+            <a:pPr marL="457200" indent="-457200">
+              <a:buFont typeface="+mj-lt"/>
+              <a:buAutoNum type="arabicPeriod"/>
+            </a:pPr>
             <a:r>
               <a:rPr lang="pt-BR" dirty="0"/>
               <a:t>Várias operações </a:t>
@@ -7544,6 +7598,10 @@
             <a:endParaRPr lang="pt-BR" dirty="0"/>
           </a:p>
           <a:p>
+            <a:pPr marL="457200" indent="-457200">
+              <a:buFont typeface="+mj-lt"/>
+              <a:buAutoNum type="arabicPeriod"/>
+            </a:pPr>
             <a:r>
               <a:rPr lang="pt-BR" dirty="0"/>
               <a:t>Mostrar relação das entradas e saídas do </a:t>
@@ -7563,19 +7621,20 @@
             <a:endParaRPr lang="pt-BR" dirty="0"/>
           </a:p>
           <a:p>
-            <a:r>
-              <a:rPr lang="pt-BR" dirty="0" err="1"/>
-              <a:t>Filter</a:t>
-            </a:r>
-            <a:endParaRPr lang="pt-BR" dirty="0"/>
-          </a:p>
-          <a:p>
+            <a:pPr marL="457200" indent="-457200">
+              <a:buFont typeface="+mj-lt"/>
+              <a:buAutoNum type="arabicPeriod"/>
+            </a:pPr>
             <a:r>
               <a:rPr lang="pt-BR" dirty="0"/>
               <a:t>Expressões Lambda</a:t>
             </a:r>
           </a:p>
           <a:p>
+            <a:pPr marL="457200" indent="-457200">
+              <a:buFont typeface="+mj-lt"/>
+              <a:buAutoNum type="arabicPeriod"/>
+            </a:pPr>
             <a:r>
               <a:rPr lang="pt-BR" dirty="0" err="1"/>
               <a:t>Method</a:t>
@@ -7631,6 +7690,527 @@
   <p:clrMapOvr>
     <a:masterClrMapping/>
   </p:clrMapOvr>
+  <p:timing>
+    <p:tnLst>
+      <p:par>
+        <p:cTn id="1" dur="indefinite" restart="never" nodeType="tmRoot">
+          <p:childTnLst>
+            <p:seq concurrent="1" nextAc="seek">
+              <p:cTn id="2" dur="indefinite" nodeType="mainSeq">
+                <p:childTnLst>
+                  <p:par>
+                    <p:cTn id="3" fill="hold">
+                      <p:stCondLst>
+                        <p:cond delay="indefinite"/>
+                      </p:stCondLst>
+                      <p:childTnLst>
+                        <p:par>
+                          <p:cTn id="4" fill="hold">
+                            <p:stCondLst>
+                              <p:cond delay="0"/>
+                            </p:stCondLst>
+                            <p:childTnLst>
+                              <p:par>
+                                <p:cTn id="5" presetID="9" presetClass="entr" presetSubtype="0" fill="hold" grpId="0" nodeType="clickEffect">
+                                  <p:stCondLst>
+                                    <p:cond delay="0"/>
+                                  </p:stCondLst>
+                                  <p:childTnLst>
+                                    <p:set>
+                                      <p:cBhvr>
+                                        <p:cTn id="6" dur="1" fill="hold">
+                                          <p:stCondLst>
+                                            <p:cond delay="0"/>
+                                          </p:stCondLst>
+                                        </p:cTn>
+                                        <p:tgtEl>
+                                          <p:spTgt spid="3">
+                                            <p:txEl>
+                                              <p:pRg st="0" end="0"/>
+                                            </p:txEl>
+                                          </p:spTgt>
+                                        </p:tgtEl>
+                                        <p:attrNameLst>
+                                          <p:attrName>style.visibility</p:attrName>
+                                        </p:attrNameLst>
+                                      </p:cBhvr>
+                                      <p:to>
+                                        <p:strVal val="visible"/>
+                                      </p:to>
+                                    </p:set>
+                                    <p:animEffect transition="in" filter="dissolve">
+                                      <p:cBhvr>
+                                        <p:cTn id="7" dur="500"/>
+                                        <p:tgtEl>
+                                          <p:spTgt spid="3">
+                                            <p:txEl>
+                                              <p:pRg st="0" end="0"/>
+                                            </p:txEl>
+                                          </p:spTgt>
+                                        </p:tgtEl>
+                                      </p:cBhvr>
+                                    </p:animEffect>
+                                  </p:childTnLst>
+                                </p:cTn>
+                              </p:par>
+                            </p:childTnLst>
+                          </p:cTn>
+                        </p:par>
+                      </p:childTnLst>
+                    </p:cTn>
+                  </p:par>
+                  <p:par>
+                    <p:cTn id="8" fill="hold">
+                      <p:stCondLst>
+                        <p:cond delay="indefinite"/>
+                      </p:stCondLst>
+                      <p:childTnLst>
+                        <p:par>
+                          <p:cTn id="9" fill="hold">
+                            <p:stCondLst>
+                              <p:cond delay="0"/>
+                            </p:stCondLst>
+                            <p:childTnLst>
+                              <p:par>
+                                <p:cTn id="10" presetID="9" presetClass="entr" presetSubtype="0" fill="hold" grpId="0" nodeType="clickEffect">
+                                  <p:stCondLst>
+                                    <p:cond delay="0"/>
+                                  </p:stCondLst>
+                                  <p:childTnLst>
+                                    <p:set>
+                                      <p:cBhvr>
+                                        <p:cTn id="11" dur="1" fill="hold">
+                                          <p:stCondLst>
+                                            <p:cond delay="0"/>
+                                          </p:stCondLst>
+                                        </p:cTn>
+                                        <p:tgtEl>
+                                          <p:spTgt spid="3">
+                                            <p:txEl>
+                                              <p:pRg st="1" end="1"/>
+                                            </p:txEl>
+                                          </p:spTgt>
+                                        </p:tgtEl>
+                                        <p:attrNameLst>
+                                          <p:attrName>style.visibility</p:attrName>
+                                        </p:attrNameLst>
+                                      </p:cBhvr>
+                                      <p:to>
+                                        <p:strVal val="visible"/>
+                                      </p:to>
+                                    </p:set>
+                                    <p:animEffect transition="in" filter="dissolve">
+                                      <p:cBhvr>
+                                        <p:cTn id="12" dur="500"/>
+                                        <p:tgtEl>
+                                          <p:spTgt spid="3">
+                                            <p:txEl>
+                                              <p:pRg st="1" end="1"/>
+                                            </p:txEl>
+                                          </p:spTgt>
+                                        </p:tgtEl>
+                                      </p:cBhvr>
+                                    </p:animEffect>
+                                  </p:childTnLst>
+                                </p:cTn>
+                              </p:par>
+                            </p:childTnLst>
+                          </p:cTn>
+                        </p:par>
+                      </p:childTnLst>
+                    </p:cTn>
+                  </p:par>
+                  <p:par>
+                    <p:cTn id="13" fill="hold">
+                      <p:stCondLst>
+                        <p:cond delay="indefinite"/>
+                      </p:stCondLst>
+                      <p:childTnLst>
+                        <p:par>
+                          <p:cTn id="14" fill="hold">
+                            <p:stCondLst>
+                              <p:cond delay="0"/>
+                            </p:stCondLst>
+                            <p:childTnLst>
+                              <p:par>
+                                <p:cTn id="15" presetID="9" presetClass="entr" presetSubtype="0" fill="hold" grpId="0" nodeType="clickEffect">
+                                  <p:stCondLst>
+                                    <p:cond delay="0"/>
+                                  </p:stCondLst>
+                                  <p:childTnLst>
+                                    <p:set>
+                                      <p:cBhvr>
+                                        <p:cTn id="16" dur="1" fill="hold">
+                                          <p:stCondLst>
+                                            <p:cond delay="0"/>
+                                          </p:stCondLst>
+                                        </p:cTn>
+                                        <p:tgtEl>
+                                          <p:spTgt spid="3">
+                                            <p:txEl>
+                                              <p:pRg st="2" end="2"/>
+                                            </p:txEl>
+                                          </p:spTgt>
+                                        </p:tgtEl>
+                                        <p:attrNameLst>
+                                          <p:attrName>style.visibility</p:attrName>
+                                        </p:attrNameLst>
+                                      </p:cBhvr>
+                                      <p:to>
+                                        <p:strVal val="visible"/>
+                                      </p:to>
+                                    </p:set>
+                                    <p:animEffect transition="in" filter="dissolve">
+                                      <p:cBhvr>
+                                        <p:cTn id="17" dur="500"/>
+                                        <p:tgtEl>
+                                          <p:spTgt spid="3">
+                                            <p:txEl>
+                                              <p:pRg st="2" end="2"/>
+                                            </p:txEl>
+                                          </p:spTgt>
+                                        </p:tgtEl>
+                                      </p:cBhvr>
+                                    </p:animEffect>
+                                  </p:childTnLst>
+                                </p:cTn>
+                              </p:par>
+                            </p:childTnLst>
+                          </p:cTn>
+                        </p:par>
+                      </p:childTnLst>
+                    </p:cTn>
+                  </p:par>
+                  <p:par>
+                    <p:cTn id="18" fill="hold">
+                      <p:stCondLst>
+                        <p:cond delay="indefinite"/>
+                      </p:stCondLst>
+                      <p:childTnLst>
+                        <p:par>
+                          <p:cTn id="19" fill="hold">
+                            <p:stCondLst>
+                              <p:cond delay="0"/>
+                            </p:stCondLst>
+                            <p:childTnLst>
+                              <p:par>
+                                <p:cTn id="20" presetID="9" presetClass="entr" presetSubtype="0" fill="hold" grpId="0" nodeType="clickEffect">
+                                  <p:stCondLst>
+                                    <p:cond delay="0"/>
+                                  </p:stCondLst>
+                                  <p:childTnLst>
+                                    <p:set>
+                                      <p:cBhvr>
+                                        <p:cTn id="21" dur="1" fill="hold">
+                                          <p:stCondLst>
+                                            <p:cond delay="0"/>
+                                          </p:stCondLst>
+                                        </p:cTn>
+                                        <p:tgtEl>
+                                          <p:spTgt spid="3">
+                                            <p:txEl>
+                                              <p:pRg st="3" end="3"/>
+                                            </p:txEl>
+                                          </p:spTgt>
+                                        </p:tgtEl>
+                                        <p:attrNameLst>
+                                          <p:attrName>style.visibility</p:attrName>
+                                        </p:attrNameLst>
+                                      </p:cBhvr>
+                                      <p:to>
+                                        <p:strVal val="visible"/>
+                                      </p:to>
+                                    </p:set>
+                                    <p:animEffect transition="in" filter="dissolve">
+                                      <p:cBhvr>
+                                        <p:cTn id="22" dur="500"/>
+                                        <p:tgtEl>
+                                          <p:spTgt spid="3">
+                                            <p:txEl>
+                                              <p:pRg st="3" end="3"/>
+                                            </p:txEl>
+                                          </p:spTgt>
+                                        </p:tgtEl>
+                                      </p:cBhvr>
+                                    </p:animEffect>
+                                  </p:childTnLst>
+                                </p:cTn>
+                              </p:par>
+                            </p:childTnLst>
+                          </p:cTn>
+                        </p:par>
+                      </p:childTnLst>
+                    </p:cTn>
+                  </p:par>
+                  <p:par>
+                    <p:cTn id="23" fill="hold">
+                      <p:stCondLst>
+                        <p:cond delay="indefinite"/>
+                      </p:stCondLst>
+                      <p:childTnLst>
+                        <p:par>
+                          <p:cTn id="24" fill="hold">
+                            <p:stCondLst>
+                              <p:cond delay="0"/>
+                            </p:stCondLst>
+                            <p:childTnLst>
+                              <p:par>
+                                <p:cTn id="25" presetID="9" presetClass="entr" presetSubtype="0" fill="hold" grpId="0" nodeType="clickEffect">
+                                  <p:stCondLst>
+                                    <p:cond delay="0"/>
+                                  </p:stCondLst>
+                                  <p:childTnLst>
+                                    <p:set>
+                                      <p:cBhvr>
+                                        <p:cTn id="26" dur="1" fill="hold">
+                                          <p:stCondLst>
+                                            <p:cond delay="0"/>
+                                          </p:stCondLst>
+                                        </p:cTn>
+                                        <p:tgtEl>
+                                          <p:spTgt spid="3">
+                                            <p:txEl>
+                                              <p:pRg st="4" end="4"/>
+                                            </p:txEl>
+                                          </p:spTgt>
+                                        </p:tgtEl>
+                                        <p:attrNameLst>
+                                          <p:attrName>style.visibility</p:attrName>
+                                        </p:attrNameLst>
+                                      </p:cBhvr>
+                                      <p:to>
+                                        <p:strVal val="visible"/>
+                                      </p:to>
+                                    </p:set>
+                                    <p:animEffect transition="in" filter="dissolve">
+                                      <p:cBhvr>
+                                        <p:cTn id="27" dur="500"/>
+                                        <p:tgtEl>
+                                          <p:spTgt spid="3">
+                                            <p:txEl>
+                                              <p:pRg st="4" end="4"/>
+                                            </p:txEl>
+                                          </p:spTgt>
+                                        </p:tgtEl>
+                                      </p:cBhvr>
+                                    </p:animEffect>
+                                  </p:childTnLst>
+                                </p:cTn>
+                              </p:par>
+                            </p:childTnLst>
+                          </p:cTn>
+                        </p:par>
+                      </p:childTnLst>
+                    </p:cTn>
+                  </p:par>
+                  <p:par>
+                    <p:cTn id="28" fill="hold">
+                      <p:stCondLst>
+                        <p:cond delay="indefinite"/>
+                      </p:stCondLst>
+                      <p:childTnLst>
+                        <p:par>
+                          <p:cTn id="29" fill="hold">
+                            <p:stCondLst>
+                              <p:cond delay="0"/>
+                            </p:stCondLst>
+                            <p:childTnLst>
+                              <p:par>
+                                <p:cTn id="30" presetID="9" presetClass="entr" presetSubtype="0" fill="hold" grpId="0" nodeType="clickEffect">
+                                  <p:stCondLst>
+                                    <p:cond delay="0"/>
+                                  </p:stCondLst>
+                                  <p:childTnLst>
+                                    <p:set>
+                                      <p:cBhvr>
+                                        <p:cTn id="31" dur="1" fill="hold">
+                                          <p:stCondLst>
+                                            <p:cond delay="0"/>
+                                          </p:stCondLst>
+                                        </p:cTn>
+                                        <p:tgtEl>
+                                          <p:spTgt spid="3">
+                                            <p:txEl>
+                                              <p:pRg st="5" end="5"/>
+                                            </p:txEl>
+                                          </p:spTgt>
+                                        </p:tgtEl>
+                                        <p:attrNameLst>
+                                          <p:attrName>style.visibility</p:attrName>
+                                        </p:attrNameLst>
+                                      </p:cBhvr>
+                                      <p:to>
+                                        <p:strVal val="visible"/>
+                                      </p:to>
+                                    </p:set>
+                                    <p:animEffect transition="in" filter="dissolve">
+                                      <p:cBhvr>
+                                        <p:cTn id="32" dur="500"/>
+                                        <p:tgtEl>
+                                          <p:spTgt spid="3">
+                                            <p:txEl>
+                                              <p:pRg st="5" end="5"/>
+                                            </p:txEl>
+                                          </p:spTgt>
+                                        </p:tgtEl>
+                                      </p:cBhvr>
+                                    </p:animEffect>
+                                  </p:childTnLst>
+                                </p:cTn>
+                              </p:par>
+                            </p:childTnLst>
+                          </p:cTn>
+                        </p:par>
+                      </p:childTnLst>
+                    </p:cTn>
+                  </p:par>
+                  <p:par>
+                    <p:cTn id="33" fill="hold">
+                      <p:stCondLst>
+                        <p:cond delay="indefinite"/>
+                      </p:stCondLst>
+                      <p:childTnLst>
+                        <p:par>
+                          <p:cTn id="34" fill="hold">
+                            <p:stCondLst>
+                              <p:cond delay="0"/>
+                            </p:stCondLst>
+                            <p:childTnLst>
+                              <p:par>
+                                <p:cTn id="35" presetID="9" presetClass="entr" presetSubtype="0" fill="hold" grpId="0" nodeType="clickEffect">
+                                  <p:stCondLst>
+                                    <p:cond delay="0"/>
+                                  </p:stCondLst>
+                                  <p:childTnLst>
+                                    <p:set>
+                                      <p:cBhvr>
+                                        <p:cTn id="36" dur="1" fill="hold">
+                                          <p:stCondLst>
+                                            <p:cond delay="0"/>
+                                          </p:stCondLst>
+                                        </p:cTn>
+                                        <p:tgtEl>
+                                          <p:spTgt spid="3">
+                                            <p:txEl>
+                                              <p:pRg st="6" end="6"/>
+                                            </p:txEl>
+                                          </p:spTgt>
+                                        </p:tgtEl>
+                                        <p:attrNameLst>
+                                          <p:attrName>style.visibility</p:attrName>
+                                        </p:attrNameLst>
+                                      </p:cBhvr>
+                                      <p:to>
+                                        <p:strVal val="visible"/>
+                                      </p:to>
+                                    </p:set>
+                                    <p:animEffect transition="in" filter="dissolve">
+                                      <p:cBhvr>
+                                        <p:cTn id="37" dur="500"/>
+                                        <p:tgtEl>
+                                          <p:spTgt spid="3">
+                                            <p:txEl>
+                                              <p:pRg st="6" end="6"/>
+                                            </p:txEl>
+                                          </p:spTgt>
+                                        </p:tgtEl>
+                                      </p:cBhvr>
+                                    </p:animEffect>
+                                  </p:childTnLst>
+                                </p:cTn>
+                              </p:par>
+                            </p:childTnLst>
+                          </p:cTn>
+                        </p:par>
+                      </p:childTnLst>
+                    </p:cTn>
+                  </p:par>
+                  <p:par>
+                    <p:cTn id="38" fill="hold">
+                      <p:stCondLst>
+                        <p:cond delay="indefinite"/>
+                      </p:stCondLst>
+                      <p:childTnLst>
+                        <p:par>
+                          <p:cTn id="39" fill="hold">
+                            <p:stCondLst>
+                              <p:cond delay="0"/>
+                            </p:stCondLst>
+                            <p:childTnLst>
+                              <p:par>
+                                <p:cTn id="40" presetID="9" presetClass="entr" presetSubtype="0" fill="hold" grpId="0" nodeType="clickEffect">
+                                  <p:stCondLst>
+                                    <p:cond delay="0"/>
+                                  </p:stCondLst>
+                                  <p:childTnLst>
+                                    <p:set>
+                                      <p:cBhvr>
+                                        <p:cTn id="41" dur="1" fill="hold">
+                                          <p:stCondLst>
+                                            <p:cond delay="0"/>
+                                          </p:stCondLst>
+                                        </p:cTn>
+                                        <p:tgtEl>
+                                          <p:spTgt spid="3">
+                                            <p:txEl>
+                                              <p:pRg st="7" end="7"/>
+                                            </p:txEl>
+                                          </p:spTgt>
+                                        </p:tgtEl>
+                                        <p:attrNameLst>
+                                          <p:attrName>style.visibility</p:attrName>
+                                        </p:attrNameLst>
+                                      </p:cBhvr>
+                                      <p:to>
+                                        <p:strVal val="visible"/>
+                                      </p:to>
+                                    </p:set>
+                                    <p:animEffect transition="in" filter="dissolve">
+                                      <p:cBhvr>
+                                        <p:cTn id="42" dur="500"/>
+                                        <p:tgtEl>
+                                          <p:spTgt spid="3">
+                                            <p:txEl>
+                                              <p:pRg st="7" end="7"/>
+                                            </p:txEl>
+                                          </p:spTgt>
+                                        </p:tgtEl>
+                                      </p:cBhvr>
+                                    </p:animEffect>
+                                  </p:childTnLst>
+                                </p:cTn>
+                              </p:par>
+                            </p:childTnLst>
+                          </p:cTn>
+                        </p:par>
+                      </p:childTnLst>
+                    </p:cTn>
+                  </p:par>
+                </p:childTnLst>
+              </p:cTn>
+              <p:prevCondLst>
+                <p:cond evt="onPrev" delay="0">
+                  <p:tgtEl>
+                    <p:sldTgt/>
+                  </p:tgtEl>
+                </p:cond>
+              </p:prevCondLst>
+              <p:nextCondLst>
+                <p:cond evt="onNext" delay="0">
+                  <p:tgtEl>
+                    <p:sldTgt/>
+                  </p:tgtEl>
+                </p:cond>
+              </p:nextCondLst>
+            </p:seq>
+          </p:childTnLst>
+        </p:cTn>
+      </p:par>
+    </p:tnLst>
+    <p:bldLst>
+      <p:bldP spid="3" grpId="0" build="p"/>
+    </p:bldLst>
+  </p:timing>
 </p:sld>
 </file>
 
@@ -9581,8 +10161,22 @@
 </file>
 
 <file path=ppt/slides/slide20.xml><?xml version="1.0" encoding="utf-8"?>
-<p:sld xmlns:a="http://schemas.openxmlformats.org/drawingml/2006/main" xmlns:r="http://schemas.openxmlformats.org/officeDocument/2006/relationships" xmlns:p="http://schemas.openxmlformats.org/presentationml/2006/main">
+<p:sld xmlns:a="http://schemas.openxmlformats.org/drawingml/2006/main" xmlns:r="http://schemas.openxmlformats.org/officeDocument/2006/relationships" xmlns:p="http://schemas.openxmlformats.org/presentationml/2006/main" showMasterSp="0">
   <p:cSld>
+    <p:bg>
+      <p:bgPr>
+        <a:blipFill dpi="0" rotWithShape="1">
+          <a:blip r:embed="rId2">
+            <a:lum/>
+          </a:blip>
+          <a:srcRect/>
+          <a:stretch>
+            <a:fillRect t="-6000" b="-6000"/>
+          </a:stretch>
+        </a:blipFill>
+        <a:effectLst/>
+      </p:bgPr>
+    </p:bg>
     <p:spTree>
       <p:nvGrpSpPr>
         <p:cNvPr id="1" name=""/>
@@ -9597,40 +10191,6 @@
           <a:chExt cx="0" cy="0"/>
         </a:xfrm>
       </p:grpSpPr>
-      <p:sp>
-        <p:nvSpPr>
-          <p:cNvPr id="2" name="Title 1">
-            <a:extLst>
-              <a:ext uri="{FF2B5EF4-FFF2-40B4-BE49-F238E27FC236}">
-                <a16:creationId xmlns:a16="http://schemas.microsoft.com/office/drawing/2014/main" id="{E830B414-47E6-3B45-8FB1-EF815CB0CE9F}"/>
-              </a:ext>
-            </a:extLst>
-          </p:cNvPr>
-          <p:cNvSpPr>
-            <a:spLocks noGrp="1"/>
-          </p:cNvSpPr>
-          <p:nvPr>
-            <p:ph type="title"/>
-          </p:nvPr>
-        </p:nvSpPr>
-        <p:spPr>
-          <a:xfrm>
-            <a:off x="1921239" y="2967927"/>
-            <a:ext cx="8610600" cy="1293028"/>
-          </a:xfrm>
-        </p:spPr>
-        <p:txBody>
-          <a:bodyPr/>
-          <a:lstStyle/>
-          <a:p>
-            <a:pPr algn="ctr"/>
-            <a:r>
-              <a:rPr lang="pt-BR" dirty="0"/>
-              <a:t>obrigado</a:t>
-            </a:r>
-          </a:p>
-        </p:txBody>
-      </p:sp>
       <p:sp>
         <p:nvSpPr>
           <p:cNvPr id="4" name="Slide Number Placeholder 3">

--- a/programacao-funcional-java8.pptx
+++ b/programacao-funcional-java8.pptx
@@ -7445,15 +7445,14 @@
         </p:nvSpPr>
         <p:spPr>
           <a:xfrm>
-            <a:off x="685800" y="764373"/>
-            <a:ext cx="10820400" cy="1293028"/>
+            <a:off x="685800" y="404609"/>
+            <a:ext cx="10820400" cy="764624"/>
           </a:xfrm>
         </p:spPr>
         <p:txBody>
           <a:bodyPr/>
           <a:lstStyle/>
           <a:p>
-            <a:pPr algn="ctr"/>
             <a:r>
               <a:rPr lang="pt-BR" dirty="0"/>
               <a:t>tópicos</a:t>
@@ -7477,9 +7476,16 @@
             <p:ph idx="1"/>
           </p:nvPr>
         </p:nvSpPr>
-        <p:spPr/>
-        <p:txBody>
-          <a:bodyPr/>
+        <p:spPr>
+          <a:xfrm>
+            <a:off x="685800" y="1364103"/>
+            <a:ext cx="10820400" cy="5284157"/>
+          </a:xfrm>
+        </p:spPr>
+        <p:txBody>
+          <a:bodyPr>
+            <a:normAutofit lnSpcReduction="10000"/>
+          </a:bodyPr>
           <a:lstStyle/>
           <a:p>
             <a:pPr marL="457200" indent="-457200">
@@ -7530,13 +7536,8 @@
             </a:r>
             <a:r>
               <a:rPr lang="pt-BR" dirty="0"/>
-              <a:t>: </a:t>
-            </a:r>
-            <a:r>
-              <a:rPr lang="pt-BR"/>
-              <a:t>filtrar alunos por sexo</a:t>
-            </a:r>
-            <a:endParaRPr lang="pt-BR" dirty="0"/>
+              <a:t>: conta o total de alunos por sexo (em duas operações)</a:t>
+            </a:r>
           </a:p>
           <a:p>
             <a:pPr marL="457200" indent="-457200">
@@ -7545,11 +7546,15 @@
             </a:pPr>
             <a:r>
               <a:rPr lang="pt-BR" dirty="0" err="1"/>
-              <a:t>Filter</a:t>
+              <a:t>Maps</a:t>
             </a:r>
             <a:r>
               <a:rPr lang="pt-BR" dirty="0"/>
-              <a:t>: obter o curso do aluno e contar quantos estão matriculados em um curso</a:t>
+              <a:t> sucessivos: pegar curso, depois campus e contar o total de campi em que há alunos </a:t>
+            </a:r>
+            <a:r>
+              <a:rPr lang="pt-BR" sz="800" dirty="0"/>
+              <a:t>(de forma distinta)</a:t>
             </a:r>
           </a:p>
           <a:p>
@@ -7559,27 +7564,11 @@
             </a:pPr>
             <a:r>
               <a:rPr lang="pt-BR" dirty="0" err="1"/>
-              <a:t>Map</a:t>
+              <a:t>Filter</a:t>
             </a:r>
             <a:r>
               <a:rPr lang="pt-BR" dirty="0"/>
-              <a:t> e </a:t>
-            </a:r>
-            <a:r>
-              <a:rPr lang="pt-BR" dirty="0" err="1"/>
-              <a:t>collect</a:t>
-            </a:r>
-            <a:r>
-              <a:rPr lang="pt-BR" dirty="0"/>
-              <a:t>: </a:t>
-            </a:r>
-            <a:r>
-              <a:rPr lang="pt-BR" dirty="0" err="1"/>
-              <a:t>Collectors.toList</a:t>
-            </a:r>
-            <a:r>
-              <a:rPr lang="pt-BR" dirty="0"/>
-              <a:t>()</a:t>
+              <a:t>: obter o curso do aluno e contar quantos estão matriculados em um curso</a:t>
             </a:r>
           </a:p>
           <a:p>
@@ -7588,14 +7577,29 @@
               <a:buAutoNum type="arabicPeriod"/>
             </a:pPr>
             <a:r>
+              <a:rPr lang="pt-BR" dirty="0" err="1"/>
+              <a:t>Map</a:t>
+            </a:r>
+            <a:r>
               <a:rPr lang="pt-BR" dirty="0"/>
-              <a:t>Várias operações </a:t>
+              <a:t> e </a:t>
             </a:r>
             <a:r>
               <a:rPr lang="pt-BR" dirty="0" err="1"/>
-              <a:t>map</a:t>
-            </a:r>
-            <a:endParaRPr lang="pt-BR" dirty="0"/>
+              <a:t>collect</a:t>
+            </a:r>
+            <a:r>
+              <a:rPr lang="pt-BR" dirty="0"/>
+              <a:t> (</a:t>
+            </a:r>
+            <a:r>
+              <a:rPr lang="pt-BR" dirty="0" err="1"/>
+              <a:t>Collectors.toList</a:t>
+            </a:r>
+            <a:r>
+              <a:rPr lang="pt-BR" dirty="0"/>
+              <a:t>): obter lista de alunos de um curso com um determinado código</a:t>
+            </a:r>
           </a:p>
           <a:p>
             <a:pPr marL="457200" indent="-457200">
@@ -7603,20 +7607,16 @@
               <a:buAutoNum type="arabicPeriod"/>
             </a:pPr>
             <a:r>
+              <a:rPr lang="pt-BR" dirty="0" err="1"/>
+              <a:t>Method</a:t>
+            </a:r>
+            <a:r>
               <a:rPr lang="pt-BR" dirty="0"/>
-              <a:t>Mostrar relação das entradas e saídas do </a:t>
+              <a:t> </a:t>
             </a:r>
             <a:r>
               <a:rPr lang="pt-BR" dirty="0" err="1"/>
-              <a:t>map</a:t>
-            </a:r>
-            <a:r>
-              <a:rPr lang="pt-BR" dirty="0"/>
-              <a:t> no depurador do </a:t>
-            </a:r>
-            <a:r>
-              <a:rPr lang="pt-BR" dirty="0" err="1"/>
-              <a:t>IntelliJ</a:t>
+              <a:t>Reference</a:t>
             </a:r>
             <a:endParaRPr lang="pt-BR" dirty="0"/>
           </a:p>
@@ -7627,8 +7627,13 @@
             </a:pPr>
             <a:r>
               <a:rPr lang="pt-BR" dirty="0"/>
-              <a:t>Expressões Lambda</a:t>
-            </a:r>
+              <a:t>Agrupando alunos por curso: </a:t>
+            </a:r>
+            <a:r>
+              <a:rPr lang="pt-BR" dirty="0" err="1"/>
+              <a:t>Collectors.groupingBy</a:t>
+            </a:r>
+            <a:endParaRPr lang="pt-BR" dirty="0"/>
           </a:p>
           <a:p>
             <a:pPr marL="457200" indent="-457200">
@@ -7636,47 +7641,91 @@
               <a:buAutoNum type="arabicPeriod"/>
             </a:pPr>
             <a:r>
+              <a:rPr lang="pt-BR" dirty="0"/>
+              <a:t>Agrupando e contando: </a:t>
+            </a:r>
+            <a:r>
+              <a:rPr lang="en-US" dirty="0" err="1"/>
+              <a:t>Collectors.</a:t>
+            </a:r>
+            <a:r>
+              <a:rPr lang="en-US" i="1" dirty="0" err="1"/>
+              <a:t>groupingBy</a:t>
+            </a:r>
+            <a:r>
+              <a:rPr lang="en-US" dirty="0"/>
+              <a:t>(Student::</a:t>
+            </a:r>
+            <a:r>
+              <a:rPr lang="en-US" dirty="0" err="1"/>
+              <a:t>getCourse</a:t>
+            </a:r>
+            <a:r>
+              <a:rPr lang="en-US" dirty="0"/>
+              <a:t>, </a:t>
+            </a:r>
+            <a:r>
+              <a:rPr lang="en-US" dirty="0" err="1"/>
+              <a:t>Collectors.</a:t>
+            </a:r>
+            <a:r>
+              <a:rPr lang="en-US" i="1" dirty="0" err="1"/>
+              <a:t>counting</a:t>
+            </a:r>
+            <a:r>
+              <a:rPr lang="en-US" dirty="0"/>
+              <a:t>())</a:t>
+            </a:r>
+          </a:p>
+          <a:p>
+            <a:pPr marL="457200" indent="-457200">
+              <a:buFont typeface="+mj-lt"/>
+              <a:buAutoNum type="arabicPeriod"/>
+            </a:pPr>
+            <a:r>
+              <a:rPr lang="pt-PT" dirty="0"/>
+              <a:t>Concatenando alunos: </a:t>
+            </a:r>
+            <a:r>
+              <a:rPr lang="pt-PT" dirty="0" err="1"/>
+              <a:t>map</a:t>
+            </a:r>
+            <a:r>
+              <a:rPr lang="pt-PT" dirty="0"/>
+              <a:t> e </a:t>
+            </a:r>
+            <a:r>
+              <a:rPr lang="pt-PT" dirty="0" err="1"/>
+              <a:t>Collectors.joining</a:t>
+            </a:r>
+            <a:r>
+              <a:rPr lang="pt-PT" dirty="0"/>
+              <a:t>()</a:t>
+            </a:r>
+            <a:endParaRPr lang="pt-BR" dirty="0"/>
+          </a:p>
+          <a:p>
+            <a:pPr marL="457200" indent="-457200">
+              <a:buFont typeface="+mj-lt"/>
+              <a:buAutoNum type="arabicPeriod"/>
+            </a:pPr>
+            <a:r>
+              <a:rPr lang="pt-BR" dirty="0"/>
+              <a:t>Mostrar relação das entradas e saídas do </a:t>
+            </a:r>
+            <a:r>
               <a:rPr lang="pt-BR" dirty="0" err="1"/>
-              <a:t>Method</a:t>
+              <a:t>map</a:t>
             </a:r>
             <a:r>
               <a:rPr lang="pt-BR" dirty="0"/>
-              <a:t> </a:t>
+              <a:t> no depurador do </a:t>
             </a:r>
             <a:r>
               <a:rPr lang="pt-BR" dirty="0" err="1"/>
-              <a:t>Reference</a:t>
+              <a:t>IntelliJ</a:t>
             </a:r>
             <a:endParaRPr lang="pt-BR" dirty="0"/>
-          </a:p>
-        </p:txBody>
-      </p:sp>
-      <p:sp>
-        <p:nvSpPr>
-          <p:cNvPr id="4" name="Slide Number Placeholder 3">
-            <a:extLst>
-              <a:ext uri="{FF2B5EF4-FFF2-40B4-BE49-F238E27FC236}">
-                <a16:creationId xmlns:a16="http://schemas.microsoft.com/office/drawing/2014/main" id="{03A65EDD-8AB3-1241-83F8-90A30AD6147D}"/>
-              </a:ext>
-            </a:extLst>
-          </p:cNvPr>
-          <p:cNvSpPr>
-            <a:spLocks noGrp="1"/>
-          </p:cNvSpPr>
-          <p:nvPr>
-            <p:ph type="sldNum" sz="quarter" idx="12"/>
-          </p:nvPr>
-        </p:nvSpPr>
-        <p:spPr/>
-        <p:txBody>
-          <a:bodyPr/>
-          <a:lstStyle/>
-          <a:p>
-            <a:fld id="{2183B7EE-0FBE-B749-875F-ED24F5ECD71F}" type="slidenum">
-              <a:rPr lang="en-US" smtClean="0"/>
-              <a:t>17</a:t>
-            </a:fld>
-            <a:endParaRPr lang="en-US" dirty="0"/>
           </a:p>
         </p:txBody>
       </p:sp>
@@ -8172,6 +8221,128 @@
                                           <p:spTgt spid="3">
                                             <p:txEl>
                                               <p:pRg st="7" end="7"/>
+                                            </p:txEl>
+                                          </p:spTgt>
+                                        </p:tgtEl>
+                                      </p:cBhvr>
+                                    </p:animEffect>
+                                  </p:childTnLst>
+                                </p:cTn>
+                              </p:par>
+                            </p:childTnLst>
+                          </p:cTn>
+                        </p:par>
+                      </p:childTnLst>
+                    </p:cTn>
+                  </p:par>
+                  <p:par>
+                    <p:cTn id="43" fill="hold">
+                      <p:stCondLst>
+                        <p:cond delay="indefinite"/>
+                      </p:stCondLst>
+                      <p:childTnLst>
+                        <p:par>
+                          <p:cTn id="44" fill="hold">
+                            <p:stCondLst>
+                              <p:cond delay="0"/>
+                            </p:stCondLst>
+                            <p:childTnLst>
+                              <p:par>
+                                <p:cTn id="45" presetID="9" presetClass="entr" presetSubtype="0" fill="hold" grpId="0" nodeType="clickEffect">
+                                  <p:stCondLst>
+                                    <p:cond delay="0"/>
+                                  </p:stCondLst>
+                                  <p:childTnLst>
+                                    <p:set>
+                                      <p:cBhvr>
+                                        <p:cTn id="46" dur="1" fill="hold">
+                                          <p:stCondLst>
+                                            <p:cond delay="0"/>
+                                          </p:stCondLst>
+                                        </p:cTn>
+                                        <p:tgtEl>
+                                          <p:spTgt spid="3">
+                                            <p:txEl>
+                                              <p:pRg st="8" end="8"/>
+                                            </p:txEl>
+                                          </p:spTgt>
+                                        </p:tgtEl>
+                                        <p:attrNameLst>
+                                          <p:attrName>style.visibility</p:attrName>
+                                        </p:attrNameLst>
+                                      </p:cBhvr>
+                                      <p:to>
+                                        <p:strVal val="visible"/>
+                                      </p:to>
+                                    </p:set>
+                                    <p:animEffect transition="in" filter="dissolve">
+                                      <p:cBhvr>
+                                        <p:cTn id="47" dur="500"/>
+                                        <p:tgtEl>
+                                          <p:spTgt spid="3">
+                                            <p:txEl>
+                                              <p:pRg st="8" end="8"/>
+                                            </p:txEl>
+                                          </p:spTgt>
+                                        </p:tgtEl>
+                                      </p:cBhvr>
+                                    </p:animEffect>
+                                  </p:childTnLst>
+                                </p:cTn>
+                              </p:par>
+                            </p:childTnLst>
+                          </p:cTn>
+                        </p:par>
+                      </p:childTnLst>
+                    </p:cTn>
+                  </p:par>
+                  <p:par>
+                    <p:cTn id="48" fill="hold">
+                      <p:stCondLst>
+                        <p:cond delay="indefinite"/>
+                      </p:stCondLst>
+                      <p:childTnLst>
+                        <p:par>
+                          <p:cTn id="49" fill="hold">
+                            <p:stCondLst>
+                              <p:cond delay="0"/>
+                            </p:stCondLst>
+                            <p:childTnLst>
+                              <p:par>
+                                <p:cTn id="50" presetID="9" presetClass="entr" presetSubtype="0" fill="hold" grpId="0" nodeType="clickEffect">
+                                  <p:stCondLst>
+                                    <p:cond delay="0"/>
+                                  </p:stCondLst>
+                                  <p:childTnLst>
+                                    <p:set>
+                                      <p:cBhvr>
+                                        <p:cTn id="51" dur="1" fill="hold">
+                                          <p:stCondLst>
+                                            <p:cond delay="0"/>
+                                          </p:stCondLst>
+                                        </p:cTn>
+                                        <p:tgtEl>
+                                          <p:spTgt spid="3">
+                                            <p:txEl>
+                                              <p:pRg st="9" end="9"/>
+                                            </p:txEl>
+                                          </p:spTgt>
+                                        </p:tgtEl>
+                                        <p:attrNameLst>
+                                          <p:attrName>style.visibility</p:attrName>
+                                        </p:attrNameLst>
+                                      </p:cBhvr>
+                                      <p:to>
+                                        <p:strVal val="visible"/>
+                                      </p:to>
+                                    </p:set>
+                                    <p:animEffect transition="in" filter="dissolve">
+                                      <p:cBhvr>
+                                        <p:cTn id="52" dur="500"/>
+                                        <p:tgtEl>
+                                          <p:spTgt spid="3">
+                                            <p:txEl>
+                                              <p:pRg st="9" end="9"/>
                                             </p:txEl>
                                           </p:spTgt>
                                         </p:tgtEl>

--- a/programacao-funcional-java8.pptx
+++ b/programacao-funcional-java8.pptx
@@ -6299,13 +6299,76 @@
               </a:rPr>
             </a:br>
             <a:r>
+              <a:rPr lang="pt-BR" b="1" dirty="0" err="1">
+                <a:solidFill>
+                  <a:schemeClr val="bg1"/>
+                </a:solidFill>
+              </a:rPr>
+              <a:t>http</a:t>
+            </a:r>
+            <a:r>
               <a:rPr lang="pt-BR" b="1" dirty="0">
                 <a:solidFill>
                   <a:schemeClr val="bg1"/>
                 </a:solidFill>
-                <a:hlinkClick r:id="rId3"/>
               </a:rPr>
-              <a:t>https://git.io/Je3Uo</a:t>
+              <a:t>://</a:t>
+            </a:r>
+            <a:r>
+              <a:rPr lang="pt-BR" b="1" dirty="0" err="1">
+                <a:solidFill>
+                  <a:schemeClr val="bg1"/>
+                </a:solidFill>
+              </a:rPr>
+              <a:t>github.com</a:t>
+            </a:r>
+            <a:r>
+              <a:rPr lang="pt-BR" b="1" dirty="0">
+                <a:solidFill>
+                  <a:schemeClr val="bg1"/>
+                </a:solidFill>
+              </a:rPr>
+              <a:t>/</a:t>
+            </a:r>
+            <a:r>
+              <a:rPr lang="pt-BR" b="1" dirty="0" err="1">
+                <a:solidFill>
+                  <a:schemeClr val="bg1"/>
+                </a:solidFill>
+              </a:rPr>
+              <a:t>manoelcampos</a:t>
+            </a:r>
+            <a:r>
+              <a:rPr lang="pt-BR" b="1" dirty="0">
+                <a:solidFill>
+                  <a:schemeClr val="bg1"/>
+                </a:solidFill>
+              </a:rPr>
+              <a:t>/</a:t>
+            </a:r>
+            <a:r>
+              <a:rPr lang="pt-BR" b="1" dirty="0" err="1">
+                <a:solidFill>
+                  <a:schemeClr val="bg1"/>
+                </a:solidFill>
+              </a:rPr>
+              <a:t>programacao</a:t>
+            </a:r>
+            <a:r>
+              <a:rPr lang="pt-BR" b="1" dirty="0">
+                <a:solidFill>
+                  <a:schemeClr val="bg1"/>
+                </a:solidFill>
+              </a:rPr>
+              <a:t>-funcional-</a:t>
+            </a:r>
+            <a:r>
+              <a:rPr lang="pt-BR" b="1" dirty="0" err="1">
+                <a:solidFill>
+                  <a:schemeClr val="bg1"/>
+                </a:solidFill>
+              </a:rPr>
+              <a:t>java</a:t>
             </a:r>
             <a:r>
               <a:rPr lang="pt-BR" b="1" dirty="0">
@@ -6315,6 +6378,13 @@
               </a:rPr>
               <a:t> </a:t>
             </a:r>
+          </a:p>
+          <a:p>
+            <a:endParaRPr lang="pt-BR" b="1" dirty="0">
+              <a:solidFill>
+                <a:schemeClr val="bg1"/>
+              </a:solidFill>
+            </a:endParaRPr>
           </a:p>
         </p:txBody>
       </p:sp>

--- a/programacao-funcional-java8.pptx
+++ b/programacao-funcional-java8.pptx
@@ -216,7 +216,7 @@
           <a:p>
             <a:fld id="{7497B6E1-7C5B-524D-B5EB-5E6695205380}" type="datetimeFigureOut">
               <a:rPr lang="pt-BR" smtClean="0"/>
-              <a:t>19/09/2019</a:t>
+              <a:t>09/10/2019</a:t>
             </a:fld>
             <a:endParaRPr lang="pt-BR"/>
           </a:p>
@@ -654,7 +654,7 @@
           <a:p>
             <a:fld id="{19E7D63B-43B5-8A4C-BD12-76889BE136BD}" type="datetime1">
               <a:rPr lang="en-US" smtClean="0"/>
-              <a:t>9/19/19</a:t>
+              <a:t>10/9/19</a:t>
             </a:fld>
             <a:endParaRPr lang="en-US" dirty="0"/>
           </a:p>
@@ -921,7 +921,7 @@
           <a:p>
             <a:fld id="{124E9894-F119-A64C-B7CB-D7CE860A73BE}" type="datetime1">
               <a:rPr lang="en-US" smtClean="0"/>
-              <a:t>9/19/19</a:t>
+              <a:t>10/9/19</a:t>
             </a:fld>
             <a:endParaRPr lang="en-US" dirty="0"/>
           </a:p>
@@ -1153,7 +1153,7 @@
           <a:p>
             <a:fld id="{124E9894-F119-A64C-B7CB-D7CE860A73BE}" type="datetime1">
               <a:rPr lang="en-US" smtClean="0"/>
-              <a:t>9/19/19</a:t>
+              <a:t>10/9/19</a:t>
             </a:fld>
             <a:endParaRPr lang="en-US" dirty="0"/>
           </a:p>
@@ -1464,7 +1464,7 @@
           <a:p>
             <a:fld id="{124E9894-F119-A64C-B7CB-D7CE860A73BE}" type="datetime1">
               <a:rPr lang="en-US" smtClean="0"/>
-              <a:t>9/19/19</a:t>
+              <a:t>10/9/19</a:t>
             </a:fld>
             <a:endParaRPr lang="en-US" dirty="0"/>
           </a:p>
@@ -1938,7 +1938,7 @@
           <a:p>
             <a:fld id="{B4BBB50B-BAA3-9748-978F-08A7877AB7D9}" type="datetime1">
               <a:rPr lang="en-US" smtClean="0"/>
-              <a:t>9/19/19</a:t>
+              <a:t>10/9/19</a:t>
             </a:fld>
             <a:endParaRPr lang="en-US" dirty="0"/>
           </a:p>
@@ -2485,7 +2485,7 @@
           <a:p>
             <a:fld id="{124E9894-F119-A64C-B7CB-D7CE860A73BE}" type="datetime1">
               <a:rPr lang="en-US" smtClean="0"/>
-              <a:t>9/19/19</a:t>
+              <a:t>10/9/19</a:t>
             </a:fld>
             <a:endParaRPr lang="en-US" dirty="0"/>
           </a:p>
@@ -3260,7 +3260,7 @@
           <a:p>
             <a:fld id="{124E9894-F119-A64C-B7CB-D7CE860A73BE}" type="datetime1">
               <a:rPr lang="en-US" smtClean="0"/>
-              <a:t>9/19/19</a:t>
+              <a:t>10/9/19</a:t>
             </a:fld>
             <a:endParaRPr lang="en-US" dirty="0"/>
           </a:p>
@@ -3436,7 +3436,7 @@
           <a:p>
             <a:fld id="{45040DEA-CE02-EF42-8F10-34F709D8505D}" type="datetime1">
               <a:rPr lang="en-US" smtClean="0"/>
-              <a:t>9/19/19</a:t>
+              <a:t>10/9/19</a:t>
             </a:fld>
             <a:endParaRPr lang="en-US" dirty="0"/>
           </a:p>
@@ -3659,7 +3659,7 @@
           <a:p>
             <a:fld id="{A0C1C801-5706-434E-AB65-DDFBCF1F55D2}" type="datetime1">
               <a:rPr lang="en-US" smtClean="0"/>
-              <a:t>9/19/19</a:t>
+              <a:t>10/9/19</a:t>
             </a:fld>
             <a:endParaRPr lang="en-US" dirty="0"/>
           </a:p>
@@ -3839,7 +3839,7 @@
           <a:p>
             <a:fld id="{39AE0FD8-7D7B-EA4F-8AF8-8B97820A0C5D}" type="datetime1">
               <a:rPr lang="en-US" smtClean="0"/>
-              <a:t>9/19/19</a:t>
+              <a:t>10/9/19</a:t>
             </a:fld>
             <a:endParaRPr lang="en-US" dirty="0"/>
           </a:p>
@@ -4128,7 +4128,7 @@
           <a:p>
             <a:fld id="{7FC94D43-3F68-DC43-8EF0-95FB3D51CCCF}" type="datetime1">
               <a:rPr lang="en-US" smtClean="0"/>
-              <a:t>9/19/19</a:t>
+              <a:t>10/9/19</a:t>
             </a:fld>
             <a:endParaRPr lang="en-US" dirty="0"/>
           </a:p>
@@ -4370,7 +4370,7 @@
           <a:p>
             <a:fld id="{BD42CFC2-1CE8-9045-8C9C-0F183F0FB455}" type="datetime1">
               <a:rPr lang="en-US" smtClean="0"/>
-              <a:t>9/19/19</a:t>
+              <a:t>10/9/19</a:t>
             </a:fld>
             <a:endParaRPr lang="en-US" dirty="0"/>
           </a:p>
@@ -4749,7 +4749,7 @@
           <a:p>
             <a:fld id="{F1B5C6E2-D044-C748-9C41-86C9B2F84EB9}" type="datetime1">
               <a:rPr lang="en-US" smtClean="0"/>
-              <a:t>9/19/19</a:t>
+              <a:t>10/9/19</a:t>
             </a:fld>
             <a:endParaRPr lang="en-US" dirty="0"/>
           </a:p>
@@ -4867,7 +4867,7 @@
           <a:p>
             <a:fld id="{359C32BA-C166-AC45-9FCD-8BF0F43629D9}" type="datetime1">
               <a:rPr lang="en-US" smtClean="0"/>
-              <a:t>9/19/19</a:t>
+              <a:t>10/9/19</a:t>
             </a:fld>
             <a:endParaRPr lang="en-US" dirty="0"/>
           </a:p>
@@ -4962,7 +4962,7 @@
           <a:p>
             <a:fld id="{E5D0D591-4B92-A44B-A0EA-798E76AD0368}" type="datetime1">
               <a:rPr lang="en-US" smtClean="0"/>
-              <a:t>9/19/19</a:t>
+              <a:t>10/9/19</a:t>
             </a:fld>
             <a:endParaRPr lang="en-US" dirty="0"/>
           </a:p>
@@ -5211,7 +5211,7 @@
           <a:p>
             <a:fld id="{8201F472-E17F-4B47-A44B-A2249FA27ED2}" type="datetime1">
               <a:rPr lang="en-US" smtClean="0"/>
-              <a:t>9/19/19</a:t>
+              <a:t>10/9/19</a:t>
             </a:fld>
             <a:endParaRPr lang="en-US" dirty="0"/>
           </a:p>
@@ -5468,7 +5468,7 @@
           <a:p>
             <a:fld id="{8BEFB9EE-CDF2-6F49-80F4-278D1604F10C}" type="datetime1">
               <a:rPr lang="en-US" smtClean="0"/>
-              <a:t>9/19/19</a:t>
+              <a:t>10/9/19</a:t>
             </a:fld>
             <a:endParaRPr lang="en-US" dirty="0"/>
           </a:p>
@@ -5714,7 +5714,7 @@
           <a:p>
             <a:fld id="{124E9894-F119-A64C-B7CB-D7CE860A73BE}" type="datetime1">
               <a:rPr lang="en-US" smtClean="0"/>
-              <a:t>9/19/19</a:t>
+              <a:t>10/9/19</a:t>
             </a:fld>
             <a:endParaRPr lang="en-US" dirty="0"/>
           </a:p>
@@ -8525,12 +8525,12 @@
         <p:spPr>
           <a:xfrm>
             <a:off x="1032164" y="1648133"/>
-            <a:ext cx="3207267" cy="4115358"/>
+            <a:ext cx="4293498" cy="4115358"/>
           </a:xfrm>
         </p:spPr>
         <p:txBody>
           <a:bodyPr>
-            <a:normAutofit/>
+            <a:normAutofit fontScale="77500" lnSpcReduction="20000"/>
           </a:bodyPr>
           <a:lstStyle/>
           <a:p>
@@ -8544,7 +8544,17 @@
               <a:rPr lang="pt-BR" sz="4000" dirty="0" err="1"/>
               <a:t>Consumer</a:t>
             </a:r>
-            <a:endParaRPr lang="pt-BR" sz="4000" dirty="0"/>
+            <a:r>
+              <a:rPr lang="pt-BR" sz="4000" dirty="0"/>
+              <a:t> </a:t>
+            </a:r>
+            <a:br>
+              <a:rPr lang="pt-BR" sz="4000" dirty="0"/>
+            </a:br>
+            <a:r>
+              <a:rPr lang="pt-BR" sz="2100" dirty="0"/>
+              <a:t>(egoísta: recebe algo e não dá nada em troca)</a:t>
+            </a:r>
           </a:p>
           <a:p>
             <a:pPr marL="0" indent="0">
@@ -8557,7 +8567,17 @@
               <a:rPr lang="pt-BR" sz="4000" dirty="0" err="1"/>
               <a:t>BiConsumer</a:t>
             </a:r>
-            <a:endParaRPr lang="pt-BR" sz="4000" dirty="0"/>
+            <a:r>
+              <a:rPr lang="pt-BR" sz="4000" dirty="0"/>
+              <a:t> </a:t>
+            </a:r>
+            <a:br>
+              <a:rPr lang="pt-BR" sz="4000" dirty="0"/>
+            </a:br>
+            <a:r>
+              <a:rPr lang="pt-BR" sz="2100" dirty="0"/>
+              <a:t>(egoísta: recebe em dobro e não dá nada em troca)</a:t>
+            </a:r>
           </a:p>
           <a:p>
             <a:pPr marL="0" indent="0">
@@ -8566,20 +8586,21 @@
               </a:lnSpc>
               <a:buNone/>
             </a:pPr>
-            <a:endParaRPr lang="pt-BR" sz="1400" dirty="0"/>
-          </a:p>
-          <a:p>
-            <a:pPr marL="0" indent="0">
-              <a:lnSpc>
-                <a:spcPct val="150000"/>
-              </a:lnSpc>
-              <a:buNone/>
-            </a:pPr>
             <a:r>
               <a:rPr lang="pt-BR" sz="4000" dirty="0" err="1"/>
               <a:t>Supplier</a:t>
             </a:r>
-            <a:endParaRPr lang="pt-BR" sz="4000" dirty="0"/>
+            <a:r>
+              <a:rPr lang="pt-BR" sz="4000" dirty="0"/>
+              <a:t> </a:t>
+            </a:r>
+            <a:br>
+              <a:rPr lang="pt-BR" sz="4000" dirty="0"/>
+            </a:br>
+            <a:r>
+              <a:rPr lang="pt-BR" sz="2100" dirty="0"/>
+              <a:t>(altruísta: dá algo sem pedir nada em troca)</a:t>
+            </a:r>
           </a:p>
         </p:txBody>
       </p:sp>
@@ -8870,8 +8891,8 @@
         </p:nvSpPr>
         <p:spPr>
           <a:xfrm>
-            <a:off x="8452666" y="1743002"/>
-            <a:ext cx="3293913" cy="3488312"/>
+            <a:off x="8809125" y="1743002"/>
+            <a:ext cx="2731300" cy="3488312"/>
           </a:xfrm>
           <a:prstGeom prst="rect">
             <a:avLst/>
@@ -9084,7 +9105,7 @@
         </p:nvSpPr>
         <p:spPr>
           <a:xfrm>
-            <a:off x="4843597" y="1743002"/>
+            <a:off x="5773492" y="1743002"/>
             <a:ext cx="2731300" cy="3488312"/>
           </a:xfrm>
           <a:prstGeom prst="rect">
@@ -9318,7 +9339,7 @@
         </p:blipFill>
         <p:spPr>
           <a:xfrm>
-            <a:off x="5502630" y="2556455"/>
+            <a:off x="6432525" y="2556455"/>
             <a:ext cx="1440668" cy="1420658"/>
           </a:xfrm>
           <a:prstGeom prst="rect">
@@ -9348,7 +9369,7 @@
         </p:blipFill>
         <p:spPr>
           <a:xfrm>
-            <a:off x="5502631" y="4702862"/>
+            <a:off x="6432526" y="4702862"/>
             <a:ext cx="1440667" cy="1420658"/>
           </a:xfrm>
           <a:prstGeom prst="rect">
@@ -9378,7 +9399,7 @@
         </p:blipFill>
         <p:spPr>
           <a:xfrm>
-            <a:off x="8945995" y="3067855"/>
+            <a:off x="9302453" y="3067855"/>
             <a:ext cx="1587500" cy="711200"/>
           </a:xfrm>
           <a:prstGeom prst="rect">
@@ -9402,7 +9423,7 @@
         </p:nvCxnSpPr>
         <p:spPr>
           <a:xfrm>
-            <a:off x="9739745" y="2603908"/>
+            <a:off x="10096203" y="2603908"/>
             <a:ext cx="0" cy="463947"/>
           </a:xfrm>
           <a:prstGeom prst="straightConnector1">
@@ -9713,469 +9734,6 @@
   <p:clrMapOvr>
     <a:masterClrMapping/>
   </p:clrMapOvr>
-  <p:timing>
-    <p:tnLst>
-      <p:par>
-        <p:cTn id="1" dur="indefinite" restart="never" nodeType="tmRoot">
-          <p:childTnLst>
-            <p:seq concurrent="1" nextAc="seek">
-              <p:cTn id="2" dur="indefinite" nodeType="mainSeq">
-                <p:childTnLst>
-                  <p:par>
-                    <p:cTn id="3" fill="hold">
-                      <p:stCondLst>
-                        <p:cond delay="indefinite"/>
-                      </p:stCondLst>
-                      <p:childTnLst>
-                        <p:par>
-                          <p:cTn id="4" fill="hold">
-                            <p:stCondLst>
-                              <p:cond delay="0"/>
-                            </p:stCondLst>
-                            <p:childTnLst>
-                              <p:par>
-                                <p:cTn id="5" presetID="9" presetClass="entr" presetSubtype="0" fill="hold" grpId="0" nodeType="clickEffect">
-                                  <p:stCondLst>
-                                    <p:cond delay="0"/>
-                                  </p:stCondLst>
-                                  <p:childTnLst>
-                                    <p:set>
-                                      <p:cBhvr>
-                                        <p:cTn id="6" dur="1" fill="hold">
-                                          <p:stCondLst>
-                                            <p:cond delay="0"/>
-                                          </p:stCondLst>
-                                        </p:cTn>
-                                        <p:tgtEl>
-                                          <p:spTgt spid="3">
-                                            <p:txEl>
-                                              <p:pRg st="0" end="0"/>
-                                            </p:txEl>
-                                          </p:spTgt>
-                                        </p:tgtEl>
-                                        <p:attrNameLst>
-                                          <p:attrName>style.visibility</p:attrName>
-                                        </p:attrNameLst>
-                                      </p:cBhvr>
-                                      <p:to>
-                                        <p:strVal val="visible"/>
-                                      </p:to>
-                                    </p:set>
-                                    <p:animEffect transition="in" filter="dissolve">
-                                      <p:cBhvr>
-                                        <p:cTn id="7" dur="500"/>
-                                        <p:tgtEl>
-                                          <p:spTgt spid="3">
-                                            <p:txEl>
-                                              <p:pRg st="0" end="0"/>
-                                            </p:txEl>
-                                          </p:spTgt>
-                                        </p:tgtEl>
-                                      </p:cBhvr>
-                                    </p:animEffect>
-                                  </p:childTnLst>
-                                </p:cTn>
-                              </p:par>
-                            </p:childTnLst>
-                          </p:cTn>
-                        </p:par>
-                      </p:childTnLst>
-                    </p:cTn>
-                  </p:par>
-                  <p:par>
-                    <p:cTn id="8" fill="hold">
-                      <p:stCondLst>
-                        <p:cond delay="indefinite"/>
-                      </p:stCondLst>
-                      <p:childTnLst>
-                        <p:par>
-                          <p:cTn id="9" fill="hold">
-                            <p:stCondLst>
-                              <p:cond delay="0"/>
-                            </p:stCondLst>
-                            <p:childTnLst>
-                              <p:par>
-                                <p:cTn id="10" presetID="9" presetClass="entr" presetSubtype="0" fill="hold" grpId="0" nodeType="clickEffect">
-                                  <p:stCondLst>
-                                    <p:cond delay="0"/>
-                                  </p:stCondLst>
-                                  <p:childTnLst>
-                                    <p:set>
-                                      <p:cBhvr>
-                                        <p:cTn id="11" dur="1" fill="hold">
-                                          <p:stCondLst>
-                                            <p:cond delay="0"/>
-                                          </p:stCondLst>
-                                        </p:cTn>
-                                        <p:tgtEl>
-                                          <p:spTgt spid="3">
-                                            <p:txEl>
-                                              <p:pRg st="1" end="1"/>
-                                            </p:txEl>
-                                          </p:spTgt>
-                                        </p:tgtEl>
-                                        <p:attrNameLst>
-                                          <p:attrName>style.visibility</p:attrName>
-                                        </p:attrNameLst>
-                                      </p:cBhvr>
-                                      <p:to>
-                                        <p:strVal val="visible"/>
-                                      </p:to>
-                                    </p:set>
-                                    <p:animEffect transition="in" filter="dissolve">
-                                      <p:cBhvr>
-                                        <p:cTn id="12" dur="500"/>
-                                        <p:tgtEl>
-                                          <p:spTgt spid="3">
-                                            <p:txEl>
-                                              <p:pRg st="1" end="1"/>
-                                            </p:txEl>
-                                          </p:spTgt>
-                                        </p:tgtEl>
-                                      </p:cBhvr>
-                                    </p:animEffect>
-                                  </p:childTnLst>
-                                </p:cTn>
-                              </p:par>
-                            </p:childTnLst>
-                          </p:cTn>
-                        </p:par>
-                      </p:childTnLst>
-                    </p:cTn>
-                  </p:par>
-                  <p:par>
-                    <p:cTn id="13" fill="hold">
-                      <p:stCondLst>
-                        <p:cond delay="indefinite"/>
-                      </p:stCondLst>
-                      <p:childTnLst>
-                        <p:par>
-                          <p:cTn id="14" fill="hold">
-                            <p:stCondLst>
-                              <p:cond delay="0"/>
-                            </p:stCondLst>
-                            <p:childTnLst>
-                              <p:par>
-                                <p:cTn id="15" presetID="9" presetClass="entr" presetSubtype="0" fill="hold" grpId="0" nodeType="clickEffect">
-                                  <p:stCondLst>
-                                    <p:cond delay="0"/>
-                                  </p:stCondLst>
-                                  <p:childTnLst>
-                                    <p:set>
-                                      <p:cBhvr>
-                                        <p:cTn id="16" dur="1" fill="hold">
-                                          <p:stCondLst>
-                                            <p:cond delay="0"/>
-                                          </p:stCondLst>
-                                        </p:cTn>
-                                        <p:tgtEl>
-                                          <p:spTgt spid="3">
-                                            <p:txEl>
-                                              <p:pRg st="3" end="3"/>
-                                            </p:txEl>
-                                          </p:spTgt>
-                                        </p:tgtEl>
-                                        <p:attrNameLst>
-                                          <p:attrName>style.visibility</p:attrName>
-                                        </p:attrNameLst>
-                                      </p:cBhvr>
-                                      <p:to>
-                                        <p:strVal val="visible"/>
-                                      </p:to>
-                                    </p:set>
-                                    <p:animEffect transition="in" filter="dissolve">
-                                      <p:cBhvr>
-                                        <p:cTn id="17" dur="500"/>
-                                        <p:tgtEl>
-                                          <p:spTgt spid="3">
-                                            <p:txEl>
-                                              <p:pRg st="3" end="3"/>
-                                            </p:txEl>
-                                          </p:spTgt>
-                                        </p:tgtEl>
-                                      </p:cBhvr>
-                                    </p:animEffect>
-                                  </p:childTnLst>
-                                </p:cTn>
-                              </p:par>
-                            </p:childTnLst>
-                          </p:cTn>
-                        </p:par>
-                      </p:childTnLst>
-                    </p:cTn>
-                  </p:par>
-                  <p:par>
-                    <p:cTn id="18" fill="hold">
-                      <p:stCondLst>
-                        <p:cond delay="indefinite"/>
-                      </p:stCondLst>
-                      <p:childTnLst>
-                        <p:par>
-                          <p:cTn id="19" fill="hold">
-                            <p:stCondLst>
-                              <p:cond delay="0"/>
-                            </p:stCondLst>
-                            <p:childTnLst>
-                              <p:par>
-                                <p:cTn id="20" presetID="9" presetClass="entr" presetSubtype="0" fill="hold" grpId="0" nodeType="clickEffect">
-                                  <p:stCondLst>
-                                    <p:cond delay="0"/>
-                                  </p:stCondLst>
-                                  <p:childTnLst>
-                                    <p:set>
-                                      <p:cBhvr>
-                                        <p:cTn id="21" dur="1" fill="hold">
-                                          <p:stCondLst>
-                                            <p:cond delay="0"/>
-                                          </p:stCondLst>
-                                        </p:cTn>
-                                        <p:tgtEl>
-                                          <p:spTgt spid="11">
-                                            <p:txEl>
-                                              <p:pRg st="0" end="0"/>
-                                            </p:txEl>
-                                          </p:spTgt>
-                                        </p:tgtEl>
-                                        <p:attrNameLst>
-                                          <p:attrName>style.visibility</p:attrName>
-                                        </p:attrNameLst>
-                                      </p:cBhvr>
-                                      <p:to>
-                                        <p:strVal val="visible"/>
-                                      </p:to>
-                                    </p:set>
-                                    <p:animEffect transition="in" filter="dissolve">
-                                      <p:cBhvr>
-                                        <p:cTn id="22" dur="500"/>
-                                        <p:tgtEl>
-                                          <p:spTgt spid="11">
-                                            <p:txEl>
-                                              <p:pRg st="0" end="0"/>
-                                            </p:txEl>
-                                          </p:spTgt>
-                                        </p:tgtEl>
-                                      </p:cBhvr>
-                                    </p:animEffect>
-                                  </p:childTnLst>
-                                </p:cTn>
-                              </p:par>
-                            </p:childTnLst>
-                          </p:cTn>
-                        </p:par>
-                      </p:childTnLst>
-                    </p:cTn>
-                  </p:par>
-                  <p:par>
-                    <p:cTn id="23" fill="hold">
-                      <p:stCondLst>
-                        <p:cond delay="indefinite"/>
-                      </p:stCondLst>
-                      <p:childTnLst>
-                        <p:par>
-                          <p:cTn id="24" fill="hold">
-                            <p:stCondLst>
-                              <p:cond delay="0"/>
-                            </p:stCondLst>
-                            <p:childTnLst>
-                              <p:par>
-                                <p:cTn id="25" presetID="9" presetClass="entr" presetSubtype="0" fill="hold" grpId="0" nodeType="clickEffect">
-                                  <p:stCondLst>
-                                    <p:cond delay="0"/>
-                                  </p:stCondLst>
-                                  <p:childTnLst>
-                                    <p:set>
-                                      <p:cBhvr>
-                                        <p:cTn id="26" dur="1" fill="hold">
-                                          <p:stCondLst>
-                                            <p:cond delay="0"/>
-                                          </p:stCondLst>
-                                        </p:cTn>
-                                        <p:tgtEl>
-                                          <p:spTgt spid="12">
-                                            <p:txEl>
-                                              <p:pRg st="0" end="0"/>
-                                            </p:txEl>
-                                          </p:spTgt>
-                                        </p:tgtEl>
-                                        <p:attrNameLst>
-                                          <p:attrName>style.visibility</p:attrName>
-                                        </p:attrNameLst>
-                                      </p:cBhvr>
-                                      <p:to>
-                                        <p:strVal val="visible"/>
-                                      </p:to>
-                                    </p:set>
-                                    <p:animEffect transition="in" filter="dissolve">
-                                      <p:cBhvr>
-                                        <p:cTn id="27" dur="500"/>
-                                        <p:tgtEl>
-                                          <p:spTgt spid="12">
-                                            <p:txEl>
-                                              <p:pRg st="0" end="0"/>
-                                            </p:txEl>
-                                          </p:spTgt>
-                                        </p:tgtEl>
-                                      </p:cBhvr>
-                                    </p:animEffect>
-                                  </p:childTnLst>
-                                </p:cTn>
-                              </p:par>
-                            </p:childTnLst>
-                          </p:cTn>
-                        </p:par>
-                      </p:childTnLst>
-                    </p:cTn>
-                  </p:par>
-                  <p:par>
-                    <p:cTn id="28" fill="hold">
-                      <p:stCondLst>
-                        <p:cond delay="indefinite"/>
-                      </p:stCondLst>
-                      <p:childTnLst>
-                        <p:par>
-                          <p:cTn id="29" fill="hold">
-                            <p:stCondLst>
-                              <p:cond delay="0"/>
-                            </p:stCondLst>
-                            <p:childTnLst>
-                              <p:par>
-                                <p:cTn id="30" presetID="9" presetClass="entr" presetSubtype="0" fill="hold" grpId="0" nodeType="clickEffect">
-                                  <p:stCondLst>
-                                    <p:cond delay="0"/>
-                                  </p:stCondLst>
-                                  <p:childTnLst>
-                                    <p:set>
-                                      <p:cBhvr>
-                                        <p:cTn id="31" dur="1" fill="hold">
-                                          <p:stCondLst>
-                                            <p:cond delay="0"/>
-                                          </p:stCondLst>
-                                        </p:cTn>
-                                        <p:tgtEl>
-                                          <p:spTgt spid="22">
-                                            <p:txEl>
-                                              <p:pRg st="0" end="0"/>
-                                            </p:txEl>
-                                          </p:spTgt>
-                                        </p:tgtEl>
-                                        <p:attrNameLst>
-                                          <p:attrName>style.visibility</p:attrName>
-                                        </p:attrNameLst>
-                                      </p:cBhvr>
-                                      <p:to>
-                                        <p:strVal val="visible"/>
-                                      </p:to>
-                                    </p:set>
-                                    <p:animEffect transition="in" filter="dissolve">
-                                      <p:cBhvr>
-                                        <p:cTn id="32" dur="500"/>
-                                        <p:tgtEl>
-                                          <p:spTgt spid="22">
-                                            <p:txEl>
-                                              <p:pRg st="0" end="0"/>
-                                            </p:txEl>
-                                          </p:spTgt>
-                                        </p:tgtEl>
-                                      </p:cBhvr>
-                                    </p:animEffect>
-                                  </p:childTnLst>
-                                </p:cTn>
-                              </p:par>
-                            </p:childTnLst>
-                          </p:cTn>
-                        </p:par>
-                      </p:childTnLst>
-                    </p:cTn>
-                  </p:par>
-                  <p:par>
-                    <p:cTn id="33" fill="hold">
-                      <p:stCondLst>
-                        <p:cond delay="indefinite"/>
-                      </p:stCondLst>
-                      <p:childTnLst>
-                        <p:par>
-                          <p:cTn id="34" fill="hold">
-                            <p:stCondLst>
-                              <p:cond delay="0"/>
-                            </p:stCondLst>
-                            <p:childTnLst>
-                              <p:par>
-                                <p:cTn id="35" presetID="9" presetClass="entr" presetSubtype="0" fill="hold" grpId="0" nodeType="clickEffect">
-                                  <p:stCondLst>
-                                    <p:cond delay="0"/>
-                                  </p:stCondLst>
-                                  <p:childTnLst>
-                                    <p:set>
-                                      <p:cBhvr>
-                                        <p:cTn id="36" dur="1" fill="hold">
-                                          <p:stCondLst>
-                                            <p:cond delay="0"/>
-                                          </p:stCondLst>
-                                        </p:cTn>
-                                        <p:tgtEl>
-                                          <p:spTgt spid="22">
-                                            <p:txEl>
-                                              <p:pRg st="2" end="2"/>
-                                            </p:txEl>
-                                          </p:spTgt>
-                                        </p:tgtEl>
-                                        <p:attrNameLst>
-                                          <p:attrName>style.visibility</p:attrName>
-                                        </p:attrNameLst>
-                                      </p:cBhvr>
-                                      <p:to>
-                                        <p:strVal val="visible"/>
-                                      </p:to>
-                                    </p:set>
-                                    <p:animEffect transition="in" filter="dissolve">
-                                      <p:cBhvr>
-                                        <p:cTn id="37" dur="500"/>
-                                        <p:tgtEl>
-                                          <p:spTgt spid="22">
-                                            <p:txEl>
-                                              <p:pRg st="2" end="2"/>
-                                            </p:txEl>
-                                          </p:spTgt>
-                                        </p:tgtEl>
-                                      </p:cBhvr>
-                                    </p:animEffect>
-                                  </p:childTnLst>
-                                </p:cTn>
-                              </p:par>
-                            </p:childTnLst>
-                          </p:cTn>
-                        </p:par>
-                      </p:childTnLst>
-                    </p:cTn>
-                  </p:par>
-                </p:childTnLst>
-              </p:cTn>
-              <p:prevCondLst>
-                <p:cond evt="onPrev" delay="0">
-                  <p:tgtEl>
-                    <p:sldTgt/>
-                  </p:tgtEl>
-                </p:cond>
-              </p:prevCondLst>
-              <p:nextCondLst>
-                <p:cond evt="onNext" delay="0">
-                  <p:tgtEl>
-                    <p:sldTgt/>
-                  </p:tgtEl>
-                </p:cond>
-              </p:nextCondLst>
-            </p:seq>
-          </p:childTnLst>
-        </p:cTn>
-      </p:par>
-    </p:tnLst>
-    <p:bldLst>
-      <p:bldP spid="3" grpId="0" uiExpand="1" build="p"/>
-      <p:bldP spid="11" grpId="0" uiExpand="1" build="p"/>
-      <p:bldP spid="12" grpId="0" uiExpand="1" build="p"/>
-      <p:bldP spid="22" grpId="0" uiExpand="1" build="p"/>
-    </p:bldLst>
-  </p:timing>
 </p:sld>
 </file>
 

--- a/programacao-funcional-java8.pptx
+++ b/programacao-funcional-java8.pptx
@@ -216,7 +216,7 @@
           <a:p>
             <a:fld id="{7497B6E1-7C5B-524D-B5EB-5E6695205380}" type="datetimeFigureOut">
               <a:rPr lang="pt-BR" smtClean="0"/>
-              <a:t>09/10/2019</a:t>
+              <a:t>10/06/2020</a:t>
             </a:fld>
             <a:endParaRPr lang="pt-BR"/>
           </a:p>
@@ -654,7 +654,7 @@
           <a:p>
             <a:fld id="{19E7D63B-43B5-8A4C-BD12-76889BE136BD}" type="datetime1">
               <a:rPr lang="en-US" smtClean="0"/>
-              <a:t>10/9/19</a:t>
+              <a:t>6/10/20</a:t>
             </a:fld>
             <a:endParaRPr lang="en-US" dirty="0"/>
           </a:p>
@@ -921,7 +921,7 @@
           <a:p>
             <a:fld id="{124E9894-F119-A64C-B7CB-D7CE860A73BE}" type="datetime1">
               <a:rPr lang="en-US" smtClean="0"/>
-              <a:t>10/9/19</a:t>
+              <a:t>6/10/20</a:t>
             </a:fld>
             <a:endParaRPr lang="en-US" dirty="0"/>
           </a:p>
@@ -1153,7 +1153,7 @@
           <a:p>
             <a:fld id="{124E9894-F119-A64C-B7CB-D7CE860A73BE}" type="datetime1">
               <a:rPr lang="en-US" smtClean="0"/>
-              <a:t>10/9/19</a:t>
+              <a:t>6/10/20</a:t>
             </a:fld>
             <a:endParaRPr lang="en-US" dirty="0"/>
           </a:p>
@@ -1464,7 +1464,7 @@
           <a:p>
             <a:fld id="{124E9894-F119-A64C-B7CB-D7CE860A73BE}" type="datetime1">
               <a:rPr lang="en-US" smtClean="0"/>
-              <a:t>10/9/19</a:t>
+              <a:t>6/10/20</a:t>
             </a:fld>
             <a:endParaRPr lang="en-US" dirty="0"/>
           </a:p>
@@ -1938,7 +1938,7 @@
           <a:p>
             <a:fld id="{B4BBB50B-BAA3-9748-978F-08A7877AB7D9}" type="datetime1">
               <a:rPr lang="en-US" smtClean="0"/>
-              <a:t>10/9/19</a:t>
+              <a:t>6/10/20</a:t>
             </a:fld>
             <a:endParaRPr lang="en-US" dirty="0"/>
           </a:p>
@@ -2485,7 +2485,7 @@
           <a:p>
             <a:fld id="{124E9894-F119-A64C-B7CB-D7CE860A73BE}" type="datetime1">
               <a:rPr lang="en-US" smtClean="0"/>
-              <a:t>10/9/19</a:t>
+              <a:t>6/10/20</a:t>
             </a:fld>
             <a:endParaRPr lang="en-US" dirty="0"/>
           </a:p>
@@ -3260,7 +3260,7 @@
           <a:p>
             <a:fld id="{124E9894-F119-A64C-B7CB-D7CE860A73BE}" type="datetime1">
               <a:rPr lang="en-US" smtClean="0"/>
-              <a:t>10/9/19</a:t>
+              <a:t>6/10/20</a:t>
             </a:fld>
             <a:endParaRPr lang="en-US" dirty="0"/>
           </a:p>
@@ -3436,7 +3436,7 @@
           <a:p>
             <a:fld id="{45040DEA-CE02-EF42-8F10-34F709D8505D}" type="datetime1">
               <a:rPr lang="en-US" smtClean="0"/>
-              <a:t>10/9/19</a:t>
+              <a:t>6/10/20</a:t>
             </a:fld>
             <a:endParaRPr lang="en-US" dirty="0"/>
           </a:p>
@@ -3659,7 +3659,7 @@
           <a:p>
             <a:fld id="{A0C1C801-5706-434E-AB65-DDFBCF1F55D2}" type="datetime1">
               <a:rPr lang="en-US" smtClean="0"/>
-              <a:t>10/9/19</a:t>
+              <a:t>6/10/20</a:t>
             </a:fld>
             <a:endParaRPr lang="en-US" dirty="0"/>
           </a:p>
@@ -3839,7 +3839,7 @@
           <a:p>
             <a:fld id="{39AE0FD8-7D7B-EA4F-8AF8-8B97820A0C5D}" type="datetime1">
               <a:rPr lang="en-US" smtClean="0"/>
-              <a:t>10/9/19</a:t>
+              <a:t>6/10/20</a:t>
             </a:fld>
             <a:endParaRPr lang="en-US" dirty="0"/>
           </a:p>
@@ -4128,7 +4128,7 @@
           <a:p>
             <a:fld id="{7FC94D43-3F68-DC43-8EF0-95FB3D51CCCF}" type="datetime1">
               <a:rPr lang="en-US" smtClean="0"/>
-              <a:t>10/9/19</a:t>
+              <a:t>6/10/20</a:t>
             </a:fld>
             <a:endParaRPr lang="en-US" dirty="0"/>
           </a:p>
@@ -4370,7 +4370,7 @@
           <a:p>
             <a:fld id="{BD42CFC2-1CE8-9045-8C9C-0F183F0FB455}" type="datetime1">
               <a:rPr lang="en-US" smtClean="0"/>
-              <a:t>10/9/19</a:t>
+              <a:t>6/10/20</a:t>
             </a:fld>
             <a:endParaRPr lang="en-US" dirty="0"/>
           </a:p>
@@ -4749,7 +4749,7 @@
           <a:p>
             <a:fld id="{F1B5C6E2-D044-C748-9C41-86C9B2F84EB9}" type="datetime1">
               <a:rPr lang="en-US" smtClean="0"/>
-              <a:t>10/9/19</a:t>
+              <a:t>6/10/20</a:t>
             </a:fld>
             <a:endParaRPr lang="en-US" dirty="0"/>
           </a:p>
@@ -4867,7 +4867,7 @@
           <a:p>
             <a:fld id="{359C32BA-C166-AC45-9FCD-8BF0F43629D9}" type="datetime1">
               <a:rPr lang="en-US" smtClean="0"/>
-              <a:t>10/9/19</a:t>
+              <a:t>6/10/20</a:t>
             </a:fld>
             <a:endParaRPr lang="en-US" dirty="0"/>
           </a:p>
@@ -4962,7 +4962,7 @@
           <a:p>
             <a:fld id="{E5D0D591-4B92-A44B-A0EA-798E76AD0368}" type="datetime1">
               <a:rPr lang="en-US" smtClean="0"/>
-              <a:t>10/9/19</a:t>
+              <a:t>6/10/20</a:t>
             </a:fld>
             <a:endParaRPr lang="en-US" dirty="0"/>
           </a:p>
@@ -5211,7 +5211,7 @@
           <a:p>
             <a:fld id="{8201F472-E17F-4B47-A44B-A2249FA27ED2}" type="datetime1">
               <a:rPr lang="en-US" smtClean="0"/>
-              <a:t>10/9/19</a:t>
+              <a:t>6/10/20</a:t>
             </a:fld>
             <a:endParaRPr lang="en-US" dirty="0"/>
           </a:p>
@@ -5468,7 +5468,7 @@
           <a:p>
             <a:fld id="{8BEFB9EE-CDF2-6F49-80F4-278D1604F10C}" type="datetime1">
               <a:rPr lang="en-US" smtClean="0"/>
-              <a:t>10/9/19</a:t>
+              <a:t>6/10/20</a:t>
             </a:fld>
             <a:endParaRPr lang="en-US" dirty="0"/>
           </a:p>
@@ -5714,7 +5714,7 @@
           <a:p>
             <a:fld id="{124E9894-F119-A64C-B7CB-D7CE860A73BE}" type="datetime1">
               <a:rPr lang="en-US" smtClean="0"/>
-              <a:t>10/9/19</a:t>
+              <a:t>6/10/20</a:t>
             </a:fld>
             <a:endParaRPr lang="en-US" dirty="0"/>
           </a:p>
@@ -6299,76 +6299,13 @@
               </a:rPr>
             </a:br>
             <a:r>
-              <a:rPr lang="pt-BR" b="1" dirty="0" err="1">
-                <a:solidFill>
-                  <a:schemeClr val="bg1"/>
-                </a:solidFill>
-              </a:rPr>
-              <a:t>http</a:t>
-            </a:r>
-            <a:r>
               <a:rPr lang="pt-BR" b="1" dirty="0">
                 <a:solidFill>
                   <a:schemeClr val="bg1"/>
                 </a:solidFill>
+                <a:hlinkClick r:id="rId3"/>
               </a:rPr>
-              <a:t>://</a:t>
-            </a:r>
-            <a:r>
-              <a:rPr lang="pt-BR" b="1" dirty="0" err="1">
-                <a:solidFill>
-                  <a:schemeClr val="bg1"/>
-                </a:solidFill>
-              </a:rPr>
-              <a:t>github.com</a:t>
-            </a:r>
-            <a:r>
-              <a:rPr lang="pt-BR" b="1" dirty="0">
-                <a:solidFill>
-                  <a:schemeClr val="bg1"/>
-                </a:solidFill>
-              </a:rPr>
-              <a:t>/</a:t>
-            </a:r>
-            <a:r>
-              <a:rPr lang="pt-BR" b="1" dirty="0" err="1">
-                <a:solidFill>
-                  <a:schemeClr val="bg1"/>
-                </a:solidFill>
-              </a:rPr>
-              <a:t>manoelcampos</a:t>
-            </a:r>
-            <a:r>
-              <a:rPr lang="pt-BR" b="1" dirty="0">
-                <a:solidFill>
-                  <a:schemeClr val="bg1"/>
-                </a:solidFill>
-              </a:rPr>
-              <a:t>/</a:t>
-            </a:r>
-            <a:r>
-              <a:rPr lang="pt-BR" b="1" dirty="0" err="1">
-                <a:solidFill>
-                  <a:schemeClr val="bg1"/>
-                </a:solidFill>
-              </a:rPr>
-              <a:t>programacao</a:t>
-            </a:r>
-            <a:r>
-              <a:rPr lang="pt-BR" b="1" dirty="0">
-                <a:solidFill>
-                  <a:schemeClr val="bg1"/>
-                </a:solidFill>
-              </a:rPr>
-              <a:t>-funcional-</a:t>
-            </a:r>
-            <a:r>
-              <a:rPr lang="pt-BR" b="1" dirty="0" err="1">
-                <a:solidFill>
-                  <a:schemeClr val="bg1"/>
-                </a:solidFill>
-              </a:rPr>
-              <a:t>java</a:t>
+              <a:t>http://github.com/manoelcampos/programacao-funcional-java</a:t>
             </a:r>
             <a:r>
               <a:rPr lang="pt-BR" b="1" dirty="0">
@@ -6449,7 +6386,7 @@
             <a:pPr algn="ctr"/>
             <a:r>
               <a:rPr lang="pt-BR" dirty="0"/>
-              <a:t>Ele É apenas um meio para o fim.</a:t>
+              <a:t>Ele É apenas um meio para um fim.</a:t>
             </a:r>
             <a:br>
               <a:rPr lang="pt-BR" dirty="0"/>
@@ -6625,7 +6562,7 @@
           <a:lstStyle/>
           <a:p>
             <a:r>
-              <a:rPr lang="pt-BR" dirty="0"/>
+              <a:rPr lang="pt-BR" b="1" dirty="0"/>
               <a:t>Processando uma lista</a:t>
             </a:r>
           </a:p>
@@ -6656,7 +6593,15 @@
           <a:p>
             <a:r>
               <a:rPr lang="pt-BR" sz="4000" dirty="0"/>
-              <a:t>E se precisarmos obter estatísticas a respeito de alunos em uma lista, como maior nota, menor nota, total por sexo, etc.?</a:t>
+              <a:t>E se precisarmos obter estatísticas a respeito de alunos em uma lista, como maior nota, menor nota, total por sexo, </a:t>
+            </a:r>
+            <a:r>
+              <a:rPr lang="pt-BR" sz="4000" dirty="0" err="1"/>
+              <a:t>etc</a:t>
+            </a:r>
+            <a:r>
+              <a:rPr lang="pt-BR" sz="4000" dirty="0"/>
+              <a:t>?</a:t>
             </a:r>
           </a:p>
         </p:txBody>
@@ -6742,7 +6687,7 @@
           <a:lstStyle/>
           <a:p>
             <a:r>
-              <a:rPr lang="pt-BR" dirty="0"/>
+              <a:rPr lang="pt-BR" b="1" dirty="0"/>
               <a:t>Processando uma lista</a:t>
             </a:r>
           </a:p>
@@ -7040,7 +6985,7 @@
           <a:lstStyle/>
           <a:p>
             <a:r>
-              <a:rPr lang="pt-BR" dirty="0"/>
+              <a:rPr lang="pt-BR" b="1" dirty="0"/>
               <a:t>O que há de errado?</a:t>
             </a:r>
           </a:p>
@@ -8541,7 +8486,7 @@
               <a:buNone/>
             </a:pPr>
             <a:r>
-              <a:rPr lang="pt-BR" sz="4000" dirty="0" err="1"/>
+              <a:rPr lang="pt-BR" sz="4000" b="1" dirty="0" err="1"/>
               <a:t>Consumer</a:t>
             </a:r>
             <a:r>
@@ -8564,7 +8509,7 @@
               <a:buNone/>
             </a:pPr>
             <a:r>
-              <a:rPr lang="pt-BR" sz="4000" dirty="0" err="1"/>
+              <a:rPr lang="pt-BR" sz="4000" b="1" dirty="0" err="1"/>
               <a:t>BiConsumer</a:t>
             </a:r>
             <a:r>
@@ -8587,7 +8532,7 @@
               <a:buNone/>
             </a:pPr>
             <a:r>
-              <a:rPr lang="pt-BR" sz="4000" dirty="0" err="1"/>
+              <a:rPr lang="pt-BR" sz="4000" b="1" dirty="0" err="1"/>
               <a:t>Supplier</a:t>
             </a:r>
             <a:r>
@@ -9074,10 +9019,10 @@
               <a:buNone/>
             </a:pPr>
             <a:r>
-              <a:rPr lang="pt-BR" sz="4000" dirty="0" err="1"/>
+              <a:rPr lang="pt-BR" sz="4000" b="1" dirty="0" err="1"/>
               <a:t>Predicate</a:t>
             </a:r>
-            <a:endParaRPr lang="pt-BR" sz="2800" dirty="0"/>
+            <a:endParaRPr lang="pt-BR" sz="2800" b="1" dirty="0"/>
           </a:p>
           <a:p>
             <a:pPr>
@@ -9288,10 +9233,10 @@
               <a:buNone/>
             </a:pPr>
             <a:r>
-              <a:rPr lang="pt-BR" sz="4000" dirty="0" err="1"/>
+              <a:rPr lang="pt-BR" sz="4000" b="1" dirty="0" err="1"/>
               <a:t>Function</a:t>
             </a:r>
-            <a:endParaRPr lang="pt-BR" sz="4000" dirty="0"/>
+            <a:endParaRPr lang="pt-BR" sz="4000" b="1" dirty="0"/>
           </a:p>
           <a:p>
             <a:pPr marL="0" indent="0" algn="ctr">
@@ -9310,10 +9255,10 @@
               <a:buNone/>
             </a:pPr>
             <a:r>
-              <a:rPr lang="pt-BR" sz="4000" dirty="0" err="1"/>
+              <a:rPr lang="pt-BR" sz="4000" b="1" dirty="0" err="1"/>
               <a:t>BiFunction</a:t>
             </a:r>
-            <a:endParaRPr lang="pt-BR" sz="4000" dirty="0"/>
+            <a:endParaRPr lang="pt-BR" sz="4000" b="1" dirty="0"/>
           </a:p>
         </p:txBody>
       </p:sp>
@@ -9770,13 +9715,19 @@
             <p:ph type="title"/>
           </p:nvPr>
         </p:nvSpPr>
-        <p:spPr/>
+        <p:spPr>
+          <a:xfrm>
+            <a:off x="1673133" y="1509628"/>
+            <a:ext cx="8610600" cy="1293028"/>
+          </a:xfrm>
+        </p:spPr>
         <p:txBody>
           <a:bodyPr/>
           <a:lstStyle/>
           <a:p>
-            <a:r>
-              <a:rPr lang="pt-BR" dirty="0"/>
+            <a:pPr algn="ctr"/>
+            <a:r>
+              <a:rPr lang="pt-BR" b="1" dirty="0"/>
               <a:t>Para saber mais</a:t>
             </a:r>
           </a:p>
@@ -9798,13 +9749,23 @@
             <p:ph idx="1"/>
           </p:nvPr>
         </p:nvSpPr>
-        <p:spPr/>
-        <p:txBody>
-          <a:bodyPr/>
+        <p:spPr>
+          <a:xfrm>
+            <a:off x="685800" y="3566160"/>
+            <a:ext cx="10820400" cy="2652525"/>
+          </a:xfrm>
+        </p:spPr>
+        <p:txBody>
+          <a:bodyPr>
+            <a:normAutofit/>
+          </a:bodyPr>
           <a:lstStyle/>
           <a:p>
-            <a:r>
-              <a:rPr lang="pt-BR" b="1" dirty="0">
+            <a:pPr marL="0" indent="0" algn="ctr">
+              <a:buNone/>
+            </a:pPr>
+            <a:r>
+              <a:rPr lang="pt-BR" sz="6000" b="1" dirty="0">
                 <a:solidFill>
                   <a:schemeClr val="bg1"/>
                 </a:solidFill>
@@ -9812,7 +9773,7 @@
               </a:rPr>
               <a:t>https://git.io/Je3Uo</a:t>
             </a:r>
-            <a:endParaRPr lang="pt-BR" dirty="0"/>
+            <a:endParaRPr lang="pt-BR" sz="6000" dirty="0"/>
           </a:p>
         </p:txBody>
       </p:sp>
@@ -10201,7 +10162,15 @@
             <a:pPr algn="ctr"/>
             <a:r>
               <a:rPr lang="pt-BR" dirty="0"/>
-              <a:t>Quais os problemas desta loop?</a:t>
+              <a:t>Quais os problemas </a:t>
+            </a:r>
+            <a:r>
+              <a:rPr lang="pt-BR" dirty="0" err="1"/>
+              <a:t>destE</a:t>
+            </a:r>
+            <a:r>
+              <a:rPr lang="pt-BR" dirty="0"/>
+              <a:t> loop?</a:t>
             </a:r>
           </a:p>
         </p:txBody>
@@ -10486,7 +10455,15 @@
             </a:r>
             <a:r>
               <a:rPr lang="en-US" sz="4400" dirty="0"/>
-              <a:t> loop </a:t>
+              <a:t> </a:t>
+            </a:r>
+            <a:r>
+              <a:rPr lang="en-US" sz="4400" i="1" dirty="0"/>
+              <a:t>loop</a:t>
+            </a:r>
+            <a:r>
+              <a:rPr lang="en-US" sz="4400" dirty="0"/>
+              <a:t> </a:t>
             </a:r>
             <a:r>
               <a:rPr lang="en-US" sz="4400" dirty="0" err="1"/>
@@ -10836,7 +10813,15 @@
             <a:pPr algn="ctr"/>
             <a:r>
               <a:rPr lang="pt-BR" dirty="0"/>
-              <a:t>Como podemos simplificar este loop?</a:t>
+              <a:t>Como podemos simplificar este </a:t>
+            </a:r>
+            <a:r>
+              <a:rPr lang="pt-BR" i="1" dirty="0"/>
+              <a:t>loop</a:t>
+            </a:r>
+            <a:r>
+              <a:rPr lang="pt-BR" dirty="0"/>
+              <a:t>?</a:t>
             </a:r>
           </a:p>
         </p:txBody>
@@ -11059,7 +11044,15 @@
             <a:pPr algn="ctr"/>
             <a:r>
               <a:rPr lang="pt-BR" dirty="0"/>
-              <a:t>o loop aqui não é o que desejamos fazer de fato. </a:t>
+              <a:t>o </a:t>
+            </a:r>
+            <a:r>
+              <a:rPr lang="pt-BR" i="1" dirty="0"/>
+              <a:t>loop</a:t>
+            </a:r>
+            <a:r>
+              <a:rPr lang="pt-BR" dirty="0"/>
+              <a:t> aqui não é o que desejamos fazer de fato. </a:t>
             </a:r>
           </a:p>
         </p:txBody>

--- a/programacao-funcional-java8.pptx
+++ b/programacao-funcional-java8.pptx
@@ -216,7 +216,7 @@
           <a:p>
             <a:fld id="{7497B6E1-7C5B-524D-B5EB-5E6695205380}" type="datetimeFigureOut">
               <a:rPr lang="pt-BR" smtClean="0"/>
-              <a:t>10/06/2020</a:t>
+              <a:t>09/07/2021</a:t>
             </a:fld>
             <a:endParaRPr lang="pt-BR"/>
           </a:p>
@@ -654,7 +654,7 @@
           <a:p>
             <a:fld id="{19E7D63B-43B5-8A4C-BD12-76889BE136BD}" type="datetime1">
               <a:rPr lang="en-US" smtClean="0"/>
-              <a:t>6/10/20</a:t>
+              <a:t>7/9/21</a:t>
             </a:fld>
             <a:endParaRPr lang="en-US" dirty="0"/>
           </a:p>
@@ -921,7 +921,7 @@
           <a:p>
             <a:fld id="{124E9894-F119-A64C-B7CB-D7CE860A73BE}" type="datetime1">
               <a:rPr lang="en-US" smtClean="0"/>
-              <a:t>6/10/20</a:t>
+              <a:t>7/9/21</a:t>
             </a:fld>
             <a:endParaRPr lang="en-US" dirty="0"/>
           </a:p>
@@ -1153,7 +1153,7 @@
           <a:p>
             <a:fld id="{124E9894-F119-A64C-B7CB-D7CE860A73BE}" type="datetime1">
               <a:rPr lang="en-US" smtClean="0"/>
-              <a:t>6/10/20</a:t>
+              <a:t>7/9/21</a:t>
             </a:fld>
             <a:endParaRPr lang="en-US" dirty="0"/>
           </a:p>
@@ -1464,7 +1464,7 @@
           <a:p>
             <a:fld id="{124E9894-F119-A64C-B7CB-D7CE860A73BE}" type="datetime1">
               <a:rPr lang="en-US" smtClean="0"/>
-              <a:t>6/10/20</a:t>
+              <a:t>7/9/21</a:t>
             </a:fld>
             <a:endParaRPr lang="en-US" dirty="0"/>
           </a:p>
@@ -1938,7 +1938,7 @@
           <a:p>
             <a:fld id="{B4BBB50B-BAA3-9748-978F-08A7877AB7D9}" type="datetime1">
               <a:rPr lang="en-US" smtClean="0"/>
-              <a:t>6/10/20</a:t>
+              <a:t>7/9/21</a:t>
             </a:fld>
             <a:endParaRPr lang="en-US" dirty="0"/>
           </a:p>
@@ -2485,7 +2485,7 @@
           <a:p>
             <a:fld id="{124E9894-F119-A64C-B7CB-D7CE860A73BE}" type="datetime1">
               <a:rPr lang="en-US" smtClean="0"/>
-              <a:t>6/10/20</a:t>
+              <a:t>7/9/21</a:t>
             </a:fld>
             <a:endParaRPr lang="en-US" dirty="0"/>
           </a:p>
@@ -3260,7 +3260,7 @@
           <a:p>
             <a:fld id="{124E9894-F119-A64C-B7CB-D7CE860A73BE}" type="datetime1">
               <a:rPr lang="en-US" smtClean="0"/>
-              <a:t>6/10/20</a:t>
+              <a:t>7/9/21</a:t>
             </a:fld>
             <a:endParaRPr lang="en-US" dirty="0"/>
           </a:p>
@@ -3436,7 +3436,7 @@
           <a:p>
             <a:fld id="{45040DEA-CE02-EF42-8F10-34F709D8505D}" type="datetime1">
               <a:rPr lang="en-US" smtClean="0"/>
-              <a:t>6/10/20</a:t>
+              <a:t>7/9/21</a:t>
             </a:fld>
             <a:endParaRPr lang="en-US" dirty="0"/>
           </a:p>
@@ -3659,7 +3659,7 @@
           <a:p>
             <a:fld id="{A0C1C801-5706-434E-AB65-DDFBCF1F55D2}" type="datetime1">
               <a:rPr lang="en-US" smtClean="0"/>
-              <a:t>6/10/20</a:t>
+              <a:t>7/9/21</a:t>
             </a:fld>
             <a:endParaRPr lang="en-US" dirty="0"/>
           </a:p>
@@ -3839,7 +3839,7 @@
           <a:p>
             <a:fld id="{39AE0FD8-7D7B-EA4F-8AF8-8B97820A0C5D}" type="datetime1">
               <a:rPr lang="en-US" smtClean="0"/>
-              <a:t>6/10/20</a:t>
+              <a:t>7/9/21</a:t>
             </a:fld>
             <a:endParaRPr lang="en-US" dirty="0"/>
           </a:p>
@@ -4128,7 +4128,7 @@
           <a:p>
             <a:fld id="{7FC94D43-3F68-DC43-8EF0-95FB3D51CCCF}" type="datetime1">
               <a:rPr lang="en-US" smtClean="0"/>
-              <a:t>6/10/20</a:t>
+              <a:t>7/9/21</a:t>
             </a:fld>
             <a:endParaRPr lang="en-US" dirty="0"/>
           </a:p>
@@ -4370,7 +4370,7 @@
           <a:p>
             <a:fld id="{BD42CFC2-1CE8-9045-8C9C-0F183F0FB455}" type="datetime1">
               <a:rPr lang="en-US" smtClean="0"/>
-              <a:t>6/10/20</a:t>
+              <a:t>7/9/21</a:t>
             </a:fld>
             <a:endParaRPr lang="en-US" dirty="0"/>
           </a:p>
@@ -4749,7 +4749,7 @@
           <a:p>
             <a:fld id="{F1B5C6E2-D044-C748-9C41-86C9B2F84EB9}" type="datetime1">
               <a:rPr lang="en-US" smtClean="0"/>
-              <a:t>6/10/20</a:t>
+              <a:t>7/9/21</a:t>
             </a:fld>
             <a:endParaRPr lang="en-US" dirty="0"/>
           </a:p>
@@ -4867,7 +4867,7 @@
           <a:p>
             <a:fld id="{359C32BA-C166-AC45-9FCD-8BF0F43629D9}" type="datetime1">
               <a:rPr lang="en-US" smtClean="0"/>
-              <a:t>6/10/20</a:t>
+              <a:t>7/9/21</a:t>
             </a:fld>
             <a:endParaRPr lang="en-US" dirty="0"/>
           </a:p>
@@ -4962,7 +4962,7 @@
           <a:p>
             <a:fld id="{E5D0D591-4B92-A44B-A0EA-798E76AD0368}" type="datetime1">
               <a:rPr lang="en-US" smtClean="0"/>
-              <a:t>6/10/20</a:t>
+              <a:t>7/9/21</a:t>
             </a:fld>
             <a:endParaRPr lang="en-US" dirty="0"/>
           </a:p>
@@ -5211,7 +5211,7 @@
           <a:p>
             <a:fld id="{8201F472-E17F-4B47-A44B-A2249FA27ED2}" type="datetime1">
               <a:rPr lang="en-US" smtClean="0"/>
-              <a:t>6/10/20</a:t>
+              <a:t>7/9/21</a:t>
             </a:fld>
             <a:endParaRPr lang="en-US" dirty="0"/>
           </a:p>
@@ -5468,7 +5468,7 @@
           <a:p>
             <a:fld id="{8BEFB9EE-CDF2-6F49-80F4-278D1604F10C}" type="datetime1">
               <a:rPr lang="en-US" smtClean="0"/>
-              <a:t>6/10/20</a:t>
+              <a:t>7/9/21</a:t>
             </a:fld>
             <a:endParaRPr lang="en-US" dirty="0"/>
           </a:p>
@@ -5714,7 +5714,7 @@
           <a:p>
             <a:fld id="{124E9894-F119-A64C-B7CB-D7CE860A73BE}" type="datetime1">
               <a:rPr lang="en-US" smtClean="0"/>
-              <a:t>6/10/20</a:t>
+              <a:t>7/9/21</a:t>
             </a:fld>
             <a:endParaRPr lang="en-US" dirty="0"/>
           </a:p>
@@ -10491,20 +10491,34 @@
             </a:pPr>
             <a:r>
               <a:rPr lang="en-US" sz="4400" dirty="0"/>
-              <a:t>The Art of Simplicity. </a:t>
+              <a:t>A </a:t>
+            </a:r>
+            <a:r>
+              <a:rPr lang="en-US" sz="4400" dirty="0" err="1"/>
+              <a:t>Arte</a:t>
+            </a:r>
+            <a:r>
+              <a:rPr lang="en-US" sz="4400" dirty="0"/>
+              <a:t> da </a:t>
+            </a:r>
+            <a:r>
+              <a:rPr lang="en-US" sz="4400" dirty="0" err="1"/>
+              <a:t>Simplicidade</a:t>
+            </a:r>
+            <a:r>
+              <a:rPr lang="en-US" sz="4400" dirty="0"/>
+              <a:t> </a:t>
             </a:r>
             <a:r>
               <a:rPr lang="en-US" sz="4400" dirty="0">
                 <a:hlinkClick r:id="rId2"/>
               </a:rPr>
-              <a:t>https://youtu.be/AKwYmCnYD8c</a:t>
+              <a:t>https://youtu.be/6nghH0D9_Fg</a:t>
             </a:r>
             <a:r>
               <a:rPr lang="en-US" sz="4400" dirty="0"/>
               <a:t> </a:t>
             </a:r>
-          </a:p>
-          <a:p>
             <a:endParaRPr lang="pt-BR" sz="4400" dirty="0"/>
           </a:p>
         </p:txBody>

--- a/programacao-funcional-java8.pptx
+++ b/programacao-funcional-java8.pptx
@@ -216,7 +216,7 @@
           <a:p>
             <a:fld id="{7497B6E1-7C5B-524D-B5EB-5E6695205380}" type="datetimeFigureOut">
               <a:rPr lang="pt-BR" smtClean="0"/>
-              <a:t>09/07/2021</a:t>
+              <a:t>11/11/2021</a:t>
             </a:fld>
             <a:endParaRPr lang="pt-BR"/>
           </a:p>
@@ -654,7 +654,7 @@
           <a:p>
             <a:fld id="{19E7D63B-43B5-8A4C-BD12-76889BE136BD}" type="datetime1">
               <a:rPr lang="en-US" smtClean="0"/>
-              <a:t>7/9/21</a:t>
+              <a:t>11/11/21</a:t>
             </a:fld>
             <a:endParaRPr lang="en-US" dirty="0"/>
           </a:p>
@@ -921,7 +921,7 @@
           <a:p>
             <a:fld id="{124E9894-F119-A64C-B7CB-D7CE860A73BE}" type="datetime1">
               <a:rPr lang="en-US" smtClean="0"/>
-              <a:t>7/9/21</a:t>
+              <a:t>11/11/21</a:t>
             </a:fld>
             <a:endParaRPr lang="en-US" dirty="0"/>
           </a:p>
@@ -1153,7 +1153,7 @@
           <a:p>
             <a:fld id="{124E9894-F119-A64C-B7CB-D7CE860A73BE}" type="datetime1">
               <a:rPr lang="en-US" smtClean="0"/>
-              <a:t>7/9/21</a:t>
+              <a:t>11/11/21</a:t>
             </a:fld>
             <a:endParaRPr lang="en-US" dirty="0"/>
           </a:p>
@@ -1464,7 +1464,7 @@
           <a:p>
             <a:fld id="{124E9894-F119-A64C-B7CB-D7CE860A73BE}" type="datetime1">
               <a:rPr lang="en-US" smtClean="0"/>
-              <a:t>7/9/21</a:t>
+              <a:t>11/11/21</a:t>
             </a:fld>
             <a:endParaRPr lang="en-US" dirty="0"/>
           </a:p>
@@ -1938,7 +1938,7 @@
           <a:p>
             <a:fld id="{B4BBB50B-BAA3-9748-978F-08A7877AB7D9}" type="datetime1">
               <a:rPr lang="en-US" smtClean="0"/>
-              <a:t>7/9/21</a:t>
+              <a:t>11/11/21</a:t>
             </a:fld>
             <a:endParaRPr lang="en-US" dirty="0"/>
           </a:p>
@@ -2485,7 +2485,7 @@
           <a:p>
             <a:fld id="{124E9894-F119-A64C-B7CB-D7CE860A73BE}" type="datetime1">
               <a:rPr lang="en-US" smtClean="0"/>
-              <a:t>7/9/21</a:t>
+              <a:t>11/11/21</a:t>
             </a:fld>
             <a:endParaRPr lang="en-US" dirty="0"/>
           </a:p>
@@ -3260,7 +3260,7 @@
           <a:p>
             <a:fld id="{124E9894-F119-A64C-B7CB-D7CE860A73BE}" type="datetime1">
               <a:rPr lang="en-US" smtClean="0"/>
-              <a:t>7/9/21</a:t>
+              <a:t>11/11/21</a:t>
             </a:fld>
             <a:endParaRPr lang="en-US" dirty="0"/>
           </a:p>
@@ -3436,7 +3436,7 @@
           <a:p>
             <a:fld id="{45040DEA-CE02-EF42-8F10-34F709D8505D}" type="datetime1">
               <a:rPr lang="en-US" smtClean="0"/>
-              <a:t>7/9/21</a:t>
+              <a:t>11/11/21</a:t>
             </a:fld>
             <a:endParaRPr lang="en-US" dirty="0"/>
           </a:p>
@@ -3659,7 +3659,7 @@
           <a:p>
             <a:fld id="{A0C1C801-5706-434E-AB65-DDFBCF1F55D2}" type="datetime1">
               <a:rPr lang="en-US" smtClean="0"/>
-              <a:t>7/9/21</a:t>
+              <a:t>11/11/21</a:t>
             </a:fld>
             <a:endParaRPr lang="en-US" dirty="0"/>
           </a:p>
@@ -3839,7 +3839,7 @@
           <a:p>
             <a:fld id="{39AE0FD8-7D7B-EA4F-8AF8-8B97820A0C5D}" type="datetime1">
               <a:rPr lang="en-US" smtClean="0"/>
-              <a:t>7/9/21</a:t>
+              <a:t>11/11/21</a:t>
             </a:fld>
             <a:endParaRPr lang="en-US" dirty="0"/>
           </a:p>
@@ -4128,7 +4128,7 @@
           <a:p>
             <a:fld id="{7FC94D43-3F68-DC43-8EF0-95FB3D51CCCF}" type="datetime1">
               <a:rPr lang="en-US" smtClean="0"/>
-              <a:t>7/9/21</a:t>
+              <a:t>11/11/21</a:t>
             </a:fld>
             <a:endParaRPr lang="en-US" dirty="0"/>
           </a:p>
@@ -4370,7 +4370,7 @@
           <a:p>
             <a:fld id="{BD42CFC2-1CE8-9045-8C9C-0F183F0FB455}" type="datetime1">
               <a:rPr lang="en-US" smtClean="0"/>
-              <a:t>7/9/21</a:t>
+              <a:t>11/11/21</a:t>
             </a:fld>
             <a:endParaRPr lang="en-US" dirty="0"/>
           </a:p>
@@ -4749,7 +4749,7 @@
           <a:p>
             <a:fld id="{F1B5C6E2-D044-C748-9C41-86C9B2F84EB9}" type="datetime1">
               <a:rPr lang="en-US" smtClean="0"/>
-              <a:t>7/9/21</a:t>
+              <a:t>11/11/21</a:t>
             </a:fld>
             <a:endParaRPr lang="en-US" dirty="0"/>
           </a:p>
@@ -4867,7 +4867,7 @@
           <a:p>
             <a:fld id="{359C32BA-C166-AC45-9FCD-8BF0F43629D9}" type="datetime1">
               <a:rPr lang="en-US" smtClean="0"/>
-              <a:t>7/9/21</a:t>
+              <a:t>11/11/21</a:t>
             </a:fld>
             <a:endParaRPr lang="en-US" dirty="0"/>
           </a:p>
@@ -4962,7 +4962,7 @@
           <a:p>
             <a:fld id="{E5D0D591-4B92-A44B-A0EA-798E76AD0368}" type="datetime1">
               <a:rPr lang="en-US" smtClean="0"/>
-              <a:t>7/9/21</a:t>
+              <a:t>11/11/21</a:t>
             </a:fld>
             <a:endParaRPr lang="en-US" dirty="0"/>
           </a:p>
@@ -5211,7 +5211,7 @@
           <a:p>
             <a:fld id="{8201F472-E17F-4B47-A44B-A2249FA27ED2}" type="datetime1">
               <a:rPr lang="en-US" smtClean="0"/>
-              <a:t>7/9/21</a:t>
+              <a:t>11/11/21</a:t>
             </a:fld>
             <a:endParaRPr lang="en-US" dirty="0"/>
           </a:p>
@@ -5468,7 +5468,7 @@
           <a:p>
             <a:fld id="{8BEFB9EE-CDF2-6F49-80F4-278D1604F10C}" type="datetime1">
               <a:rPr lang="en-US" smtClean="0"/>
-              <a:t>7/9/21</a:t>
+              <a:t>11/11/21</a:t>
             </a:fld>
             <a:endParaRPr lang="en-US" dirty="0"/>
           </a:p>
@@ -5714,7 +5714,7 @@
           <a:p>
             <a:fld id="{124E9894-F119-A64C-B7CB-D7CE860A73BE}" type="datetime1">
               <a:rPr lang="en-US" smtClean="0"/>
-              <a:t>7/9/21</a:t>
+              <a:t>11/11/21</a:t>
             </a:fld>
             <a:endParaRPr lang="en-US" dirty="0"/>
           </a:p>
@@ -6144,42 +6144,27 @@
         </p:nvSpPr>
         <p:spPr>
           <a:xfrm>
-            <a:off x="692727" y="755770"/>
-            <a:ext cx="11374582" cy="3349687"/>
+            <a:off x="0" y="742708"/>
+            <a:ext cx="12067309" cy="2268218"/>
           </a:xfrm>
         </p:spPr>
         <p:txBody>
           <a:bodyPr>
-            <a:normAutofit fontScale="90000"/>
+            <a:normAutofit/>
           </a:bodyPr>
           <a:lstStyle/>
           <a:p>
-            <a:pPr algn="r"/>
-            <a:r>
-              <a:rPr lang="pt-BR" b="1" dirty="0">
+            <a:pPr algn="ctr"/>
+            <a:r>
+              <a:rPr lang="pt-BR" sz="4600" b="1" dirty="0">
                 <a:solidFill>
                   <a:schemeClr val="bg1"/>
                 </a:solidFill>
               </a:rPr>
-              <a:t>Programação funcional </a:t>
-            </a:r>
-            <a:br>
-              <a:rPr lang="pt-BR" b="1" dirty="0">
-                <a:solidFill>
-                  <a:schemeClr val="bg1"/>
-                </a:solidFill>
-              </a:rPr>
-            </a:br>
-            <a:r>
-              <a:rPr lang="pt-BR" b="1" dirty="0">
-                <a:solidFill>
-                  <a:schemeClr val="bg1"/>
-                </a:solidFill>
-              </a:rPr>
-              <a:t>no </a:t>
-            </a:r>
-            <a:r>
-              <a:rPr lang="pt-BR" b="1" dirty="0" err="1">
+              <a:t>Programação funcional no </a:t>
+            </a:r>
+            <a:r>
+              <a:rPr lang="pt-BR" sz="4600" b="1" dirty="0" err="1">
                 <a:solidFill>
                   <a:schemeClr val="bg1"/>
                 </a:solidFill>
@@ -6187,15 +6172,15 @@
               <a:t>java</a:t>
             </a:r>
             <a:r>
-              <a:rPr lang="pt-BR" b="1" dirty="0">
+              <a:rPr lang="pt-BR" sz="4600" b="1" dirty="0">
                 <a:solidFill>
                   <a:schemeClr val="bg1"/>
                 </a:solidFill>
               </a:rPr>
-              <a:t> 8: </a:t>
-            </a:r>
-            <a:r>
-              <a:rPr lang="pt-BR" cap="none" dirty="0">
+              <a:t> 8 </a:t>
+            </a:r>
+            <a:r>
+              <a:rPr lang="pt-BR" sz="3500" cap="none" dirty="0">
                 <a:solidFill>
                   <a:schemeClr val="bg1"/>
                 </a:solidFill>
@@ -6203,7 +6188,7 @@
               <a:t>Reaprendendo a programar com </a:t>
             </a:r>
             <a:r>
-              <a:rPr lang="pt-BR" i="1" cap="none" dirty="0">
+              <a:rPr lang="pt-BR" sz="3500" i="1" cap="none" dirty="0">
                 <a:solidFill>
                   <a:schemeClr val="bg1"/>
                 </a:solidFill>
@@ -6211,7 +6196,7 @@
               <a:t>Lambdas</a:t>
             </a:r>
             <a:r>
-              <a:rPr lang="pt-BR" cap="none" dirty="0">
+              <a:rPr lang="pt-BR" sz="3500" cap="none" dirty="0">
                 <a:solidFill>
                   <a:schemeClr val="bg1"/>
                 </a:solidFill>
@@ -6219,14 +6204,14 @@
               <a:t> e </a:t>
             </a:r>
             <a:r>
-              <a:rPr lang="pt-BR" i="1" cap="none" dirty="0" err="1">
+              <a:rPr lang="pt-BR" sz="3500" i="1" cap="none" dirty="0" err="1">
                 <a:solidFill>
                   <a:schemeClr val="bg1"/>
                 </a:solidFill>
               </a:rPr>
               <a:t>Streams</a:t>
             </a:r>
-            <a:endParaRPr lang="pt-BR" i="1" cap="none" dirty="0">
+            <a:endParaRPr lang="pt-BR" sz="3500" i="1" cap="none" dirty="0">
               <a:solidFill>
                 <a:schemeClr val="bg1"/>
               </a:solidFill>
@@ -6252,7 +6237,7 @@
         </p:nvSpPr>
         <p:spPr>
           <a:xfrm>
-            <a:off x="875105" y="3415998"/>
+            <a:off x="1005734" y="3376807"/>
             <a:ext cx="8915399" cy="1726938"/>
           </a:xfrm>
         </p:spPr>
@@ -6278,7 +6263,7 @@
                   <a:schemeClr val="bg1"/>
                 </a:solidFill>
               </a:rPr>
-              <a:t>Instituto Federal de Educação do Tocantins (IFTO, Campus Palmas)</a:t>
+              <a:t>Instituto Federal de Educação do Tocantins</a:t>
             </a:r>
           </a:p>
           <a:p>
@@ -6385,13 +6370,13 @@
           <a:p>
             <a:pPr algn="ctr"/>
             <a:r>
-              <a:rPr lang="pt-BR" dirty="0"/>
-              <a:t>Ele É apenas um meio para um fim.</a:t>
+              <a:rPr lang="pt-BR" b="1" dirty="0"/>
+              <a:t>Ele É apenas um meio para um fim</a:t>
             </a:r>
             <a:br>
-              <a:rPr lang="pt-BR" dirty="0"/>
+              <a:rPr lang="pt-BR" b="1" dirty="0"/>
             </a:br>
-            <a:endParaRPr lang="pt-BR" dirty="0"/>
+            <a:endParaRPr lang="pt-BR" b="1" dirty="0"/>
           </a:p>
         </p:txBody>
       </p:sp>
@@ -6591,9 +6576,12 @@
           </a:bodyPr>
           <a:lstStyle/>
           <a:p>
+            <a:pPr marL="0" indent="0">
+              <a:buNone/>
+            </a:pPr>
             <a:r>
               <a:rPr lang="pt-BR" sz="4000" dirty="0"/>
-              <a:t>E se precisarmos obter estatísticas a respeito de alunos em uma lista, como maior nota, menor nota, total por sexo, </a:t>
+              <a:t>Como obter estatísticas de alunos em uma lista, como maior nota, menor nota, total por sexo, </a:t>
             </a:r>
             <a:r>
               <a:rPr lang="pt-BR" sz="4000" dirty="0" err="1"/>
@@ -6812,8 +6800,8 @@
           <a:p>
             <a:pPr algn="ctr"/>
             <a:r>
-              <a:rPr lang="pt-BR" dirty="0"/>
-              <a:t>O código vai ficando cada vez mais suscetível a erros.</a:t>
+              <a:rPr lang="pt-BR" b="1" dirty="0"/>
+              <a:t>código cada vez mais suscetível a BUGS 🐞</a:t>
             </a:r>
           </a:p>
         </p:txBody>
@@ -6979,14 +6967,20 @@
             <p:ph type="title"/>
           </p:nvPr>
         </p:nvSpPr>
-        <p:spPr/>
+        <p:spPr>
+          <a:xfrm>
+            <a:off x="587829" y="764373"/>
+            <a:ext cx="10918371" cy="1293028"/>
+          </a:xfrm>
+        </p:spPr>
         <p:txBody>
           <a:bodyPr/>
           <a:lstStyle/>
           <a:p>
+            <a:pPr algn="ctr"/>
             <a:r>
               <a:rPr lang="pt-BR" b="1" dirty="0"/>
-              <a:t>O que há de errado?</a:t>
+              <a:t>O que há de errado? 🧐</a:t>
             </a:r>
           </a:p>
         </p:txBody>
@@ -7110,8 +7104,8 @@
           <a:p>
             <a:pPr algn="ctr"/>
             <a:r>
-              <a:rPr lang="pt-BR" dirty="0"/>
-              <a:t>Então como fazer melhor?</a:t>
+              <a:rPr lang="pt-BR" b="1" dirty="0"/>
+              <a:t>como fazer melhor? 🤔</a:t>
             </a:r>
           </a:p>
         </p:txBody>
@@ -7291,8 +7285,16 @@
           <a:p>
             <a:pPr algn="ctr"/>
             <a:r>
-              <a:rPr lang="pt-BR" dirty="0"/>
-              <a:t>Acertou quem disse “programação funcional” 😁👏🙌</a:t>
+              <a:rPr lang="pt-BR" b="1" dirty="0"/>
+              <a:t>Acertou quem disse “programação funcional” </a:t>
+            </a:r>
+            <a:r>
+              <a:rPr lang="pt-BR" b="1" cap="none" dirty="0"/>
+              <a:t>😎</a:t>
+            </a:r>
+            <a:r>
+              <a:rPr lang="pt-BR" b="1" dirty="0"/>
+              <a:t>👏🙌</a:t>
             </a:r>
           </a:p>
         </p:txBody>
@@ -7469,7 +7471,7 @@
           <a:lstStyle/>
           <a:p>
             <a:r>
-              <a:rPr lang="pt-BR" dirty="0"/>
+              <a:rPr lang="pt-BR" b="1" dirty="0"/>
               <a:t>tópicos</a:t>
             </a:r>
           </a:p>
@@ -8435,8 +8437,8 @@
         </p:nvSpPr>
         <p:spPr>
           <a:xfrm>
-            <a:off x="2729345" y="232879"/>
-            <a:ext cx="8610600" cy="1293028"/>
+            <a:off x="429054" y="907929"/>
+            <a:ext cx="10468611" cy="1085631"/>
           </a:xfrm>
         </p:spPr>
         <p:txBody>
@@ -9728,7 +9730,7 @@
             <a:pPr algn="ctr"/>
             <a:r>
               <a:rPr lang="pt-BR" b="1" dirty="0"/>
-              <a:t>Para saber mais</a:t>
+              <a:t>Para saber mais 🤓</a:t>
             </a:r>
           </a:p>
         </p:txBody>
@@ -9765,6 +9767,20 @@
               <a:buNone/>
             </a:pPr>
             <a:r>
+              <a:rPr lang="pt-BR" sz="4300" dirty="0">
+                <a:solidFill>
+                  <a:schemeClr val="bg1"/>
+                </a:solidFill>
+              </a:rPr>
+              <a:t>Código Fonte, Slides e material complementar no GitHub</a:t>
+            </a:r>
+            <a:endParaRPr lang="pt-BR" sz="4300" dirty="0"/>
+          </a:p>
+          <a:p>
+            <a:pPr marL="0" indent="0" algn="ctr">
+              <a:buNone/>
+            </a:pPr>
+            <a:r>
               <a:rPr lang="pt-BR" sz="6000" b="1" dirty="0">
                 <a:solidFill>
                   <a:schemeClr val="bg1"/>
@@ -9773,7 +9789,11 @@
               </a:rPr>
               <a:t>https://git.io/Je3Uo</a:t>
             </a:r>
-            <a:endParaRPr lang="pt-BR" sz="6000" dirty="0"/>
+            <a:endParaRPr lang="pt-BR" sz="6000" b="1" dirty="0">
+              <a:solidFill>
+                <a:schemeClr val="bg1"/>
+              </a:solidFill>
+            </a:endParaRPr>
           </a:p>
         </p:txBody>
       </p:sp>
@@ -9864,16 +9884,16 @@
           <a:p>
             <a:pPr algn="ctr"/>
             <a:r>
-              <a:rPr lang="pt-BR" dirty="0"/>
+              <a:rPr lang="pt-BR" b="1" dirty="0"/>
               <a:t>Como processamos dados em uma lista em </a:t>
             </a:r>
             <a:r>
-              <a:rPr lang="pt-BR" dirty="0" err="1"/>
+              <a:rPr lang="pt-BR" b="1" dirty="0" err="1"/>
               <a:t>java</a:t>
             </a:r>
             <a:r>
-              <a:rPr lang="pt-BR" dirty="0"/>
-              <a:t>?</a:t>
+              <a:rPr lang="pt-BR" b="1" dirty="0"/>
+              <a:t>? ⚙️</a:t>
             </a:r>
           </a:p>
         </p:txBody>
@@ -10028,18 +10048,30 @@
         </p:nvSpPr>
         <p:spPr>
           <a:xfrm>
-            <a:off x="1790700" y="973553"/>
-            <a:ext cx="8610600" cy="1293028"/>
+            <a:off x="756469" y="1217290"/>
+            <a:ext cx="10216331" cy="2342340"/>
           </a:xfrm>
         </p:spPr>
         <p:txBody>
-          <a:bodyPr/>
+          <a:bodyPr>
+            <a:normAutofit/>
+          </a:bodyPr>
           <a:lstStyle/>
           <a:p>
             <a:pPr algn="ctr"/>
             <a:r>
-              <a:rPr lang="pt-BR" dirty="0"/>
-              <a:t>Utilizamos um laço de repetição, certo?</a:t>
+              <a:rPr lang="pt-BR" b="1" dirty="0"/>
+              <a:t>Utilizamos um laço de repetição, certo? </a:t>
+            </a:r>
+            <a:br>
+              <a:rPr lang="pt-BR" b="1" dirty="0"/>
+            </a:br>
+            <a:br>
+              <a:rPr lang="pt-BR" sz="3000" b="1" dirty="0"/>
+            </a:br>
+            <a:r>
+              <a:rPr lang="pt-BR" b="1" dirty="0"/>
+              <a:t>🔁</a:t>
             </a:r>
           </a:p>
         </p:txBody>
@@ -10095,7 +10127,7 @@
         </p:blipFill>
         <p:spPr>
           <a:xfrm>
-            <a:off x="291475" y="3315893"/>
+            <a:off x="291475" y="3551027"/>
             <a:ext cx="11274685" cy="1975976"/>
           </a:xfrm>
           <a:prstGeom prst="rect">
@@ -10161,16 +10193,16 @@
           <a:p>
             <a:pPr algn="ctr"/>
             <a:r>
-              <a:rPr lang="pt-BR" dirty="0"/>
+              <a:rPr lang="pt-BR" b="1" dirty="0"/>
               <a:t>Quais os problemas </a:t>
             </a:r>
             <a:r>
-              <a:rPr lang="pt-BR" dirty="0" err="1"/>
+              <a:rPr lang="pt-BR" b="1" dirty="0" err="1"/>
               <a:t>destE</a:t>
             </a:r>
             <a:r>
-              <a:rPr lang="pt-BR" dirty="0"/>
-              <a:t> loop?</a:t>
+              <a:rPr lang="pt-BR" b="1" dirty="0"/>
+              <a:t> loop? 🤔</a:t>
             </a:r>
           </a:p>
         </p:txBody>
@@ -10292,8 +10324,8 @@
           <a:p>
             <a:pPr algn="ctr"/>
             <a:r>
-              <a:rPr lang="pt-BR" dirty="0"/>
-              <a:t>Este código é simples?</a:t>
+              <a:rPr lang="pt-BR" b="1" dirty="0"/>
+              <a:t>Este código é simples? 🤨</a:t>
             </a:r>
           </a:p>
         </p:txBody>
@@ -10403,7 +10435,12 @@
             <p:ph type="title"/>
           </p:nvPr>
         </p:nvSpPr>
-        <p:spPr/>
+        <p:spPr>
+          <a:xfrm>
+            <a:off x="496389" y="764373"/>
+            <a:ext cx="11009811" cy="1293028"/>
+          </a:xfrm>
+        </p:spPr>
         <p:txBody>
           <a:bodyPr/>
           <a:lstStyle/>
@@ -10411,7 +10448,7 @@
             <a:pPr algn="ctr"/>
             <a:r>
               <a:rPr lang="pt-BR" b="1" dirty="0"/>
-              <a:t>Não, não é!</a:t>
+              <a:t>Não, não é! 😝</a:t>
             </a:r>
           </a:p>
         </p:txBody>
@@ -10507,7 +10544,15 @@
             </a:r>
             <a:r>
               <a:rPr lang="en-US" sz="4400" dirty="0"/>
-              <a:t> </a:t>
+              <a:t> (</a:t>
+            </a:r>
+            <a:r>
+              <a:rPr lang="en-US" sz="4400" dirty="0" err="1"/>
+              <a:t>legendado</a:t>
+            </a:r>
+            <a:r>
+              <a:rPr lang="en-US" sz="4400" dirty="0"/>
+              <a:t>) </a:t>
             </a:r>
             <a:r>
               <a:rPr lang="en-US" sz="4400" dirty="0">
@@ -10816,26 +10861,38 @@
         </p:nvSpPr>
         <p:spPr>
           <a:xfrm>
-            <a:off x="1901537" y="2967245"/>
-            <a:ext cx="8610600" cy="1293028"/>
+            <a:off x="1901537" y="2483918"/>
+            <a:ext cx="8610600" cy="2558344"/>
           </a:xfrm>
         </p:spPr>
         <p:txBody>
-          <a:bodyPr/>
+          <a:bodyPr>
+            <a:normAutofit/>
+          </a:bodyPr>
           <a:lstStyle/>
           <a:p>
             <a:pPr algn="ctr"/>
             <a:r>
-              <a:rPr lang="pt-BR" dirty="0"/>
+              <a:rPr lang="pt-BR" b="1" dirty="0"/>
               <a:t>Como podemos simplificar este </a:t>
             </a:r>
             <a:r>
-              <a:rPr lang="pt-BR" i="1" dirty="0"/>
+              <a:rPr lang="pt-BR" b="1" i="1" dirty="0"/>
               <a:t>loop</a:t>
             </a:r>
             <a:r>
-              <a:rPr lang="pt-BR" dirty="0"/>
-              <a:t>?</a:t>
+              <a:rPr lang="pt-BR" b="1" dirty="0"/>
+              <a:t>? </a:t>
+            </a:r>
+            <a:br>
+              <a:rPr lang="pt-BR" b="1" dirty="0"/>
+            </a:br>
+            <a:br>
+              <a:rPr lang="pt-BR" sz="3000" b="1" dirty="0"/>
+            </a:br>
+            <a:r>
+              <a:rPr lang="pt-BR" b="1" dirty="0"/>
+              <a:t>🔁</a:t>
             </a:r>
           </a:p>
         </p:txBody>
@@ -10927,14 +10984,17 @@
           <a:p>
             <a:pPr algn="ctr"/>
             <a:r>
-              <a:rPr lang="pt-BR" dirty="0"/>
-              <a:t>For </a:t>
-            </a:r>
-            <a:r>
-              <a:rPr lang="pt-BR" dirty="0" err="1"/>
+              <a:rPr lang="pt-BR" b="1" cap="none" dirty="0"/>
+              <a:t>for </a:t>
+            </a:r>
+            <a:r>
+              <a:rPr lang="pt-BR" b="1" cap="none" dirty="0" err="1"/>
               <a:t>each</a:t>
             </a:r>
-            <a:endParaRPr lang="pt-BR" dirty="0"/>
+            <a:r>
+              <a:rPr lang="pt-BR" b="1" cap="none" dirty="0"/>
+              <a:t>, claro! 🙄</a:t>
+            </a:r>
           </a:p>
         </p:txBody>
       </p:sp>
@@ -11057,16 +11117,16 @@
           <a:p>
             <a:pPr algn="ctr"/>
             <a:r>
-              <a:rPr lang="pt-BR" dirty="0"/>
+              <a:rPr lang="pt-BR" b="1" dirty="0"/>
               <a:t>o </a:t>
             </a:r>
             <a:r>
-              <a:rPr lang="pt-BR" i="1" dirty="0"/>
+              <a:rPr lang="pt-BR" b="1" i="1" dirty="0"/>
               <a:t>loop</a:t>
             </a:r>
             <a:r>
-              <a:rPr lang="pt-BR" dirty="0"/>
-              <a:t> aqui não é o que desejamos fazer de fato. </a:t>
+              <a:rPr lang="pt-BR" b="1" dirty="0"/>
+              <a:t> aqui não é o que desejamos fazer de fato </a:t>
             </a:r>
           </a:p>
         </p:txBody>

--- a/programacao-funcional-java8.pptx
+++ b/programacao-funcional-java8.pptx
@@ -216,7 +216,7 @@
           <a:p>
             <a:fld id="{7497B6E1-7C5B-524D-B5EB-5E6695205380}" type="datetimeFigureOut">
               <a:rPr lang="pt-BR" smtClean="0"/>
-              <a:t>11/11/2021</a:t>
+              <a:t>21/03/2022</a:t>
             </a:fld>
             <a:endParaRPr lang="pt-BR"/>
           </a:p>
@@ -654,7 +654,7 @@
           <a:p>
             <a:fld id="{19E7D63B-43B5-8A4C-BD12-76889BE136BD}" type="datetime1">
               <a:rPr lang="en-US" smtClean="0"/>
-              <a:t>11/11/21</a:t>
+              <a:t>3/21/22</a:t>
             </a:fld>
             <a:endParaRPr lang="en-US" dirty="0"/>
           </a:p>
@@ -921,7 +921,7 @@
           <a:p>
             <a:fld id="{124E9894-F119-A64C-B7CB-D7CE860A73BE}" type="datetime1">
               <a:rPr lang="en-US" smtClean="0"/>
-              <a:t>11/11/21</a:t>
+              <a:t>3/21/22</a:t>
             </a:fld>
             <a:endParaRPr lang="en-US" dirty="0"/>
           </a:p>
@@ -1153,7 +1153,7 @@
           <a:p>
             <a:fld id="{124E9894-F119-A64C-B7CB-D7CE860A73BE}" type="datetime1">
               <a:rPr lang="en-US" smtClean="0"/>
-              <a:t>11/11/21</a:t>
+              <a:t>3/21/22</a:t>
             </a:fld>
             <a:endParaRPr lang="en-US" dirty="0"/>
           </a:p>
@@ -1464,7 +1464,7 @@
           <a:p>
             <a:fld id="{124E9894-F119-A64C-B7CB-D7CE860A73BE}" type="datetime1">
               <a:rPr lang="en-US" smtClean="0"/>
-              <a:t>11/11/21</a:t>
+              <a:t>3/21/22</a:t>
             </a:fld>
             <a:endParaRPr lang="en-US" dirty="0"/>
           </a:p>
@@ -1938,7 +1938,7 @@
           <a:p>
             <a:fld id="{B4BBB50B-BAA3-9748-978F-08A7877AB7D9}" type="datetime1">
               <a:rPr lang="en-US" smtClean="0"/>
-              <a:t>11/11/21</a:t>
+              <a:t>3/21/22</a:t>
             </a:fld>
             <a:endParaRPr lang="en-US" dirty="0"/>
           </a:p>
@@ -2485,7 +2485,7 @@
           <a:p>
             <a:fld id="{124E9894-F119-A64C-B7CB-D7CE860A73BE}" type="datetime1">
               <a:rPr lang="en-US" smtClean="0"/>
-              <a:t>11/11/21</a:t>
+              <a:t>3/21/22</a:t>
             </a:fld>
             <a:endParaRPr lang="en-US" dirty="0"/>
           </a:p>
@@ -3260,7 +3260,7 @@
           <a:p>
             <a:fld id="{124E9894-F119-A64C-B7CB-D7CE860A73BE}" type="datetime1">
               <a:rPr lang="en-US" smtClean="0"/>
-              <a:t>11/11/21</a:t>
+              <a:t>3/21/22</a:t>
             </a:fld>
             <a:endParaRPr lang="en-US" dirty="0"/>
           </a:p>
@@ -3436,7 +3436,7 @@
           <a:p>
             <a:fld id="{45040DEA-CE02-EF42-8F10-34F709D8505D}" type="datetime1">
               <a:rPr lang="en-US" smtClean="0"/>
-              <a:t>11/11/21</a:t>
+              <a:t>3/21/22</a:t>
             </a:fld>
             <a:endParaRPr lang="en-US" dirty="0"/>
           </a:p>
@@ -3659,7 +3659,7 @@
           <a:p>
             <a:fld id="{A0C1C801-5706-434E-AB65-DDFBCF1F55D2}" type="datetime1">
               <a:rPr lang="en-US" smtClean="0"/>
-              <a:t>11/11/21</a:t>
+              <a:t>3/21/22</a:t>
             </a:fld>
             <a:endParaRPr lang="en-US" dirty="0"/>
           </a:p>
@@ -3839,7 +3839,7 @@
           <a:p>
             <a:fld id="{39AE0FD8-7D7B-EA4F-8AF8-8B97820A0C5D}" type="datetime1">
               <a:rPr lang="en-US" smtClean="0"/>
-              <a:t>11/11/21</a:t>
+              <a:t>3/21/22</a:t>
             </a:fld>
             <a:endParaRPr lang="en-US" dirty="0"/>
           </a:p>
@@ -4128,7 +4128,7 @@
           <a:p>
             <a:fld id="{7FC94D43-3F68-DC43-8EF0-95FB3D51CCCF}" type="datetime1">
               <a:rPr lang="en-US" smtClean="0"/>
-              <a:t>11/11/21</a:t>
+              <a:t>3/21/22</a:t>
             </a:fld>
             <a:endParaRPr lang="en-US" dirty="0"/>
           </a:p>
@@ -4370,7 +4370,7 @@
           <a:p>
             <a:fld id="{BD42CFC2-1CE8-9045-8C9C-0F183F0FB455}" type="datetime1">
               <a:rPr lang="en-US" smtClean="0"/>
-              <a:t>11/11/21</a:t>
+              <a:t>3/21/22</a:t>
             </a:fld>
             <a:endParaRPr lang="en-US" dirty="0"/>
           </a:p>
@@ -4749,7 +4749,7 @@
           <a:p>
             <a:fld id="{F1B5C6E2-D044-C748-9C41-86C9B2F84EB9}" type="datetime1">
               <a:rPr lang="en-US" smtClean="0"/>
-              <a:t>11/11/21</a:t>
+              <a:t>3/21/22</a:t>
             </a:fld>
             <a:endParaRPr lang="en-US" dirty="0"/>
           </a:p>
@@ -4867,7 +4867,7 @@
           <a:p>
             <a:fld id="{359C32BA-C166-AC45-9FCD-8BF0F43629D9}" type="datetime1">
               <a:rPr lang="en-US" smtClean="0"/>
-              <a:t>11/11/21</a:t>
+              <a:t>3/21/22</a:t>
             </a:fld>
             <a:endParaRPr lang="en-US" dirty="0"/>
           </a:p>
@@ -4962,7 +4962,7 @@
           <a:p>
             <a:fld id="{E5D0D591-4B92-A44B-A0EA-798E76AD0368}" type="datetime1">
               <a:rPr lang="en-US" smtClean="0"/>
-              <a:t>11/11/21</a:t>
+              <a:t>3/21/22</a:t>
             </a:fld>
             <a:endParaRPr lang="en-US" dirty="0"/>
           </a:p>
@@ -5211,7 +5211,7 @@
           <a:p>
             <a:fld id="{8201F472-E17F-4B47-A44B-A2249FA27ED2}" type="datetime1">
               <a:rPr lang="en-US" smtClean="0"/>
-              <a:t>11/11/21</a:t>
+              <a:t>3/21/22</a:t>
             </a:fld>
             <a:endParaRPr lang="en-US" dirty="0"/>
           </a:p>
@@ -5468,7 +5468,7 @@
           <a:p>
             <a:fld id="{8BEFB9EE-CDF2-6F49-80F4-278D1604F10C}" type="datetime1">
               <a:rPr lang="en-US" smtClean="0"/>
-              <a:t>11/11/21</a:t>
+              <a:t>3/21/22</a:t>
             </a:fld>
             <a:endParaRPr lang="en-US" dirty="0"/>
           </a:p>
@@ -5714,7 +5714,7 @@
           <a:p>
             <a:fld id="{124E9894-F119-A64C-B7CB-D7CE860A73BE}" type="datetime1">
               <a:rPr lang="en-US" smtClean="0"/>
-              <a:t>11/11/21</a:t>
+              <a:t>3/21/22</a:t>
             </a:fld>
             <a:endParaRPr lang="en-US" dirty="0"/>
           </a:p>
@@ -7472,7 +7472,7 @@
           <a:p>
             <a:r>
               <a:rPr lang="pt-BR" b="1" dirty="0"/>
-              <a:t>tópicos</a:t>
+              <a:t>Mãos na massa</a:t>
             </a:r>
           </a:p>
         </p:txBody>

--- a/programacao-funcional-java8.pptx
+++ b/programacao-funcional-java8.pptx
@@ -216,7 +216,7 @@
           <a:p>
             <a:fld id="{7497B6E1-7C5B-524D-B5EB-5E6695205380}" type="datetimeFigureOut">
               <a:rPr lang="pt-BR" smtClean="0"/>
-              <a:t>21/03/2022</a:t>
+              <a:t>17/10/2022</a:t>
             </a:fld>
             <a:endParaRPr lang="pt-BR"/>
           </a:p>
@@ -654,7 +654,7 @@
           <a:p>
             <a:fld id="{19E7D63B-43B5-8A4C-BD12-76889BE136BD}" type="datetime1">
               <a:rPr lang="en-US" smtClean="0"/>
-              <a:t>3/21/22</a:t>
+              <a:t>10/17/22</a:t>
             </a:fld>
             <a:endParaRPr lang="en-US" dirty="0"/>
           </a:p>
@@ -921,7 +921,7 @@
           <a:p>
             <a:fld id="{124E9894-F119-A64C-B7CB-D7CE860A73BE}" type="datetime1">
               <a:rPr lang="en-US" smtClean="0"/>
-              <a:t>3/21/22</a:t>
+              <a:t>10/17/22</a:t>
             </a:fld>
             <a:endParaRPr lang="en-US" dirty="0"/>
           </a:p>
@@ -1153,7 +1153,7 @@
           <a:p>
             <a:fld id="{124E9894-F119-A64C-B7CB-D7CE860A73BE}" type="datetime1">
               <a:rPr lang="en-US" smtClean="0"/>
-              <a:t>3/21/22</a:t>
+              <a:t>10/17/22</a:t>
             </a:fld>
             <a:endParaRPr lang="en-US" dirty="0"/>
           </a:p>
@@ -1464,7 +1464,7 @@
           <a:p>
             <a:fld id="{124E9894-F119-A64C-B7CB-D7CE860A73BE}" type="datetime1">
               <a:rPr lang="en-US" smtClean="0"/>
-              <a:t>3/21/22</a:t>
+              <a:t>10/17/22</a:t>
             </a:fld>
             <a:endParaRPr lang="en-US" dirty="0"/>
           </a:p>
@@ -1938,7 +1938,7 @@
           <a:p>
             <a:fld id="{B4BBB50B-BAA3-9748-978F-08A7877AB7D9}" type="datetime1">
               <a:rPr lang="en-US" smtClean="0"/>
-              <a:t>3/21/22</a:t>
+              <a:t>10/17/22</a:t>
             </a:fld>
             <a:endParaRPr lang="en-US" dirty="0"/>
           </a:p>
@@ -2485,7 +2485,7 @@
           <a:p>
             <a:fld id="{124E9894-F119-A64C-B7CB-D7CE860A73BE}" type="datetime1">
               <a:rPr lang="en-US" smtClean="0"/>
-              <a:t>3/21/22</a:t>
+              <a:t>10/17/22</a:t>
             </a:fld>
             <a:endParaRPr lang="en-US" dirty="0"/>
           </a:p>
@@ -3260,7 +3260,7 @@
           <a:p>
             <a:fld id="{124E9894-F119-A64C-B7CB-D7CE860A73BE}" type="datetime1">
               <a:rPr lang="en-US" smtClean="0"/>
-              <a:t>3/21/22</a:t>
+              <a:t>10/17/22</a:t>
             </a:fld>
             <a:endParaRPr lang="en-US" dirty="0"/>
           </a:p>
@@ -3436,7 +3436,7 @@
           <a:p>
             <a:fld id="{45040DEA-CE02-EF42-8F10-34F709D8505D}" type="datetime1">
               <a:rPr lang="en-US" smtClean="0"/>
-              <a:t>3/21/22</a:t>
+              <a:t>10/17/22</a:t>
             </a:fld>
             <a:endParaRPr lang="en-US" dirty="0"/>
           </a:p>
@@ -3659,7 +3659,7 @@
           <a:p>
             <a:fld id="{A0C1C801-5706-434E-AB65-DDFBCF1F55D2}" type="datetime1">
               <a:rPr lang="en-US" smtClean="0"/>
-              <a:t>3/21/22</a:t>
+              <a:t>10/17/22</a:t>
             </a:fld>
             <a:endParaRPr lang="en-US" dirty="0"/>
           </a:p>
@@ -3839,7 +3839,7 @@
           <a:p>
             <a:fld id="{39AE0FD8-7D7B-EA4F-8AF8-8B97820A0C5D}" type="datetime1">
               <a:rPr lang="en-US" smtClean="0"/>
-              <a:t>3/21/22</a:t>
+              <a:t>10/17/22</a:t>
             </a:fld>
             <a:endParaRPr lang="en-US" dirty="0"/>
           </a:p>
@@ -4128,7 +4128,7 @@
           <a:p>
             <a:fld id="{7FC94D43-3F68-DC43-8EF0-95FB3D51CCCF}" type="datetime1">
               <a:rPr lang="en-US" smtClean="0"/>
-              <a:t>3/21/22</a:t>
+              <a:t>10/17/22</a:t>
             </a:fld>
             <a:endParaRPr lang="en-US" dirty="0"/>
           </a:p>
@@ -4370,7 +4370,7 @@
           <a:p>
             <a:fld id="{BD42CFC2-1CE8-9045-8C9C-0F183F0FB455}" type="datetime1">
               <a:rPr lang="en-US" smtClean="0"/>
-              <a:t>3/21/22</a:t>
+              <a:t>10/17/22</a:t>
             </a:fld>
             <a:endParaRPr lang="en-US" dirty="0"/>
           </a:p>
@@ -4749,7 +4749,7 @@
           <a:p>
             <a:fld id="{F1B5C6E2-D044-C748-9C41-86C9B2F84EB9}" type="datetime1">
               <a:rPr lang="en-US" smtClean="0"/>
-              <a:t>3/21/22</a:t>
+              <a:t>10/17/22</a:t>
             </a:fld>
             <a:endParaRPr lang="en-US" dirty="0"/>
           </a:p>
@@ -4867,7 +4867,7 @@
           <a:p>
             <a:fld id="{359C32BA-C166-AC45-9FCD-8BF0F43629D9}" type="datetime1">
               <a:rPr lang="en-US" smtClean="0"/>
-              <a:t>3/21/22</a:t>
+              <a:t>10/17/22</a:t>
             </a:fld>
             <a:endParaRPr lang="en-US" dirty="0"/>
           </a:p>
@@ -4962,7 +4962,7 @@
           <a:p>
             <a:fld id="{E5D0D591-4B92-A44B-A0EA-798E76AD0368}" type="datetime1">
               <a:rPr lang="en-US" smtClean="0"/>
-              <a:t>3/21/22</a:t>
+              <a:t>10/17/22</a:t>
             </a:fld>
             <a:endParaRPr lang="en-US" dirty="0"/>
           </a:p>
@@ -5211,7 +5211,7 @@
           <a:p>
             <a:fld id="{8201F472-E17F-4B47-A44B-A2249FA27ED2}" type="datetime1">
               <a:rPr lang="en-US" smtClean="0"/>
-              <a:t>3/21/22</a:t>
+              <a:t>10/17/22</a:t>
             </a:fld>
             <a:endParaRPr lang="en-US" dirty="0"/>
           </a:p>
@@ -5468,7 +5468,7 @@
           <a:p>
             <a:fld id="{8BEFB9EE-CDF2-6F49-80F4-278D1604F10C}" type="datetime1">
               <a:rPr lang="en-US" smtClean="0"/>
-              <a:t>3/21/22</a:t>
+              <a:t>10/17/22</a:t>
             </a:fld>
             <a:endParaRPr lang="en-US" dirty="0"/>
           </a:p>
@@ -5714,7 +5714,7 @@
           <a:p>
             <a:fld id="{124E9894-F119-A64C-B7CB-D7CE860A73BE}" type="datetime1">
               <a:rPr lang="en-US" smtClean="0"/>
-              <a:t>3/21/22</a:t>
+              <a:t>10/17/22</a:t>
             </a:fld>
             <a:endParaRPr lang="en-US" dirty="0"/>
           </a:p>
@@ -6177,7 +6177,7 @@
                   <a:schemeClr val="bg1"/>
                 </a:solidFill>
               </a:rPr>
-              <a:t> 8 </a:t>
+              <a:t> 18 </a:t>
             </a:r>
             <a:r>
               <a:rPr lang="pt-BR" sz="3500" cap="none" dirty="0">
@@ -6431,6 +6431,9 @@
                     <p:cTn id="3" fill="hold">
                       <p:stCondLst>
                         <p:cond delay="indefinite"/>
+                        <p:cond evt="onBegin" delay="0">
+                          <p:tn val="2"/>
+                        </p:cond>
                       </p:stCondLst>
                       <p:childTnLst>
                         <p:par>
@@ -6440,7 +6443,7 @@
                             </p:stCondLst>
                             <p:childTnLst>
                               <p:par>
-                                <p:cTn id="5" presetID="9" presetClass="entr" presetSubtype="0" fill="hold" grpId="0" nodeType="clickEffect">
+                                <p:cTn id="5" presetID="9" presetClass="entr" presetSubtype="0" fill="hold" grpId="0" nodeType="afterEffect">
                                   <p:stCondLst>
                                     <p:cond delay="0"/>
                                   </p:stCondLst>
@@ -6857,6 +6860,9 @@
                     <p:cTn id="3" fill="hold">
                       <p:stCondLst>
                         <p:cond delay="indefinite"/>
+                        <p:cond evt="onBegin" delay="0">
+                          <p:tn val="2"/>
+                        </p:cond>
                       </p:stCondLst>
                       <p:childTnLst>
                         <p:par>
@@ -6866,7 +6872,7 @@
                             </p:stCondLst>
                             <p:childTnLst>
                               <p:par>
-                                <p:cTn id="5" presetID="9" presetClass="entr" presetSubtype="0" fill="hold" grpId="0" nodeType="clickEffect">
+                                <p:cTn id="5" presetID="9" presetClass="entr" presetSubtype="0" fill="hold" grpId="0" nodeType="afterEffect">
                                   <p:stCondLst>
                                     <p:cond delay="0"/>
                                   </p:stCondLst>
@@ -7161,6 +7167,9 @@
                     <p:cTn id="3" fill="hold">
                       <p:stCondLst>
                         <p:cond delay="indefinite"/>
+                        <p:cond evt="onBegin" delay="0">
+                          <p:tn val="2"/>
+                        </p:cond>
                       </p:stCondLst>
                       <p:childTnLst>
                         <p:par>
@@ -7170,7 +7179,7 @@
                             </p:stCondLst>
                             <p:childTnLst>
                               <p:par>
-                                <p:cTn id="5" presetID="9" presetClass="entr" presetSubtype="0" fill="hold" grpId="0" nodeType="clickEffect">
+                                <p:cTn id="5" presetID="9" presetClass="entr" presetSubtype="0" fill="hold" grpId="0" nodeType="afterEffect">
                                   <p:stCondLst>
                                     <p:cond delay="0"/>
                                   </p:stCondLst>
@@ -7350,6 +7359,9 @@
                     <p:cTn id="3" fill="hold">
                       <p:stCondLst>
                         <p:cond delay="indefinite"/>
+                        <p:cond evt="onBegin" delay="0">
+                          <p:tn val="2"/>
+                        </p:cond>
                       </p:stCondLst>
                       <p:childTnLst>
                         <p:par>
@@ -7359,7 +7371,7 @@
                             </p:stCondLst>
                             <p:childTnLst>
                               <p:par>
-                                <p:cTn id="5" presetID="9" presetClass="entr" presetSubtype="0" fill="hold" grpId="0" nodeType="clickEffect">
+                                <p:cTn id="5" presetID="9" presetClass="entr" presetSubtype="0" fill="hold" grpId="0" nodeType="afterEffect">
                                   <p:stCondLst>
                                     <p:cond delay="0"/>
                                   </p:stCondLst>
@@ -7567,11 +7579,7 @@
             </a:r>
             <a:r>
               <a:rPr lang="pt-BR" dirty="0"/>
-              <a:t> sucessivos: pegar curso, depois campus e contar o total de campi em que há alunos </a:t>
-            </a:r>
-            <a:r>
-              <a:rPr lang="pt-BR" sz="800" dirty="0"/>
-              <a:t>(de forma distinta)</a:t>
+              <a:t> sucessivos: pegar curso, depois campus e contar o total de campi em que há alunos (de forma distinta)</a:t>
             </a:r>
           </a:p>
           <a:p>
@@ -11182,6 +11190,9 @@
                     <p:cTn id="3" fill="hold">
                       <p:stCondLst>
                         <p:cond delay="indefinite"/>
+                        <p:cond evt="onBegin" delay="0">
+                          <p:tn val="2"/>
+                        </p:cond>
                       </p:stCondLst>
                       <p:childTnLst>
                         <p:par>
@@ -11191,7 +11202,7 @@
                             </p:stCondLst>
                             <p:childTnLst>
                               <p:par>
-                                <p:cTn id="5" presetID="9" presetClass="entr" presetSubtype="0" fill="hold" grpId="0" nodeType="clickEffect">
+                                <p:cTn id="5" presetID="9" presetClass="entr" presetSubtype="0" fill="hold" grpId="0" nodeType="afterEffect">
                                   <p:stCondLst>
                                     <p:cond delay="0"/>
                                   </p:stCondLst>
